--- a/horse_life.pptx
+++ b/horse_life.pptx
@@ -1,18 +1,22 @@
 
 <file path=ppt/presentation.xml><?xml version="1.0" encoding="utf-8"?>
-<p:presentation xmlns:a="http://schemas.openxmlformats.org/drawingml/2006/main" xmlns:r="http://schemas.openxmlformats.org/officeDocument/2006/relationships" xmlns:p="http://schemas.openxmlformats.org/presentationml/2006/main" xmlns:m="http://schemas.openxmlformats.org/officeDocument/2006/math" xmlns:a14="http://schemas.microsoft.com/office/drawing/2010/main">
+<p:presentation xmlns:a="http://schemas.openxmlformats.org/drawingml/2006/main" xmlns:r="http://schemas.openxmlformats.org/officeDocument/2006/relationships" xmlns:p="http://schemas.openxmlformats.org/presentationml/2006/main">
   <p:sldMasterIdLst>
-    <p:sldMasterId id="2147483648" r:id="rId5"/>
+    <p:sldMasterId id="2147483648" r:id="rId1"/>
   </p:sldMasterIdLst>
   <p:notesMasterIdLst>
-    <p:notesMasterId r:id="rId7"/>
+    <p:notesMasterId r:id="rId11"/>
   </p:notesMasterIdLst>
   <p:sldIdLst>
-    <p:sldId id="256" r:id="rId8"/>
-    <p:sldId id="257" r:id="rId9"/>
-    <p:sldId id="258" r:id="rId10"/>
-    <p:sldId id="259" r:id="rId11"/>
-    <p:sldId id="260" r:id="rId12"/>
+    <p:sldId id="256" r:id="rId2"/>
+    <p:sldId id="257" r:id="rId3"/>
+    <p:sldId id="258" r:id="rId4"/>
+    <p:sldId id="261" r:id="rId5"/>
+    <p:sldId id="259" r:id="rId6"/>
+    <p:sldId id="263" r:id="rId7"/>
+    <p:sldId id="260" r:id="rId8"/>
+    <p:sldId id="265" r:id="rId9"/>
+    <p:sldId id="264" r:id="rId10"/>
   </p:sldIdLst>
   <p:sldSz cx="24384000" cy="13716000"/>
   <p:notesSz cx="6858000" cy="9144000"/>
@@ -32,7 +36,7 @@
       <a:buFontTx/>
       <a:buNone/>
       <a:tabLst/>
-      <a:defRPr b="0" baseline="0" cap="none" i="0" spc="0" strike="noStrike" sz="1800" u="none" kumimoji="0" normalizeH="0">
+      <a:defRPr kumimoji="0" sz="1800" b="0" i="0" u="none" strike="noStrike" cap="none" spc="0" normalizeH="0" baseline="0">
         <a:ln>
           <a:noFill/>
         </a:ln>
@@ -58,7 +62,7 @@
       <a:buFontTx/>
       <a:buNone/>
       <a:tabLst/>
-      <a:defRPr b="0" baseline="0" cap="none" i="0" spc="0" strike="noStrike" sz="3000" u="none" kumimoji="0" normalizeH="0">
+      <a:defRPr kumimoji="0" sz="3000" b="0" i="0" u="none" strike="noStrike" cap="none" spc="0" normalizeH="0" baseline="0">
         <a:ln>
           <a:noFill/>
         </a:ln>
@@ -88,7 +92,7 @@
       <a:buFontTx/>
       <a:buNone/>
       <a:tabLst/>
-      <a:defRPr b="0" baseline="0" cap="none" i="0" spc="0" strike="noStrike" sz="3000" u="none" kumimoji="0" normalizeH="0">
+      <a:defRPr kumimoji="0" sz="3000" b="0" i="0" u="none" strike="noStrike" cap="none" spc="0" normalizeH="0" baseline="0">
         <a:ln>
           <a:noFill/>
         </a:ln>
@@ -118,7 +122,7 @@
       <a:buFontTx/>
       <a:buNone/>
       <a:tabLst/>
-      <a:defRPr b="0" baseline="0" cap="none" i="0" spc="0" strike="noStrike" sz="3000" u="none" kumimoji="0" normalizeH="0">
+      <a:defRPr kumimoji="0" sz="3000" b="0" i="0" u="none" strike="noStrike" cap="none" spc="0" normalizeH="0" baseline="0">
         <a:ln>
           <a:noFill/>
         </a:ln>
@@ -148,7 +152,7 @@
       <a:buFontTx/>
       <a:buNone/>
       <a:tabLst/>
-      <a:defRPr b="0" baseline="0" cap="none" i="0" spc="0" strike="noStrike" sz="3000" u="none" kumimoji="0" normalizeH="0">
+      <a:defRPr kumimoji="0" sz="3000" b="0" i="0" u="none" strike="noStrike" cap="none" spc="0" normalizeH="0" baseline="0">
         <a:ln>
           <a:noFill/>
         </a:ln>
@@ -178,7 +182,7 @@
       <a:buFontTx/>
       <a:buNone/>
       <a:tabLst/>
-      <a:defRPr b="0" baseline="0" cap="none" i="0" spc="0" strike="noStrike" sz="3000" u="none" kumimoji="0" normalizeH="0">
+      <a:defRPr kumimoji="0" sz="3000" b="0" i="0" u="none" strike="noStrike" cap="none" spc="0" normalizeH="0" baseline="0">
         <a:ln>
           <a:noFill/>
         </a:ln>
@@ -208,7 +212,7 @@
       <a:buFontTx/>
       <a:buNone/>
       <a:tabLst/>
-      <a:defRPr b="0" baseline="0" cap="none" i="0" spc="0" strike="noStrike" sz="3000" u="none" kumimoji="0" normalizeH="0">
+      <a:defRPr kumimoji="0" sz="3000" b="0" i="0" u="none" strike="noStrike" cap="none" spc="0" normalizeH="0" baseline="0">
         <a:ln>
           <a:noFill/>
         </a:ln>
@@ -238,7 +242,7 @@
       <a:buFontTx/>
       <a:buNone/>
       <a:tabLst/>
-      <a:defRPr b="0" baseline="0" cap="none" i="0" spc="0" strike="noStrike" sz="3000" u="none" kumimoji="0" normalizeH="0">
+      <a:defRPr kumimoji="0" sz="3000" b="0" i="0" u="none" strike="noStrike" cap="none" spc="0" normalizeH="0" baseline="0">
         <a:ln>
           <a:noFill/>
         </a:ln>
@@ -268,7 +272,7 @@
       <a:buFontTx/>
       <a:buNone/>
       <a:tabLst/>
-      <a:defRPr b="0" baseline="0" cap="none" i="0" spc="0" strike="noStrike" sz="3000" u="none" kumimoji="0" normalizeH="0">
+      <a:defRPr kumimoji="0" sz="3000" b="0" i="0" u="none" strike="noStrike" cap="none" spc="0" normalizeH="0" baseline="0">
         <a:ln>
           <a:noFill/>
         </a:ln>
@@ -298,7 +302,7 @@
       <a:buFontTx/>
       <a:buNone/>
       <a:tabLst/>
-      <a:defRPr b="0" baseline="0" cap="none" i="0" spc="0" strike="noStrike" sz="3000" u="none" kumimoji="0" normalizeH="0">
+      <a:defRPr kumimoji="0" sz="3000" b="0" i="0" u="none" strike="noStrike" cap="none" spc="0" normalizeH="0" baseline="0">
         <a:ln>
           <a:noFill/>
         </a:ln>
@@ -317,13 +321,14 @@
 </p:presentation>
 </file>
 
-<file path=ppt/commentAuthors.xml><?xml version="1.0" encoding="utf-8"?>
-<p:cmAuthorLst xmlns:a="http://schemas.openxmlformats.org/drawingml/2006/main" xmlns:r="http://schemas.openxmlformats.org/officeDocument/2006/relationships" xmlns:p="http://schemas.openxmlformats.org/presentationml/2006/main" xmlns:m="http://schemas.openxmlformats.org/officeDocument/2006/math" xmlns:a14="http://schemas.microsoft.com/office/drawing/2010/main"/>
-</file>
-
 <file path=ppt/notesMasters/notesMaster1.xml><?xml version="1.0" encoding="utf-8"?>
-<p:notesMaster xmlns:a="http://schemas.openxmlformats.org/drawingml/2006/main" xmlns:r="http://schemas.openxmlformats.org/officeDocument/2006/relationships" xmlns:p="http://schemas.openxmlformats.org/presentationml/2006/main" xmlns:m="http://schemas.openxmlformats.org/officeDocument/2006/math" xmlns:a14="http://schemas.microsoft.com/office/drawing/2010/main">
+<p:notesMaster xmlns:a="http://schemas.openxmlformats.org/drawingml/2006/main" xmlns:r="http://schemas.openxmlformats.org/officeDocument/2006/relationships" xmlns:p="http://schemas.openxmlformats.org/presentationml/2006/main">
   <p:cSld>
+    <p:bg>
+      <p:bgRef idx="1001">
+        <a:schemeClr val="bg1"/>
+      </p:bgRef>
+    </p:bg>
     <p:spTree>
       <p:nvGrpSpPr>
         <p:cNvPr id="1" name=""/>
@@ -341,7 +346,9 @@
       <p:sp>
         <p:nvSpPr>
           <p:cNvPr id="163" name="Shape 163"/>
-          <p:cNvSpPr/>
+          <p:cNvSpPr>
+            <a:spLocks noGrp="1" noRot="1" noChangeAspect="1"/>
+          </p:cNvSpPr>
           <p:nvPr>
             <p:ph type="sldImg"/>
           </p:nvPr>
@@ -359,14 +366,16 @@
           <a:bodyPr/>
           <a:lstStyle/>
           <a:p>
-            <a:pPr/>
+            <a:endParaRPr/>
           </a:p>
         </p:txBody>
       </p:sp>
       <p:sp>
         <p:nvSpPr>
           <p:cNvPr id="164" name="Shape 164"/>
-          <p:cNvSpPr/>
+          <p:cNvSpPr>
+            <a:spLocks noGrp="1"/>
+          </p:cNvSpPr>
           <p:nvPr>
             <p:ph type="body" sz="quarter" idx="1"/>
           </p:nvPr>
@@ -384,7 +393,7 @@
           <a:bodyPr/>
           <a:lstStyle/>
           <a:p>
-            <a:pPr/>
+            <a:endParaRPr/>
           </a:p>
         </p:txBody>
       </p:sp>
@@ -495,14 +504,151 @@
 </p:notesMaster>
 </file>
 
+<file path=ppt/notesSlides/notesSlide1.xml><?xml version="1.0" encoding="utf-8"?>
+<p:notes xmlns:a="http://schemas.openxmlformats.org/drawingml/2006/main" xmlns:r="http://schemas.openxmlformats.org/officeDocument/2006/relationships" xmlns:p="http://schemas.openxmlformats.org/presentationml/2006/main">
+  <p:cSld>
+    <p:spTree>
+      <p:nvGrpSpPr>
+        <p:cNvPr id="1" name=""/>
+        <p:cNvGrpSpPr/>
+        <p:nvPr/>
+      </p:nvGrpSpPr>
+      <p:grpSpPr>
+        <a:xfrm>
+          <a:off x="0" y="0"/>
+          <a:ext cx="0" cy="0"/>
+          <a:chOff x="0" y="0"/>
+          <a:chExt cx="0" cy="0"/>
+        </a:xfrm>
+      </p:grpSpPr>
+      <p:sp>
+        <p:nvSpPr>
+          <p:cNvPr id="2" name="Slide Image Placeholder 1"/>
+          <p:cNvSpPr>
+            <a:spLocks noGrp="1" noRot="1" noChangeAspect="1"/>
+          </p:cNvSpPr>
+          <p:nvPr>
+            <p:ph type="sldImg"/>
+          </p:nvPr>
+        </p:nvSpPr>
+        <p:spPr>
+          <a:xfrm>
+            <a:off x="381000" y="685800"/>
+            <a:ext cx="6096000" cy="3429000"/>
+          </a:xfrm>
+        </p:spPr>
+      </p:sp>
+      <p:sp>
+        <p:nvSpPr>
+          <p:cNvPr id="3" name="Notes Placeholder 2"/>
+          <p:cNvSpPr>
+            <a:spLocks noGrp="1"/>
+          </p:cNvSpPr>
+          <p:nvPr>
+            <p:ph type="body" idx="1"/>
+          </p:nvPr>
+        </p:nvSpPr>
+        <p:spPr/>
+        <p:txBody>
+          <a:bodyPr/>
+          <a:lstStyle/>
+          <a:p>
+            <a:r>
+              <a:rPr lang="en-US" sz="2200" b="0" i="0" dirty="0">
+                <a:effectLst/>
+                <a:latin typeface="Helvetica Neue"/>
+                <a:ea typeface="Helvetica Neue"/>
+                <a:cs typeface="Helvetica Neue"/>
+                <a:sym typeface="Helvetica Neue"/>
+              </a:rPr>
+              <a:t>For columns with more than 40% NAN Value : Remove Columns</a:t>
+            </a:r>
+          </a:p>
+          <a:p>
+            <a:r>
+              <a:rPr lang="en-US" sz="2200" b="0" i="0" dirty="0">
+                <a:effectLst/>
+                <a:latin typeface="Helvetica Neue"/>
+                <a:ea typeface="Helvetica Neue"/>
+                <a:cs typeface="Helvetica Neue"/>
+                <a:sym typeface="Helvetica Neue"/>
+              </a:rPr>
+              <a:t>For columns with less than 40% NAN Value</a:t>
+            </a:r>
+          </a:p>
+          <a:p>
+            <a:pPr lvl="1"/>
+            <a:r>
+              <a:rPr lang="en-US" sz="2200" b="1" i="1" dirty="0">
+                <a:effectLst/>
+                <a:latin typeface="Helvetica Neue"/>
+                <a:ea typeface="Helvetica Neue"/>
+                <a:cs typeface="Helvetica Neue"/>
+                <a:sym typeface="Helvetica Neue"/>
+              </a:rPr>
+              <a:t>For Numerical Data</a:t>
+            </a:r>
+            <a:r>
+              <a:rPr lang="en-US" sz="2200" b="0" i="0" dirty="0">
+                <a:effectLst/>
+                <a:latin typeface="Helvetica Neue"/>
+                <a:ea typeface="Helvetica Neue"/>
+                <a:cs typeface="Helvetica Neue"/>
+                <a:sym typeface="Helvetica Neue"/>
+              </a:rPr>
+              <a:t>: Replace NAN values with median value of that particular column</a:t>
+            </a:r>
+          </a:p>
+          <a:p>
+            <a:pPr lvl="1"/>
+            <a:r>
+              <a:rPr lang="en-US" sz="2200" b="1" i="1" dirty="0">
+                <a:effectLst/>
+                <a:latin typeface="Helvetica Neue"/>
+                <a:ea typeface="Helvetica Neue"/>
+                <a:cs typeface="Helvetica Neue"/>
+                <a:sym typeface="Helvetica Neue"/>
+              </a:rPr>
+              <a:t>For Categorical Data</a:t>
+            </a:r>
+            <a:r>
+              <a:rPr lang="en-US" sz="2200" b="0" i="0" dirty="0">
+                <a:effectLst/>
+                <a:latin typeface="Helvetica Neue"/>
+                <a:ea typeface="Helvetica Neue"/>
+                <a:cs typeface="Helvetica Neue"/>
+                <a:sym typeface="Helvetica Neue"/>
+              </a:rPr>
+              <a:t>: Replace NAN values with mode value of that particular column</a:t>
+            </a:r>
+          </a:p>
+          <a:p>
+            <a:endParaRPr lang="en-BR" dirty="0"/>
+          </a:p>
+        </p:txBody>
+      </p:sp>
+    </p:spTree>
+    <p:extLst>
+      <p:ext uri="{BB962C8B-B14F-4D97-AF65-F5344CB8AC3E}">
+        <p14:creationId xmlns:p14="http://schemas.microsoft.com/office/powerpoint/2010/main" val="2760438887"/>
+      </p:ext>
+    </p:extLst>
+  </p:cSld>
+  <p:clrMapOvr>
+    <a:masterClrMapping/>
+  </p:clrMapOvr>
+</p:notes>
+</file>
+
 <file path=ppt/slideLayouts/slideLayout1.xml><?xml version="1.0" encoding="utf-8"?>
-<p:sldLayout xmlns:a="http://schemas.openxmlformats.org/drawingml/2006/main" xmlns:r="http://schemas.openxmlformats.org/officeDocument/2006/relationships" xmlns:p="http://schemas.openxmlformats.org/presentationml/2006/main" xmlns:m="http://schemas.openxmlformats.org/officeDocument/2006/math" xmlns:a14="http://schemas.microsoft.com/office/drawing/2010/main" type="title" showMasterSp="0" showMasterPhAnim="1">
+<p:sldLayout xmlns:a="http://schemas.openxmlformats.org/drawingml/2006/main" xmlns:r="http://schemas.openxmlformats.org/officeDocument/2006/relationships" xmlns:p="http://schemas.openxmlformats.org/presentationml/2006/main" showMasterSp="0" type="title">
   <p:cSld name="Title &amp; Subtitle">
     <p:bg>
       <p:bgPr>
         <a:solidFill>
           <a:srgbClr val="222222"/>
         </a:solidFill>
+        <a:effectLst/>
       </p:bgPr>
     </p:bg>
     <p:spTree>
@@ -558,13 +704,16 @@
                 <a:sym typeface="Helvetica"/>
               </a:defRPr>
             </a:pPr>
+            <a:endParaRPr/>
           </a:p>
         </p:txBody>
       </p:sp>
       <p:sp>
         <p:nvSpPr>
           <p:cNvPr id="13" name="Title Text"/>
-          <p:cNvSpPr txBox="1"/>
+          <p:cNvSpPr txBox="1">
+            <a:spLocks noGrp="1"/>
+          </p:cNvSpPr>
           <p:nvPr>
             <p:ph type="title"/>
           </p:nvPr>
@@ -589,7 +738,6 @@
             </a:lvl1pPr>
           </a:lstStyle>
           <a:p>
-            <a:pPr/>
             <a:r>
               <a:t>Title Text</a:t>
             </a:r>
@@ -599,7 +747,9 @@
       <p:sp>
         <p:nvSpPr>
           <p:cNvPr id="14" name="Body Level One…"/>
-          <p:cNvSpPr txBox="1"/>
+          <p:cNvSpPr txBox="1">
+            <a:spLocks noGrp="1"/>
+          </p:cNvSpPr>
           <p:nvPr>
             <p:ph type="body" sz="quarter" idx="1"/>
           </p:nvPr>
@@ -627,7 +777,7 @@
               <a:buSzTx/>
               <a:buFontTx/>
               <a:buNone/>
-              <a:defRPr cap="all" sz="7700">
+              <a:defRPr sz="7700" cap="all">
                 <a:solidFill>
                   <a:srgbClr val="A6AAA9"/>
                 </a:solidFill>
@@ -648,7 +798,7 @@
               <a:buSzTx/>
               <a:buFontTx/>
               <a:buNone/>
-              <a:defRPr cap="all" sz="7700">
+              <a:defRPr sz="7700" cap="all">
                 <a:solidFill>
                   <a:srgbClr val="A6AAA9"/>
                 </a:solidFill>
@@ -669,7 +819,7 @@
               <a:buSzTx/>
               <a:buFontTx/>
               <a:buNone/>
-              <a:defRPr cap="all" sz="7700">
+              <a:defRPr sz="7700" cap="all">
                 <a:solidFill>
                   <a:srgbClr val="A6AAA9"/>
                 </a:solidFill>
@@ -690,7 +840,7 @@
               <a:buSzTx/>
               <a:buFontTx/>
               <a:buNone/>
-              <a:defRPr cap="all" sz="7700">
+              <a:defRPr sz="7700" cap="all">
                 <a:solidFill>
                   <a:srgbClr val="A6AAA9"/>
                 </a:solidFill>
@@ -711,7 +861,7 @@
               <a:buSzTx/>
               <a:buFontTx/>
               <a:buNone/>
-              <a:defRPr cap="all" sz="7700">
+              <a:defRPr sz="7700" cap="all">
                 <a:solidFill>
                   <a:srgbClr val="A6AAA9"/>
                 </a:solidFill>
@@ -723,7 +873,6 @@
             </a:lvl5pPr>
           </a:lstStyle>
           <a:p>
-            <a:pPr/>
             <a:r>
               <a:t>Body Level One</a:t>
             </a:r>
@@ -757,7 +906,9 @@
       <p:sp>
         <p:nvSpPr>
           <p:cNvPr id="15" name="Slide Number"/>
-          <p:cNvSpPr txBox="1"/>
+          <p:cNvSpPr txBox="1">
+            <a:spLocks noGrp="1"/>
+          </p:cNvSpPr>
           <p:nvPr>
             <p:ph type="sldNum" sz="quarter" idx="2"/>
           </p:nvPr>
@@ -775,8 +926,10 @@
           <a:bodyPr/>
           <a:lstStyle/>
           <a:p>
-            <a:pPr/>
-            <a:fld id="{86CB4B4D-7CA3-9044-876B-883B54F8677D}" type="slidenum"/>
+            <a:fld id="{86CB4B4D-7CA3-9044-876B-883B54F8677D}" type="slidenum">
+              <a:t>‹#›</a:t>
+            </a:fld>
+            <a:endParaRPr/>
           </a:p>
         </p:txBody>
       </p:sp>
@@ -785,18 +938,19 @@
   <p:clrMapOvr>
     <a:masterClrMapping/>
   </p:clrMapOvr>
-  <p:transition xmlns:p14="http://schemas.microsoft.com/office/powerpoint/2010/main" spd="med" advClick="1"/>
+  <p:transition spd="med"/>
 </p:sldLayout>
 </file>
 
 <file path=ppt/slideLayouts/slideLayout10.xml><?xml version="1.0" encoding="utf-8"?>
-<p:sldLayout xmlns:a="http://schemas.openxmlformats.org/drawingml/2006/main" xmlns:r="http://schemas.openxmlformats.org/officeDocument/2006/relationships" xmlns:p="http://schemas.openxmlformats.org/presentationml/2006/main" xmlns:m="http://schemas.openxmlformats.org/officeDocument/2006/math" xmlns:a14="http://schemas.microsoft.com/office/drawing/2010/main" type="tx" showMasterSp="1" showMasterPhAnim="1">
+<p:sldLayout xmlns:a="http://schemas.openxmlformats.org/drawingml/2006/main" xmlns:r="http://schemas.openxmlformats.org/officeDocument/2006/relationships" xmlns:p="http://schemas.openxmlformats.org/presentationml/2006/main" type="tx">
   <p:cSld name="Bullets">
     <p:bg>
       <p:bgPr>
         <a:solidFill>
           <a:srgbClr val="222222"/>
         </a:solidFill>
+        <a:effectLst/>
       </p:bgPr>
     </p:bg>
     <p:spTree>
@@ -816,7 +970,9 @@
       <p:sp>
         <p:nvSpPr>
           <p:cNvPr id="102" name="Text"/>
-          <p:cNvSpPr txBox="1"/>
+          <p:cNvSpPr txBox="1">
+            <a:spLocks noGrp="1"/>
+          </p:cNvSpPr>
           <p:nvPr>
             <p:ph type="body" sz="quarter" idx="21"/>
           </p:nvPr>
@@ -846,7 +1002,7 @@
               <a:buSzTx/>
               <a:buFontTx/>
               <a:buNone/>
-              <a:defRPr cap="all" spc="180" sz="3600">
+              <a:defRPr sz="3600" cap="all" spc="180">
                 <a:latin typeface="DIN Alternate Bold"/>
                 <a:ea typeface="DIN Alternate Bold"/>
                 <a:cs typeface="DIN Alternate Bold"/>
@@ -855,7 +1011,6 @@
             </a:lvl1pPr>
           </a:lstStyle>
           <a:p>
-            <a:pPr/>
             <a:r>
               <a:t>Text</a:t>
             </a:r>
@@ -865,7 +1020,9 @@
       <p:sp>
         <p:nvSpPr>
           <p:cNvPr id="103" name="Body Level One…"/>
-          <p:cNvSpPr txBox="1"/>
+          <p:cNvSpPr txBox="1">
+            <a:spLocks noGrp="1"/>
+          </p:cNvSpPr>
           <p:nvPr>
             <p:ph type="body" idx="1"/>
           </p:nvPr>
@@ -915,7 +1072,6 @@
             </a:lvl5pPr>
           </a:lstStyle>
           <a:p>
-            <a:pPr/>
             <a:r>
               <a:t>Body Level One</a:t>
             </a:r>
@@ -949,7 +1105,9 @@
       <p:sp>
         <p:nvSpPr>
           <p:cNvPr id="104" name="Slide Number"/>
-          <p:cNvSpPr txBox="1"/>
+          <p:cNvSpPr txBox="1">
+            <a:spLocks noGrp="1"/>
+          </p:cNvSpPr>
           <p:nvPr>
             <p:ph type="sldNum" sz="quarter" idx="2"/>
           </p:nvPr>
@@ -963,8 +1121,10 @@
           <a:bodyPr/>
           <a:lstStyle/>
           <a:p>
-            <a:pPr/>
-            <a:fld id="{86CB4B4D-7CA3-9044-876B-883B54F8677D}" type="slidenum"/>
+            <a:fld id="{86CB4B4D-7CA3-9044-876B-883B54F8677D}" type="slidenum">
+              <a:t>‹#›</a:t>
+            </a:fld>
+            <a:endParaRPr/>
           </a:p>
         </p:txBody>
       </p:sp>
@@ -973,18 +1133,19 @@
   <p:clrMapOvr>
     <a:masterClrMapping/>
   </p:clrMapOvr>
-  <p:transition xmlns:p14="http://schemas.microsoft.com/office/powerpoint/2010/main" spd="med" advClick="1"/>
+  <p:transition spd="med"/>
 </p:sldLayout>
 </file>
 
 <file path=ppt/slideLayouts/slideLayout11.xml><?xml version="1.0" encoding="utf-8"?>
-<p:sldLayout xmlns:a="http://schemas.openxmlformats.org/drawingml/2006/main" xmlns:r="http://schemas.openxmlformats.org/officeDocument/2006/relationships" xmlns:p="http://schemas.openxmlformats.org/presentationml/2006/main" xmlns:m="http://schemas.openxmlformats.org/officeDocument/2006/math" xmlns:a14="http://schemas.microsoft.com/office/drawing/2010/main" type="tx" showMasterSp="0" showMasterPhAnim="1">
+<p:sldLayout xmlns:a="http://schemas.openxmlformats.org/drawingml/2006/main" xmlns:r="http://schemas.openxmlformats.org/officeDocument/2006/relationships" xmlns:p="http://schemas.openxmlformats.org/presentationml/2006/main" showMasterSp="0" type="tx">
   <p:cSld name="Photo - 3 Up">
     <p:bg>
       <p:bgPr>
         <a:solidFill>
           <a:srgbClr val="222222"/>
         </a:solidFill>
+        <a:effectLst/>
       </p:bgPr>
     </p:bg>
     <p:spTree>
@@ -1004,7 +1165,9 @@
       <p:sp>
         <p:nvSpPr>
           <p:cNvPr id="111" name="Image"/>
-          <p:cNvSpPr/>
+          <p:cNvSpPr>
+            <a:spLocks noGrp="1"/>
+          </p:cNvSpPr>
           <p:nvPr>
             <p:ph type="pic" sz="half" idx="21"/>
           </p:nvPr>
@@ -1024,14 +1187,16 @@
           </a:bodyPr>
           <a:lstStyle/>
           <a:p>
-            <a:pPr/>
+            <a:endParaRPr/>
           </a:p>
         </p:txBody>
       </p:sp>
       <p:sp>
         <p:nvSpPr>
           <p:cNvPr id="112" name="Image"/>
-          <p:cNvSpPr/>
+          <p:cNvSpPr>
+            <a:spLocks noGrp="1"/>
+          </p:cNvSpPr>
           <p:nvPr>
             <p:ph type="pic" sz="half" idx="22"/>
           </p:nvPr>
@@ -1051,14 +1216,16 @@
           </a:bodyPr>
           <a:lstStyle/>
           <a:p>
-            <a:pPr/>
+            <a:endParaRPr/>
           </a:p>
         </p:txBody>
       </p:sp>
       <p:sp>
         <p:nvSpPr>
           <p:cNvPr id="113" name="Image"/>
-          <p:cNvSpPr/>
+          <p:cNvSpPr>
+            <a:spLocks noGrp="1"/>
+          </p:cNvSpPr>
           <p:nvPr>
             <p:ph type="pic" idx="23"/>
           </p:nvPr>
@@ -1078,14 +1245,16 @@
           </a:bodyPr>
           <a:lstStyle/>
           <a:p>
-            <a:pPr/>
+            <a:endParaRPr/>
           </a:p>
         </p:txBody>
       </p:sp>
       <p:sp>
         <p:nvSpPr>
           <p:cNvPr id="114" name="Slide Number"/>
-          <p:cNvSpPr txBox="1"/>
+          <p:cNvSpPr txBox="1">
+            <a:spLocks noGrp="1"/>
+          </p:cNvSpPr>
           <p:nvPr>
             <p:ph type="sldNum" sz="quarter" idx="2"/>
           </p:nvPr>
@@ -1099,8 +1268,10 @@
           <a:bodyPr/>
           <a:lstStyle/>
           <a:p>
-            <a:pPr/>
-            <a:fld id="{86CB4B4D-7CA3-9044-876B-883B54F8677D}" type="slidenum"/>
+            <a:fld id="{86CB4B4D-7CA3-9044-876B-883B54F8677D}" type="slidenum">
+              <a:t>‹#›</a:t>
+            </a:fld>
+            <a:endParaRPr/>
           </a:p>
         </p:txBody>
       </p:sp>
@@ -1109,18 +1280,19 @@
   <p:clrMapOvr>
     <a:masterClrMapping/>
   </p:clrMapOvr>
-  <p:transition xmlns:p14="http://schemas.microsoft.com/office/powerpoint/2010/main" spd="med" advClick="1"/>
+  <p:transition spd="med"/>
 </p:sldLayout>
 </file>
 
 <file path=ppt/slideLayouts/slideLayout12.xml><?xml version="1.0" encoding="utf-8"?>
-<p:sldLayout xmlns:a="http://schemas.openxmlformats.org/drawingml/2006/main" xmlns:r="http://schemas.openxmlformats.org/officeDocument/2006/relationships" xmlns:p="http://schemas.openxmlformats.org/presentationml/2006/main" xmlns:m="http://schemas.openxmlformats.org/officeDocument/2006/math" xmlns:a14="http://schemas.microsoft.com/office/drawing/2010/main" type="tx" showMasterSp="1" showMasterPhAnim="1">
+<p:sldLayout xmlns:a="http://schemas.openxmlformats.org/drawingml/2006/main" xmlns:r="http://schemas.openxmlformats.org/officeDocument/2006/relationships" xmlns:p="http://schemas.openxmlformats.org/presentationml/2006/main" type="tx">
   <p:cSld name="Quote">
     <p:bg>
       <p:bgPr>
         <a:solidFill>
           <a:srgbClr val="222222"/>
         </a:solidFill>
+        <a:effectLst/>
       </p:bgPr>
     </p:bg>
     <p:spTree>
@@ -1168,7 +1340,7 @@
             </a:cxnLst>
             <a:rect l="0" t="0" r="r" b="b"/>
             <a:pathLst>
-              <a:path w="21600" h="21600" fill="norm" stroke="1" extrusionOk="0">
+              <a:path w="21600" h="21600" extrusionOk="0">
                 <a:moveTo>
                   <a:pt x="119" y="0"/>
                 </a:moveTo>
@@ -1235,7 +1407,7 @@
               <a:spcBef>
                 <a:spcPts val="0"/>
               </a:spcBef>
-              <a:defRPr cap="all" sz="4000">
+              <a:defRPr sz="4000" cap="all">
                 <a:solidFill>
                   <a:srgbClr val="FFFFFF"/>
                 </a:solidFill>
@@ -1245,13 +1417,16 @@
                 <a:sym typeface="DIN Condensed Bold"/>
               </a:defRPr>
             </a:pPr>
+            <a:endParaRPr/>
           </a:p>
         </p:txBody>
       </p:sp>
       <p:sp>
         <p:nvSpPr>
           <p:cNvPr id="122" name="Type a quote here."/>
-          <p:cNvSpPr txBox="1"/>
+          <p:cNvSpPr txBox="1">
+            <a:spLocks noGrp="1"/>
+          </p:cNvSpPr>
           <p:nvPr>
             <p:ph type="body" sz="quarter" idx="21"/>
           </p:nvPr>
@@ -1281,7 +1456,7 @@
               <a:buSzTx/>
               <a:buFontTx/>
               <a:buNone/>
-              <a:defRPr cap="all" sz="13400">
+              <a:defRPr sz="13400" cap="all">
                 <a:solidFill>
                   <a:srgbClr val="FFFFFF"/>
                 </a:solidFill>
@@ -1293,7 +1468,6 @@
             </a:lvl1pPr>
           </a:lstStyle>
           <a:p>
-            <a:pPr/>
             <a:r>
               <a:t>Type a quote here.</a:t>
             </a:r>
@@ -1303,7 +1477,9 @@
       <p:sp>
         <p:nvSpPr>
           <p:cNvPr id="123" name="Johnny Appleseed"/>
-          <p:cNvSpPr txBox="1"/>
+          <p:cNvSpPr txBox="1">
+            <a:spLocks noGrp="1"/>
+          </p:cNvSpPr>
           <p:nvPr>
             <p:ph type="body" sz="quarter" idx="22"/>
           </p:nvPr>
@@ -1342,7 +1518,6 @@
             </a:lvl1pPr>
           </a:lstStyle>
           <a:p>
-            <a:pPr/>
             <a:r>
               <a:t>Johnny Appleseed</a:t>
             </a:r>
@@ -1352,7 +1527,9 @@
       <p:sp>
         <p:nvSpPr>
           <p:cNvPr id="124" name="Text"/>
-          <p:cNvSpPr txBox="1"/>
+          <p:cNvSpPr txBox="1">
+            <a:spLocks noGrp="1"/>
+          </p:cNvSpPr>
           <p:nvPr>
             <p:ph type="body" sz="quarter" idx="23"/>
           </p:nvPr>
@@ -1382,7 +1559,7 @@
               <a:buSzTx/>
               <a:buFontTx/>
               <a:buNone/>
-              <a:defRPr cap="all" spc="180" sz="3600">
+              <a:defRPr sz="3600" cap="all" spc="180">
                 <a:latin typeface="DIN Alternate Bold"/>
                 <a:ea typeface="DIN Alternate Bold"/>
                 <a:cs typeface="DIN Alternate Bold"/>
@@ -1391,7 +1568,6 @@
             </a:lvl1pPr>
           </a:lstStyle>
           <a:p>
-            <a:pPr/>
             <a:r>
               <a:t>Text</a:t>
             </a:r>
@@ -1401,7 +1577,9 @@
       <p:sp>
         <p:nvSpPr>
           <p:cNvPr id="125" name="Slide Number"/>
-          <p:cNvSpPr txBox="1"/>
+          <p:cNvSpPr txBox="1">
+            <a:spLocks noGrp="1"/>
+          </p:cNvSpPr>
           <p:nvPr>
             <p:ph type="sldNum" sz="quarter" idx="2"/>
           </p:nvPr>
@@ -1415,8 +1593,10 @@
           <a:bodyPr/>
           <a:lstStyle/>
           <a:p>
-            <a:pPr/>
-            <a:fld id="{86CB4B4D-7CA3-9044-876B-883B54F8677D}" type="slidenum"/>
+            <a:fld id="{86CB4B4D-7CA3-9044-876B-883B54F8677D}" type="slidenum">
+              <a:t>‹#›</a:t>
+            </a:fld>
+            <a:endParaRPr/>
           </a:p>
         </p:txBody>
       </p:sp>
@@ -1425,18 +1605,19 @@
   <p:clrMapOvr>
     <a:masterClrMapping/>
   </p:clrMapOvr>
-  <p:transition xmlns:p14="http://schemas.microsoft.com/office/powerpoint/2010/main" spd="med" advClick="1"/>
+  <p:transition spd="med"/>
 </p:sldLayout>
 </file>
 
 <file path=ppt/slideLayouts/slideLayout13.xml><?xml version="1.0" encoding="utf-8"?>
-<p:sldLayout xmlns:a="http://schemas.openxmlformats.org/drawingml/2006/main" xmlns:r="http://schemas.openxmlformats.org/officeDocument/2006/relationships" xmlns:p="http://schemas.openxmlformats.org/presentationml/2006/main" xmlns:m="http://schemas.openxmlformats.org/officeDocument/2006/math" xmlns:a14="http://schemas.microsoft.com/office/drawing/2010/main" type="tx" showMasterSp="0" showMasterPhAnim="1">
+<p:sldLayout xmlns:a="http://schemas.openxmlformats.org/drawingml/2006/main" xmlns:r="http://schemas.openxmlformats.org/officeDocument/2006/relationships" xmlns:p="http://schemas.openxmlformats.org/presentationml/2006/main" showMasterSp="0" type="tx">
   <p:cSld name="Quote Alt">
     <p:bg>
       <p:bgPr>
         <a:solidFill>
           <a:schemeClr val="accent1"/>
         </a:solidFill>
+        <a:effectLst/>
       </p:bgPr>
     </p:bg>
     <p:spTree>
@@ -1456,7 +1637,9 @@
       <p:sp>
         <p:nvSpPr>
           <p:cNvPr id="132" name="Type a quote here."/>
-          <p:cNvSpPr txBox="1"/>
+          <p:cNvSpPr txBox="1">
+            <a:spLocks noGrp="1"/>
+          </p:cNvSpPr>
           <p:nvPr>
             <p:ph type="body" sz="quarter" idx="21"/>
           </p:nvPr>
@@ -1486,7 +1669,7 @@
               <a:buSzTx/>
               <a:buFontTx/>
               <a:buNone/>
-              <a:defRPr cap="all" sz="13400">
+              <a:defRPr sz="13400" cap="all">
                 <a:solidFill>
                   <a:srgbClr val="FFFFFF"/>
                 </a:solidFill>
@@ -1498,7 +1681,6 @@
             </a:lvl1pPr>
           </a:lstStyle>
           <a:p>
-            <a:pPr/>
             <a:r>
               <a:t>Type a quote here.</a:t>
             </a:r>
@@ -1508,7 +1690,9 @@
       <p:sp>
         <p:nvSpPr>
           <p:cNvPr id="133" name="Image"/>
-          <p:cNvSpPr/>
+          <p:cNvSpPr>
+            <a:spLocks noGrp="1"/>
+          </p:cNvSpPr>
           <p:nvPr>
             <p:ph type="pic" idx="22"/>
           </p:nvPr>
@@ -1528,14 +1712,16 @@
           </a:bodyPr>
           <a:lstStyle/>
           <a:p>
-            <a:pPr/>
+            <a:endParaRPr/>
           </a:p>
         </p:txBody>
       </p:sp>
       <p:sp>
         <p:nvSpPr>
           <p:cNvPr id="134" name="Johnny Appleseed"/>
-          <p:cNvSpPr txBox="1"/>
+          <p:cNvSpPr txBox="1">
+            <a:spLocks noGrp="1"/>
+          </p:cNvSpPr>
           <p:nvPr>
             <p:ph type="body" sz="quarter" idx="23"/>
           </p:nvPr>
@@ -1574,7 +1760,6 @@
             </a:lvl1pPr>
           </a:lstStyle>
           <a:p>
-            <a:pPr/>
             <a:r>
               <a:t>Johnny Appleseed</a:t>
             </a:r>
@@ -1584,7 +1769,9 @@
       <p:sp>
         <p:nvSpPr>
           <p:cNvPr id="135" name="Slide Number"/>
-          <p:cNvSpPr txBox="1"/>
+          <p:cNvSpPr txBox="1">
+            <a:spLocks noGrp="1"/>
+          </p:cNvSpPr>
           <p:nvPr>
             <p:ph type="sldNum" sz="quarter" idx="2"/>
           </p:nvPr>
@@ -1598,8 +1785,10 @@
           <a:bodyPr/>
           <a:lstStyle/>
           <a:p>
-            <a:pPr/>
-            <a:fld id="{86CB4B4D-7CA3-9044-876B-883B54F8677D}" type="slidenum"/>
+            <a:fld id="{86CB4B4D-7CA3-9044-876B-883B54F8677D}" type="slidenum">
+              <a:t>‹#›</a:t>
+            </a:fld>
+            <a:endParaRPr/>
           </a:p>
         </p:txBody>
       </p:sp>
@@ -1608,18 +1797,19 @@
   <p:clrMapOvr>
     <a:masterClrMapping/>
   </p:clrMapOvr>
-  <p:transition xmlns:p14="http://schemas.microsoft.com/office/powerpoint/2010/main" spd="med" advClick="1"/>
+  <p:transition spd="med"/>
 </p:sldLayout>
 </file>
 
 <file path=ppt/slideLayouts/slideLayout14.xml><?xml version="1.0" encoding="utf-8"?>
-<p:sldLayout xmlns:a="http://schemas.openxmlformats.org/drawingml/2006/main" xmlns:r="http://schemas.openxmlformats.org/officeDocument/2006/relationships" xmlns:p="http://schemas.openxmlformats.org/presentationml/2006/main" xmlns:m="http://schemas.openxmlformats.org/officeDocument/2006/math" xmlns:a14="http://schemas.microsoft.com/office/drawing/2010/main" type="tx" showMasterSp="0" showMasterPhAnim="1">
+<p:sldLayout xmlns:a="http://schemas.openxmlformats.org/drawingml/2006/main" xmlns:r="http://schemas.openxmlformats.org/officeDocument/2006/relationships" xmlns:p="http://schemas.openxmlformats.org/presentationml/2006/main" showMasterSp="0" type="tx">
   <p:cSld name="Photo">
     <p:bg>
       <p:bgPr>
         <a:solidFill>
           <a:srgbClr val="222222"/>
         </a:solidFill>
+        <a:effectLst/>
       </p:bgPr>
     </p:bg>
     <p:spTree>
@@ -1639,7 +1829,9 @@
       <p:sp>
         <p:nvSpPr>
           <p:cNvPr id="142" name="Image"/>
-          <p:cNvSpPr/>
+          <p:cNvSpPr>
+            <a:spLocks noGrp="1"/>
+          </p:cNvSpPr>
           <p:nvPr>
             <p:ph type="pic" idx="21"/>
           </p:nvPr>
@@ -1659,14 +1851,16 @@
           </a:bodyPr>
           <a:lstStyle/>
           <a:p>
-            <a:pPr/>
+            <a:endParaRPr/>
           </a:p>
         </p:txBody>
       </p:sp>
       <p:sp>
         <p:nvSpPr>
           <p:cNvPr id="143" name="Slide Number"/>
-          <p:cNvSpPr txBox="1"/>
+          <p:cNvSpPr txBox="1">
+            <a:spLocks noGrp="1"/>
+          </p:cNvSpPr>
           <p:nvPr>
             <p:ph type="sldNum" sz="quarter" idx="2"/>
           </p:nvPr>
@@ -1680,8 +1874,10 @@
           <a:bodyPr/>
           <a:lstStyle/>
           <a:p>
-            <a:pPr/>
-            <a:fld id="{86CB4B4D-7CA3-9044-876B-883B54F8677D}" type="slidenum"/>
+            <a:fld id="{86CB4B4D-7CA3-9044-876B-883B54F8677D}" type="slidenum">
+              <a:t>‹#›</a:t>
+            </a:fld>
+            <a:endParaRPr/>
           </a:p>
         </p:txBody>
       </p:sp>
@@ -1690,18 +1886,19 @@
   <p:clrMapOvr>
     <a:masterClrMapping/>
   </p:clrMapOvr>
-  <p:transition xmlns:p14="http://schemas.microsoft.com/office/powerpoint/2010/main" spd="med" advClick="1"/>
+  <p:transition spd="med"/>
 </p:sldLayout>
 </file>
 
 <file path=ppt/slideLayouts/slideLayout15.xml><?xml version="1.0" encoding="utf-8"?>
-<p:sldLayout xmlns:a="http://schemas.openxmlformats.org/drawingml/2006/main" xmlns:r="http://schemas.openxmlformats.org/officeDocument/2006/relationships" xmlns:p="http://schemas.openxmlformats.org/presentationml/2006/main" xmlns:m="http://schemas.openxmlformats.org/officeDocument/2006/math" xmlns:a14="http://schemas.microsoft.com/office/drawing/2010/main" type="tx" showMasterSp="0" showMasterPhAnim="1">
+<p:sldLayout xmlns:a="http://schemas.openxmlformats.org/drawingml/2006/main" xmlns:r="http://schemas.openxmlformats.org/officeDocument/2006/relationships" xmlns:p="http://schemas.openxmlformats.org/presentationml/2006/main" showMasterSp="0" type="tx">
   <p:cSld name="Blank">
     <p:bg>
       <p:bgPr>
         <a:solidFill>
           <a:srgbClr val="222222"/>
         </a:solidFill>
+        <a:effectLst/>
       </p:bgPr>
     </p:bg>
     <p:spTree>
@@ -1721,7 +1918,9 @@
       <p:sp>
         <p:nvSpPr>
           <p:cNvPr id="150" name="Slide Number"/>
-          <p:cNvSpPr txBox="1"/>
+          <p:cNvSpPr txBox="1">
+            <a:spLocks noGrp="1"/>
+          </p:cNvSpPr>
           <p:nvPr>
             <p:ph type="sldNum" sz="quarter" idx="2"/>
           </p:nvPr>
@@ -1735,8 +1934,10 @@
           <a:bodyPr/>
           <a:lstStyle/>
           <a:p>
-            <a:pPr/>
-            <a:fld id="{86CB4B4D-7CA3-9044-876B-883B54F8677D}" type="slidenum"/>
+            <a:fld id="{86CB4B4D-7CA3-9044-876B-883B54F8677D}" type="slidenum">
+              <a:t>‹#›</a:t>
+            </a:fld>
+            <a:endParaRPr/>
           </a:p>
         </p:txBody>
       </p:sp>
@@ -1745,12 +1946,12 @@
   <p:clrMapOvr>
     <a:masterClrMapping/>
   </p:clrMapOvr>
-  <p:transition xmlns:p14="http://schemas.microsoft.com/office/powerpoint/2010/main" spd="med" advClick="1"/>
+  <p:transition spd="med"/>
 </p:sldLayout>
 </file>
 
 <file path=ppt/slideLayouts/slideLayout16.xml><?xml version="1.0" encoding="utf-8"?>
-<p:sldLayout xmlns:a="http://schemas.openxmlformats.org/drawingml/2006/main" xmlns:r="http://schemas.openxmlformats.org/officeDocument/2006/relationships" xmlns:p="http://schemas.openxmlformats.org/presentationml/2006/main" xmlns:m="http://schemas.openxmlformats.org/officeDocument/2006/math" xmlns:a14="http://schemas.microsoft.com/office/drawing/2010/main" type="tx" showMasterSp="0" showMasterPhAnim="1">
+<p:sldLayout xmlns:a="http://schemas.openxmlformats.org/drawingml/2006/main" xmlns:r="http://schemas.openxmlformats.org/officeDocument/2006/relationships" xmlns:p="http://schemas.openxmlformats.org/presentationml/2006/main" showMasterSp="0" type="tx">
   <p:cSld name="Blank Alt">
     <p:spTree>
       <p:nvGrpSpPr>
@@ -1769,7 +1970,9 @@
       <p:sp>
         <p:nvSpPr>
           <p:cNvPr id="157" name="Slide Number"/>
-          <p:cNvSpPr txBox="1"/>
+          <p:cNvSpPr txBox="1">
+            <a:spLocks noGrp="1"/>
+          </p:cNvSpPr>
           <p:nvPr>
             <p:ph type="sldNum" sz="quarter" idx="2"/>
           </p:nvPr>
@@ -1783,8 +1986,10 @@
           <a:bodyPr/>
           <a:lstStyle/>
           <a:p>
-            <a:pPr/>
-            <a:fld id="{86CB4B4D-7CA3-9044-876B-883B54F8677D}" type="slidenum"/>
+            <a:fld id="{86CB4B4D-7CA3-9044-876B-883B54F8677D}" type="slidenum">
+              <a:t>‹#›</a:t>
+            </a:fld>
+            <a:endParaRPr/>
           </a:p>
         </p:txBody>
       </p:sp>
@@ -1793,18 +1998,19 @@
   <p:clrMapOvr>
     <a:masterClrMapping/>
   </p:clrMapOvr>
-  <p:transition xmlns:p14="http://schemas.microsoft.com/office/powerpoint/2010/main" spd="med" advClick="1"/>
+  <p:transition spd="med"/>
 </p:sldLayout>
 </file>
 
 <file path=ppt/slideLayouts/slideLayout2.xml><?xml version="1.0" encoding="utf-8"?>
-<p:sldLayout xmlns:a="http://schemas.openxmlformats.org/drawingml/2006/main" xmlns:r="http://schemas.openxmlformats.org/officeDocument/2006/relationships" xmlns:p="http://schemas.openxmlformats.org/presentationml/2006/main" xmlns:m="http://schemas.openxmlformats.org/officeDocument/2006/math" xmlns:a14="http://schemas.microsoft.com/office/drawing/2010/main" type="tx" showMasterSp="0" showMasterPhAnim="1">
+<p:sldLayout xmlns:a="http://schemas.openxmlformats.org/drawingml/2006/main" xmlns:r="http://schemas.openxmlformats.org/officeDocument/2006/relationships" xmlns:p="http://schemas.openxmlformats.org/presentationml/2006/main" showMasterSp="0" type="tx">
   <p:cSld name="Photo - Horizontal">
     <p:bg>
       <p:bgPr>
         <a:solidFill>
           <a:srgbClr val="222222"/>
         </a:solidFill>
+        <a:effectLst/>
       </p:bgPr>
     </p:bg>
     <p:spTree>
@@ -1824,7 +2030,9 @@
       <p:sp>
         <p:nvSpPr>
           <p:cNvPr id="22" name="Image"/>
-          <p:cNvSpPr/>
+          <p:cNvSpPr>
+            <a:spLocks noGrp="1"/>
+          </p:cNvSpPr>
           <p:nvPr>
             <p:ph type="pic" idx="21"/>
           </p:nvPr>
@@ -1844,7 +2052,7 @@
           </a:bodyPr>
           <a:lstStyle/>
           <a:p>
-            <a:pPr/>
+            <a:endParaRPr/>
           </a:p>
         </p:txBody>
       </p:sp>
@@ -1887,13 +2095,16 @@
                 <a:sym typeface="Helvetica"/>
               </a:defRPr>
             </a:pPr>
+            <a:endParaRPr/>
           </a:p>
         </p:txBody>
       </p:sp>
       <p:sp>
         <p:nvSpPr>
           <p:cNvPr id="24" name="Title Text"/>
-          <p:cNvSpPr txBox="1"/>
+          <p:cNvSpPr txBox="1">
+            <a:spLocks noGrp="1"/>
+          </p:cNvSpPr>
           <p:nvPr>
             <p:ph type="title"/>
           </p:nvPr>
@@ -1918,7 +2129,6 @@
             </a:lvl1pPr>
           </a:lstStyle>
           <a:p>
-            <a:pPr/>
             <a:r>
               <a:t>Title Text</a:t>
             </a:r>
@@ -1928,7 +2138,9 @@
       <p:sp>
         <p:nvSpPr>
           <p:cNvPr id="25" name="Body Level One…"/>
-          <p:cNvSpPr txBox="1"/>
+          <p:cNvSpPr txBox="1">
+            <a:spLocks noGrp="1"/>
+          </p:cNvSpPr>
           <p:nvPr>
             <p:ph type="body" sz="quarter" idx="1"/>
           </p:nvPr>
@@ -1956,7 +2168,7 @@
               <a:buSzTx/>
               <a:buFontTx/>
               <a:buNone/>
-              <a:defRPr cap="all" sz="7700">
+              <a:defRPr sz="7700" cap="all">
                 <a:solidFill>
                   <a:srgbClr val="A6AAA9"/>
                 </a:solidFill>
@@ -1977,7 +2189,7 @@
               <a:buSzTx/>
               <a:buFontTx/>
               <a:buNone/>
-              <a:defRPr cap="all" sz="7700">
+              <a:defRPr sz="7700" cap="all">
                 <a:solidFill>
                   <a:srgbClr val="A6AAA9"/>
                 </a:solidFill>
@@ -1998,7 +2210,7 @@
               <a:buSzTx/>
               <a:buFontTx/>
               <a:buNone/>
-              <a:defRPr cap="all" sz="7700">
+              <a:defRPr sz="7700" cap="all">
                 <a:solidFill>
                   <a:srgbClr val="A6AAA9"/>
                 </a:solidFill>
@@ -2019,7 +2231,7 @@
               <a:buSzTx/>
               <a:buFontTx/>
               <a:buNone/>
-              <a:defRPr cap="all" sz="7700">
+              <a:defRPr sz="7700" cap="all">
                 <a:solidFill>
                   <a:srgbClr val="A6AAA9"/>
                 </a:solidFill>
@@ -2040,7 +2252,7 @@
               <a:buSzTx/>
               <a:buFontTx/>
               <a:buNone/>
-              <a:defRPr cap="all" sz="7700">
+              <a:defRPr sz="7700" cap="all">
                 <a:solidFill>
                   <a:srgbClr val="A6AAA9"/>
                 </a:solidFill>
@@ -2052,7 +2264,6 @@
             </a:lvl5pPr>
           </a:lstStyle>
           <a:p>
-            <a:pPr/>
             <a:r>
               <a:t>Body Level One</a:t>
             </a:r>
@@ -2086,7 +2297,9 @@
       <p:sp>
         <p:nvSpPr>
           <p:cNvPr id="26" name="Slide Number"/>
-          <p:cNvSpPr txBox="1"/>
+          <p:cNvSpPr txBox="1">
+            <a:spLocks noGrp="1"/>
+          </p:cNvSpPr>
           <p:nvPr>
             <p:ph type="sldNum" sz="quarter" idx="2"/>
           </p:nvPr>
@@ -2104,8 +2317,10 @@
           <a:bodyPr/>
           <a:lstStyle/>
           <a:p>
-            <a:pPr/>
-            <a:fld id="{86CB4B4D-7CA3-9044-876B-883B54F8677D}" type="slidenum"/>
+            <a:fld id="{86CB4B4D-7CA3-9044-876B-883B54F8677D}" type="slidenum">
+              <a:t>‹#›</a:t>
+            </a:fld>
+            <a:endParaRPr/>
           </a:p>
         </p:txBody>
       </p:sp>
@@ -2114,12 +2329,12 @@
   <p:clrMapOvr>
     <a:masterClrMapping/>
   </p:clrMapOvr>
-  <p:transition xmlns:p14="http://schemas.microsoft.com/office/powerpoint/2010/main" spd="med" advClick="1"/>
+  <p:transition spd="med"/>
 </p:sldLayout>
 </file>
 
 <file path=ppt/slideLayouts/slideLayout3.xml><?xml version="1.0" encoding="utf-8"?>
-<p:sldLayout xmlns:a="http://schemas.openxmlformats.org/drawingml/2006/main" xmlns:r="http://schemas.openxmlformats.org/officeDocument/2006/relationships" xmlns:p="http://schemas.openxmlformats.org/presentationml/2006/main" xmlns:m="http://schemas.openxmlformats.org/officeDocument/2006/math" xmlns:a14="http://schemas.microsoft.com/office/drawing/2010/main" type="tx" showMasterSp="0" showMasterPhAnim="1">
+<p:sldLayout xmlns:a="http://schemas.openxmlformats.org/drawingml/2006/main" xmlns:r="http://schemas.openxmlformats.org/officeDocument/2006/relationships" xmlns:p="http://schemas.openxmlformats.org/presentationml/2006/main" showMasterSp="0" type="tx">
   <p:cSld name="Title &amp; Subtitle Alt">
     <p:spTree>
       <p:nvGrpSpPr>
@@ -2174,13 +2389,16 @@
                 <a:sym typeface="Helvetica"/>
               </a:defRPr>
             </a:pPr>
+            <a:endParaRPr/>
           </a:p>
         </p:txBody>
       </p:sp>
       <p:sp>
         <p:nvSpPr>
           <p:cNvPr id="34" name="Title Text"/>
-          <p:cNvSpPr txBox="1"/>
+          <p:cNvSpPr txBox="1">
+            <a:spLocks noGrp="1"/>
+          </p:cNvSpPr>
           <p:nvPr>
             <p:ph type="title"/>
           </p:nvPr>
@@ -2205,7 +2423,6 @@
             </a:lvl1pPr>
           </a:lstStyle>
           <a:p>
-            <a:pPr/>
             <a:r>
               <a:t>Title Text</a:t>
             </a:r>
@@ -2215,7 +2432,9 @@
       <p:sp>
         <p:nvSpPr>
           <p:cNvPr id="35" name="Body Level One…"/>
-          <p:cNvSpPr txBox="1"/>
+          <p:cNvSpPr txBox="1">
+            <a:spLocks noGrp="1"/>
+          </p:cNvSpPr>
           <p:nvPr>
             <p:ph type="body" sz="quarter" idx="1"/>
           </p:nvPr>
@@ -2243,7 +2462,7 @@
               <a:buSzTx/>
               <a:buFontTx/>
               <a:buNone/>
-              <a:defRPr cap="all" sz="7700">
+              <a:defRPr sz="7700" cap="all">
                 <a:solidFill>
                   <a:srgbClr val="A6AAA9"/>
                 </a:solidFill>
@@ -2264,7 +2483,7 @@
               <a:buSzTx/>
               <a:buFontTx/>
               <a:buNone/>
-              <a:defRPr cap="all" sz="7700">
+              <a:defRPr sz="7700" cap="all">
                 <a:solidFill>
                   <a:srgbClr val="A6AAA9"/>
                 </a:solidFill>
@@ -2285,7 +2504,7 @@
               <a:buSzTx/>
               <a:buFontTx/>
               <a:buNone/>
-              <a:defRPr cap="all" sz="7700">
+              <a:defRPr sz="7700" cap="all">
                 <a:solidFill>
                   <a:srgbClr val="A6AAA9"/>
                 </a:solidFill>
@@ -2306,7 +2525,7 @@
               <a:buSzTx/>
               <a:buFontTx/>
               <a:buNone/>
-              <a:defRPr cap="all" sz="7700">
+              <a:defRPr sz="7700" cap="all">
                 <a:solidFill>
                   <a:srgbClr val="A6AAA9"/>
                 </a:solidFill>
@@ -2327,7 +2546,7 @@
               <a:buSzTx/>
               <a:buFontTx/>
               <a:buNone/>
-              <a:defRPr cap="all" sz="7700">
+              <a:defRPr sz="7700" cap="all">
                 <a:solidFill>
                   <a:srgbClr val="A6AAA9"/>
                 </a:solidFill>
@@ -2339,7 +2558,6 @@
             </a:lvl5pPr>
           </a:lstStyle>
           <a:p>
-            <a:pPr/>
             <a:r>
               <a:t>Body Level One</a:t>
             </a:r>
@@ -2373,7 +2591,9 @@
       <p:sp>
         <p:nvSpPr>
           <p:cNvPr id="36" name="Slide Number"/>
-          <p:cNvSpPr txBox="1"/>
+          <p:cNvSpPr txBox="1">
+            <a:spLocks noGrp="1"/>
+          </p:cNvSpPr>
           <p:nvPr>
             <p:ph type="sldNum" sz="quarter" idx="2"/>
           </p:nvPr>
@@ -2391,8 +2611,10 @@
           <a:bodyPr/>
           <a:lstStyle/>
           <a:p>
-            <a:pPr/>
-            <a:fld id="{86CB4B4D-7CA3-9044-876B-883B54F8677D}" type="slidenum"/>
+            <a:fld id="{86CB4B4D-7CA3-9044-876B-883B54F8677D}" type="slidenum">
+              <a:t>‹#›</a:t>
+            </a:fld>
+            <a:endParaRPr/>
           </a:p>
         </p:txBody>
       </p:sp>
@@ -2401,18 +2623,19 @@
   <p:clrMapOvr>
     <a:masterClrMapping/>
   </p:clrMapOvr>
-  <p:transition xmlns:p14="http://schemas.microsoft.com/office/powerpoint/2010/main" spd="med" advClick="1"/>
+  <p:transition spd="med"/>
 </p:sldLayout>
 </file>
 
 <file path=ppt/slideLayouts/slideLayout4.xml><?xml version="1.0" encoding="utf-8"?>
-<p:sldLayout xmlns:a="http://schemas.openxmlformats.org/drawingml/2006/main" xmlns:r="http://schemas.openxmlformats.org/officeDocument/2006/relationships" xmlns:p="http://schemas.openxmlformats.org/presentationml/2006/main" xmlns:m="http://schemas.openxmlformats.org/officeDocument/2006/math" xmlns:a14="http://schemas.microsoft.com/office/drawing/2010/main" type="tx" showMasterSp="0" showMasterPhAnim="1">
+<p:sldLayout xmlns:a="http://schemas.openxmlformats.org/drawingml/2006/main" xmlns:r="http://schemas.openxmlformats.org/officeDocument/2006/relationships" xmlns:p="http://schemas.openxmlformats.org/presentationml/2006/main" showMasterSp="0" type="tx">
   <p:cSld name="Title - Center">
     <p:bg>
       <p:bgPr>
         <a:solidFill>
           <a:srgbClr val="222222"/>
         </a:solidFill>
+        <a:effectLst/>
       </p:bgPr>
     </p:bg>
     <p:spTree>
@@ -2432,7 +2655,9 @@
       <p:sp>
         <p:nvSpPr>
           <p:cNvPr id="43" name="Title Text"/>
-          <p:cNvSpPr txBox="1"/>
+          <p:cNvSpPr txBox="1">
+            <a:spLocks noGrp="1"/>
+          </p:cNvSpPr>
           <p:nvPr>
             <p:ph type="title"/>
           </p:nvPr>
@@ -2457,7 +2682,6 @@
             </a:lvl1pPr>
           </a:lstStyle>
           <a:p>
-            <a:pPr/>
             <a:r>
               <a:t>Title Text</a:t>
             </a:r>
@@ -2467,7 +2691,9 @@
       <p:sp>
         <p:nvSpPr>
           <p:cNvPr id="44" name="Slide Number"/>
-          <p:cNvSpPr txBox="1"/>
+          <p:cNvSpPr txBox="1">
+            <a:spLocks noGrp="1"/>
+          </p:cNvSpPr>
           <p:nvPr>
             <p:ph type="sldNum" sz="quarter" idx="2"/>
           </p:nvPr>
@@ -2485,8 +2711,10 @@
           <a:bodyPr/>
           <a:lstStyle/>
           <a:p>
-            <a:pPr/>
-            <a:fld id="{86CB4B4D-7CA3-9044-876B-883B54F8677D}" type="slidenum"/>
+            <a:fld id="{86CB4B4D-7CA3-9044-876B-883B54F8677D}" type="slidenum">
+              <a:t>‹#›</a:t>
+            </a:fld>
+            <a:endParaRPr/>
           </a:p>
         </p:txBody>
       </p:sp>
@@ -2495,18 +2723,19 @@
   <p:clrMapOvr>
     <a:masterClrMapping/>
   </p:clrMapOvr>
-  <p:transition xmlns:p14="http://schemas.microsoft.com/office/powerpoint/2010/main" spd="med" advClick="1"/>
+  <p:transition spd="med"/>
 </p:sldLayout>
 </file>
 
 <file path=ppt/slideLayouts/slideLayout5.xml><?xml version="1.0" encoding="utf-8"?>
-<p:sldLayout xmlns:a="http://schemas.openxmlformats.org/drawingml/2006/main" xmlns:r="http://schemas.openxmlformats.org/officeDocument/2006/relationships" xmlns:p="http://schemas.openxmlformats.org/presentationml/2006/main" xmlns:m="http://schemas.openxmlformats.org/officeDocument/2006/math" xmlns:a14="http://schemas.microsoft.com/office/drawing/2010/main" type="tx" showMasterSp="0" showMasterPhAnim="1">
+<p:sldLayout xmlns:a="http://schemas.openxmlformats.org/drawingml/2006/main" xmlns:r="http://schemas.openxmlformats.org/officeDocument/2006/relationships" xmlns:p="http://schemas.openxmlformats.org/presentationml/2006/main" showMasterSp="0" type="tx">
   <p:cSld name="Photo - Vertical">
     <p:bg>
       <p:bgPr>
         <a:solidFill>
           <a:srgbClr val="222222"/>
         </a:solidFill>
+        <a:effectLst/>
       </p:bgPr>
     </p:bg>
     <p:spTree>
@@ -2562,13 +2791,16 @@
                 <a:sym typeface="Helvetica"/>
               </a:defRPr>
             </a:pPr>
+            <a:endParaRPr/>
           </a:p>
         </p:txBody>
       </p:sp>
       <p:sp>
         <p:nvSpPr>
           <p:cNvPr id="52" name="Image"/>
-          <p:cNvSpPr/>
+          <p:cNvSpPr>
+            <a:spLocks noGrp="1"/>
+          </p:cNvSpPr>
           <p:nvPr>
             <p:ph type="pic" idx="21"/>
           </p:nvPr>
@@ -2588,14 +2820,16 @@
           </a:bodyPr>
           <a:lstStyle/>
           <a:p>
-            <a:pPr/>
+            <a:endParaRPr/>
           </a:p>
         </p:txBody>
       </p:sp>
       <p:sp>
         <p:nvSpPr>
           <p:cNvPr id="53" name="Title Text"/>
-          <p:cNvSpPr txBox="1"/>
+          <p:cNvSpPr txBox="1">
+            <a:spLocks noGrp="1"/>
+          </p:cNvSpPr>
           <p:nvPr>
             <p:ph type="title"/>
           </p:nvPr>
@@ -2620,7 +2854,6 @@
             </a:lvl1pPr>
           </a:lstStyle>
           <a:p>
-            <a:pPr/>
             <a:r>
               <a:t>Title Text</a:t>
             </a:r>
@@ -2630,7 +2863,9 @@
       <p:sp>
         <p:nvSpPr>
           <p:cNvPr id="54" name="Body Level One…"/>
-          <p:cNvSpPr txBox="1"/>
+          <p:cNvSpPr txBox="1">
+            <a:spLocks noGrp="1"/>
+          </p:cNvSpPr>
           <p:nvPr>
             <p:ph type="body" sz="quarter" idx="1"/>
           </p:nvPr>
@@ -2658,7 +2893,7 @@
               <a:buSzTx/>
               <a:buFontTx/>
               <a:buNone/>
-              <a:defRPr cap="all" sz="7700">
+              <a:defRPr sz="7700" cap="all">
                 <a:solidFill>
                   <a:srgbClr val="A6AAA9"/>
                 </a:solidFill>
@@ -2679,7 +2914,7 @@
               <a:buSzTx/>
               <a:buFontTx/>
               <a:buNone/>
-              <a:defRPr cap="all" sz="7700">
+              <a:defRPr sz="7700" cap="all">
                 <a:solidFill>
                   <a:srgbClr val="A6AAA9"/>
                 </a:solidFill>
@@ -2700,7 +2935,7 @@
               <a:buSzTx/>
               <a:buFontTx/>
               <a:buNone/>
-              <a:defRPr cap="all" sz="7700">
+              <a:defRPr sz="7700" cap="all">
                 <a:solidFill>
                   <a:srgbClr val="A6AAA9"/>
                 </a:solidFill>
@@ -2721,7 +2956,7 @@
               <a:buSzTx/>
               <a:buFontTx/>
               <a:buNone/>
-              <a:defRPr cap="all" sz="7700">
+              <a:defRPr sz="7700" cap="all">
                 <a:solidFill>
                   <a:srgbClr val="A6AAA9"/>
                 </a:solidFill>
@@ -2742,7 +2977,7 @@
               <a:buSzTx/>
               <a:buFontTx/>
               <a:buNone/>
-              <a:defRPr cap="all" sz="7700">
+              <a:defRPr sz="7700" cap="all">
                 <a:solidFill>
                   <a:srgbClr val="A6AAA9"/>
                 </a:solidFill>
@@ -2754,7 +2989,6 @@
             </a:lvl5pPr>
           </a:lstStyle>
           <a:p>
-            <a:pPr/>
             <a:r>
               <a:t>Body Level One</a:t>
             </a:r>
@@ -2788,7 +3022,9 @@
       <p:sp>
         <p:nvSpPr>
           <p:cNvPr id="55" name="Slide Number"/>
-          <p:cNvSpPr txBox="1"/>
+          <p:cNvSpPr txBox="1">
+            <a:spLocks noGrp="1"/>
+          </p:cNvSpPr>
           <p:nvPr>
             <p:ph type="sldNum" sz="quarter" idx="2"/>
           </p:nvPr>
@@ -2806,8 +3042,10 @@
           <a:bodyPr/>
           <a:lstStyle/>
           <a:p>
-            <a:pPr/>
-            <a:fld id="{86CB4B4D-7CA3-9044-876B-883B54F8677D}" type="slidenum"/>
+            <a:fld id="{86CB4B4D-7CA3-9044-876B-883B54F8677D}" type="slidenum">
+              <a:t>‹#›</a:t>
+            </a:fld>
+            <a:endParaRPr/>
           </a:p>
         </p:txBody>
       </p:sp>
@@ -2816,12 +3054,12 @@
   <p:clrMapOvr>
     <a:masterClrMapping/>
   </p:clrMapOvr>
-  <p:transition xmlns:p14="http://schemas.microsoft.com/office/powerpoint/2010/main" spd="med" advClick="1"/>
+  <p:transition spd="med"/>
 </p:sldLayout>
 </file>
 
 <file path=ppt/slideLayouts/slideLayout6.xml><?xml version="1.0" encoding="utf-8"?>
-<p:sldLayout xmlns:a="http://schemas.openxmlformats.org/drawingml/2006/main" xmlns:r="http://schemas.openxmlformats.org/officeDocument/2006/relationships" xmlns:p="http://schemas.openxmlformats.org/presentationml/2006/main" xmlns:m="http://schemas.openxmlformats.org/officeDocument/2006/math" xmlns:a14="http://schemas.microsoft.com/office/drawing/2010/main" type="tx" showMasterSp="1" showMasterPhAnim="1">
+<p:sldLayout xmlns:a="http://schemas.openxmlformats.org/drawingml/2006/main" xmlns:r="http://schemas.openxmlformats.org/officeDocument/2006/relationships" xmlns:p="http://schemas.openxmlformats.org/presentationml/2006/main" type="tx">
   <p:cSld name="Title - Top">
     <p:spTree>
       <p:nvGrpSpPr>
@@ -2840,7 +3078,9 @@
       <p:sp>
         <p:nvSpPr>
           <p:cNvPr id="62" name="Text"/>
-          <p:cNvSpPr txBox="1"/>
+          <p:cNvSpPr txBox="1">
+            <a:spLocks noGrp="1"/>
+          </p:cNvSpPr>
           <p:nvPr>
             <p:ph type="body" sz="quarter" idx="21"/>
           </p:nvPr>
@@ -2870,7 +3110,7 @@
               <a:buSzTx/>
               <a:buFontTx/>
               <a:buNone/>
-              <a:defRPr cap="all" spc="180" sz="3600">
+              <a:defRPr sz="3600" cap="all" spc="180">
                 <a:latin typeface="DIN Alternate Bold"/>
                 <a:ea typeface="DIN Alternate Bold"/>
                 <a:cs typeface="DIN Alternate Bold"/>
@@ -2879,7 +3119,6 @@
             </a:lvl1pPr>
           </a:lstStyle>
           <a:p>
-            <a:pPr/>
             <a:r>
               <a:t>Text</a:t>
             </a:r>
@@ -2889,7 +3128,9 @@
       <p:sp>
         <p:nvSpPr>
           <p:cNvPr id="63" name="Title Text"/>
-          <p:cNvSpPr txBox="1"/>
+          <p:cNvSpPr txBox="1">
+            <a:spLocks noGrp="1"/>
+          </p:cNvSpPr>
           <p:nvPr>
             <p:ph type="title"/>
           </p:nvPr>
@@ -2903,7 +3144,6 @@
           <a:bodyPr/>
           <a:lstStyle/>
           <a:p>
-            <a:pPr/>
             <a:r>
               <a:t>Title Text</a:t>
             </a:r>
@@ -2913,7 +3153,9 @@
       <p:sp>
         <p:nvSpPr>
           <p:cNvPr id="64" name="Slide Number"/>
-          <p:cNvSpPr txBox="1"/>
+          <p:cNvSpPr txBox="1">
+            <a:spLocks noGrp="1"/>
+          </p:cNvSpPr>
           <p:nvPr>
             <p:ph type="sldNum" sz="quarter" idx="2"/>
           </p:nvPr>
@@ -2927,8 +3169,10 @@
           <a:bodyPr/>
           <a:lstStyle/>
           <a:p>
-            <a:pPr/>
-            <a:fld id="{86CB4B4D-7CA3-9044-876B-883B54F8677D}" type="slidenum"/>
+            <a:fld id="{86CB4B4D-7CA3-9044-876B-883B54F8677D}" type="slidenum">
+              <a:t>‹#›</a:t>
+            </a:fld>
+            <a:endParaRPr/>
           </a:p>
         </p:txBody>
       </p:sp>
@@ -2937,18 +3181,19 @@
   <p:clrMapOvr>
     <a:masterClrMapping/>
   </p:clrMapOvr>
-  <p:transition xmlns:p14="http://schemas.microsoft.com/office/powerpoint/2010/main" spd="med" advClick="1"/>
+  <p:transition spd="med"/>
 </p:sldLayout>
 </file>
 
 <file path=ppt/slideLayouts/slideLayout7.xml><?xml version="1.0" encoding="utf-8"?>
-<p:sldLayout xmlns:a="http://schemas.openxmlformats.org/drawingml/2006/main" xmlns:r="http://schemas.openxmlformats.org/officeDocument/2006/relationships" xmlns:p="http://schemas.openxmlformats.org/presentationml/2006/main" xmlns:m="http://schemas.openxmlformats.org/officeDocument/2006/math" xmlns:a14="http://schemas.microsoft.com/office/drawing/2010/main" type="tx" showMasterSp="1" showMasterPhAnim="1">
+<p:sldLayout xmlns:a="http://schemas.openxmlformats.org/drawingml/2006/main" xmlns:r="http://schemas.openxmlformats.org/officeDocument/2006/relationships" xmlns:p="http://schemas.openxmlformats.org/presentationml/2006/main" type="tx">
   <p:cSld name="Title &amp; Bullets">
     <p:bg>
       <p:bgPr>
         <a:solidFill>
           <a:srgbClr val="222222"/>
         </a:solidFill>
+        <a:effectLst/>
       </p:bgPr>
     </p:bg>
     <p:spTree>
@@ -2968,7 +3213,9 @@
       <p:sp>
         <p:nvSpPr>
           <p:cNvPr id="71" name="Text"/>
-          <p:cNvSpPr txBox="1"/>
+          <p:cNvSpPr txBox="1">
+            <a:spLocks noGrp="1"/>
+          </p:cNvSpPr>
           <p:nvPr>
             <p:ph type="body" sz="quarter" idx="21"/>
           </p:nvPr>
@@ -2998,7 +3245,7 @@
               <a:buSzTx/>
               <a:buFontTx/>
               <a:buNone/>
-              <a:defRPr cap="all" spc="180" sz="3600">
+              <a:defRPr sz="3600" cap="all" spc="180">
                 <a:latin typeface="DIN Alternate Bold"/>
                 <a:ea typeface="DIN Alternate Bold"/>
                 <a:cs typeface="DIN Alternate Bold"/>
@@ -3007,7 +3254,6 @@
             </a:lvl1pPr>
           </a:lstStyle>
           <a:p>
-            <a:pPr/>
             <a:r>
               <a:t>Text</a:t>
             </a:r>
@@ -3017,7 +3263,9 @@
       <p:sp>
         <p:nvSpPr>
           <p:cNvPr id="72" name="Title Text"/>
-          <p:cNvSpPr txBox="1"/>
+          <p:cNvSpPr txBox="1">
+            <a:spLocks noGrp="1"/>
+          </p:cNvSpPr>
           <p:nvPr>
             <p:ph type="title"/>
           </p:nvPr>
@@ -3031,7 +3279,6 @@
           <a:bodyPr/>
           <a:lstStyle/>
           <a:p>
-            <a:pPr/>
             <a:r>
               <a:t>Title Text</a:t>
             </a:r>
@@ -3041,7 +3288,9 @@
       <p:sp>
         <p:nvSpPr>
           <p:cNvPr id="73" name="Body Level One…"/>
-          <p:cNvSpPr txBox="1"/>
+          <p:cNvSpPr txBox="1">
+            <a:spLocks noGrp="1"/>
+          </p:cNvSpPr>
           <p:nvPr>
             <p:ph type="body" idx="1"/>
           </p:nvPr>
@@ -3086,7 +3335,6 @@
             </a:lvl5pPr>
           </a:lstStyle>
           <a:p>
-            <a:pPr/>
             <a:r>
               <a:t>Body Level One</a:t>
             </a:r>
@@ -3120,7 +3368,9 @@
       <p:sp>
         <p:nvSpPr>
           <p:cNvPr id="74" name="Slide Number"/>
-          <p:cNvSpPr txBox="1"/>
+          <p:cNvSpPr txBox="1">
+            <a:spLocks noGrp="1"/>
+          </p:cNvSpPr>
           <p:nvPr>
             <p:ph type="sldNum" sz="quarter" idx="2"/>
           </p:nvPr>
@@ -3134,8 +3384,10 @@
           <a:bodyPr/>
           <a:lstStyle/>
           <a:p>
-            <a:pPr/>
-            <a:fld id="{86CB4B4D-7CA3-9044-876B-883B54F8677D}" type="slidenum"/>
+            <a:fld id="{86CB4B4D-7CA3-9044-876B-883B54F8677D}" type="slidenum">
+              <a:t>‹#›</a:t>
+            </a:fld>
+            <a:endParaRPr/>
           </a:p>
         </p:txBody>
       </p:sp>
@@ -3144,12 +3396,12 @@
   <p:clrMapOvr>
     <a:masterClrMapping/>
   </p:clrMapOvr>
-  <p:transition xmlns:p14="http://schemas.microsoft.com/office/powerpoint/2010/main" spd="med" advClick="1"/>
+  <p:transition spd="med"/>
 </p:sldLayout>
 </file>
 
 <file path=ppt/slideLayouts/slideLayout8.xml><?xml version="1.0" encoding="utf-8"?>
-<p:sldLayout xmlns:a="http://schemas.openxmlformats.org/drawingml/2006/main" xmlns:r="http://schemas.openxmlformats.org/officeDocument/2006/relationships" xmlns:p="http://schemas.openxmlformats.org/presentationml/2006/main" xmlns:m="http://schemas.openxmlformats.org/officeDocument/2006/math" xmlns:a14="http://schemas.microsoft.com/office/drawing/2010/main" type="tx" showMasterSp="1" showMasterPhAnim="1">
+<p:sldLayout xmlns:a="http://schemas.openxmlformats.org/drawingml/2006/main" xmlns:r="http://schemas.openxmlformats.org/officeDocument/2006/relationships" xmlns:p="http://schemas.openxmlformats.org/presentationml/2006/main" type="tx">
   <p:cSld name="Title &amp; Bullets Alt">
     <p:spTree>
       <p:nvGrpSpPr>
@@ -3168,7 +3420,9 @@
       <p:sp>
         <p:nvSpPr>
           <p:cNvPr id="81" name="Text"/>
-          <p:cNvSpPr txBox="1"/>
+          <p:cNvSpPr txBox="1">
+            <a:spLocks noGrp="1"/>
+          </p:cNvSpPr>
           <p:nvPr>
             <p:ph type="body" sz="quarter" idx="21"/>
           </p:nvPr>
@@ -3198,7 +3452,7 @@
               <a:buSzTx/>
               <a:buFontTx/>
               <a:buNone/>
-              <a:defRPr cap="all" spc="180" sz="3600">
+              <a:defRPr sz="3600" cap="all" spc="180">
                 <a:latin typeface="DIN Alternate Bold"/>
                 <a:ea typeface="DIN Alternate Bold"/>
                 <a:cs typeface="DIN Alternate Bold"/>
@@ -3207,7 +3461,6 @@
             </a:lvl1pPr>
           </a:lstStyle>
           <a:p>
-            <a:pPr/>
             <a:r>
               <a:t>Text</a:t>
             </a:r>
@@ -3217,7 +3470,9 @@
       <p:sp>
         <p:nvSpPr>
           <p:cNvPr id="82" name="Title Text"/>
-          <p:cNvSpPr txBox="1"/>
+          <p:cNvSpPr txBox="1">
+            <a:spLocks noGrp="1"/>
+          </p:cNvSpPr>
           <p:nvPr>
             <p:ph type="title"/>
           </p:nvPr>
@@ -3231,7 +3486,6 @@
           <a:bodyPr/>
           <a:lstStyle/>
           <a:p>
-            <a:pPr/>
             <a:r>
               <a:t>Title Text</a:t>
             </a:r>
@@ -3241,7 +3495,9 @@
       <p:sp>
         <p:nvSpPr>
           <p:cNvPr id="83" name="Body Level One…"/>
-          <p:cNvSpPr txBox="1"/>
+          <p:cNvSpPr txBox="1">
+            <a:spLocks noGrp="1"/>
+          </p:cNvSpPr>
           <p:nvPr>
             <p:ph type="body" idx="1"/>
           </p:nvPr>
@@ -3286,7 +3542,6 @@
             </a:lvl5pPr>
           </a:lstStyle>
           <a:p>
-            <a:pPr/>
             <a:r>
               <a:t>Body Level One</a:t>
             </a:r>
@@ -3320,7 +3575,9 @@
       <p:sp>
         <p:nvSpPr>
           <p:cNvPr id="84" name="Slide Number"/>
-          <p:cNvSpPr txBox="1"/>
+          <p:cNvSpPr txBox="1">
+            <a:spLocks noGrp="1"/>
+          </p:cNvSpPr>
           <p:nvPr>
             <p:ph type="sldNum" sz="quarter" idx="2"/>
           </p:nvPr>
@@ -3334,8 +3591,10 @@
           <a:bodyPr/>
           <a:lstStyle/>
           <a:p>
-            <a:pPr/>
-            <a:fld id="{86CB4B4D-7CA3-9044-876B-883B54F8677D}" type="slidenum"/>
+            <a:fld id="{86CB4B4D-7CA3-9044-876B-883B54F8677D}" type="slidenum">
+              <a:t>‹#›</a:t>
+            </a:fld>
+            <a:endParaRPr/>
           </a:p>
         </p:txBody>
       </p:sp>
@@ -3344,18 +3603,19 @@
   <p:clrMapOvr>
     <a:masterClrMapping/>
   </p:clrMapOvr>
-  <p:transition xmlns:p14="http://schemas.microsoft.com/office/powerpoint/2010/main" spd="med" advClick="1"/>
+  <p:transition spd="med"/>
 </p:sldLayout>
 </file>
 
 <file path=ppt/slideLayouts/slideLayout9.xml><?xml version="1.0" encoding="utf-8"?>
-<p:sldLayout xmlns:a="http://schemas.openxmlformats.org/drawingml/2006/main" xmlns:r="http://schemas.openxmlformats.org/officeDocument/2006/relationships" xmlns:p="http://schemas.openxmlformats.org/presentationml/2006/main" xmlns:m="http://schemas.openxmlformats.org/officeDocument/2006/math" xmlns:a14="http://schemas.microsoft.com/office/drawing/2010/main" type="tx" showMasterSp="1" showMasterPhAnim="1">
+<p:sldLayout xmlns:a="http://schemas.openxmlformats.org/drawingml/2006/main" xmlns:r="http://schemas.openxmlformats.org/officeDocument/2006/relationships" xmlns:p="http://schemas.openxmlformats.org/presentationml/2006/main" type="tx">
   <p:cSld name="Title, Bullets &amp; Photo">
     <p:bg>
       <p:bgPr>
         <a:solidFill>
           <a:srgbClr val="222222"/>
         </a:solidFill>
+        <a:effectLst/>
       </p:bgPr>
     </p:bg>
     <p:spTree>
@@ -3375,7 +3635,9 @@
       <p:sp>
         <p:nvSpPr>
           <p:cNvPr id="91" name="Text"/>
-          <p:cNvSpPr txBox="1"/>
+          <p:cNvSpPr txBox="1">
+            <a:spLocks noGrp="1"/>
+          </p:cNvSpPr>
           <p:nvPr>
             <p:ph type="body" sz="quarter" idx="21"/>
           </p:nvPr>
@@ -3405,7 +3667,7 @@
               <a:buSzTx/>
               <a:buFontTx/>
               <a:buNone/>
-              <a:defRPr cap="all" spc="180" sz="3600">
+              <a:defRPr sz="3600" cap="all" spc="180">
                 <a:latin typeface="DIN Alternate Bold"/>
                 <a:ea typeface="DIN Alternate Bold"/>
                 <a:cs typeface="DIN Alternate Bold"/>
@@ -3414,7 +3676,6 @@
             </a:lvl1pPr>
           </a:lstStyle>
           <a:p>
-            <a:pPr/>
             <a:r>
               <a:t>Text</a:t>
             </a:r>
@@ -3424,7 +3685,9 @@
       <p:sp>
         <p:nvSpPr>
           <p:cNvPr id="92" name="Image"/>
-          <p:cNvSpPr/>
+          <p:cNvSpPr>
+            <a:spLocks noGrp="1"/>
+          </p:cNvSpPr>
           <p:nvPr>
             <p:ph type="pic" idx="22"/>
           </p:nvPr>
@@ -3444,14 +3707,16 @@
           </a:bodyPr>
           <a:lstStyle/>
           <a:p>
-            <a:pPr/>
+            <a:endParaRPr/>
           </a:p>
         </p:txBody>
       </p:sp>
       <p:sp>
         <p:nvSpPr>
           <p:cNvPr id="93" name="Title Text"/>
-          <p:cNvSpPr txBox="1"/>
+          <p:cNvSpPr txBox="1">
+            <a:spLocks noGrp="1"/>
+          </p:cNvSpPr>
           <p:nvPr>
             <p:ph type="title"/>
           </p:nvPr>
@@ -3469,7 +3734,6 @@
           <a:bodyPr/>
           <a:lstStyle/>
           <a:p>
-            <a:pPr/>
             <a:r>
               <a:t>Title Text</a:t>
             </a:r>
@@ -3479,7 +3743,9 @@
       <p:sp>
         <p:nvSpPr>
           <p:cNvPr id="94" name="Body Level One…"/>
-          <p:cNvSpPr txBox="1"/>
+          <p:cNvSpPr txBox="1">
+            <a:spLocks noGrp="1"/>
+          </p:cNvSpPr>
           <p:nvPr>
             <p:ph type="body" sz="half" idx="1"/>
           </p:nvPr>
@@ -3533,7 +3799,6 @@
             </a:lvl5pPr>
           </a:lstStyle>
           <a:p>
-            <a:pPr/>
             <a:r>
               <a:t>Body Level One</a:t>
             </a:r>
@@ -3567,7 +3832,9 @@
       <p:sp>
         <p:nvSpPr>
           <p:cNvPr id="95" name="Slide Number"/>
-          <p:cNvSpPr txBox="1"/>
+          <p:cNvSpPr txBox="1">
+            <a:spLocks noGrp="1"/>
+          </p:cNvSpPr>
           <p:nvPr>
             <p:ph type="sldNum" sz="quarter" idx="2"/>
           </p:nvPr>
@@ -3581,8 +3848,10 @@
           <a:bodyPr/>
           <a:lstStyle/>
           <a:p>
-            <a:pPr/>
-            <a:fld id="{86CB4B4D-7CA3-9044-876B-883B54F8677D}" type="slidenum"/>
+            <a:fld id="{86CB4B4D-7CA3-9044-876B-883B54F8677D}" type="slidenum">
+              <a:t>‹#›</a:t>
+            </a:fld>
+            <a:endParaRPr/>
           </a:p>
         </p:txBody>
       </p:sp>
@@ -3591,18 +3860,19 @@
   <p:clrMapOvr>
     <a:masterClrMapping/>
   </p:clrMapOvr>
-  <p:transition xmlns:p14="http://schemas.microsoft.com/office/powerpoint/2010/main" spd="med" advClick="1"/>
+  <p:transition spd="med"/>
 </p:sldLayout>
 </file>
 
 <file path=ppt/slideMasters/slideMaster1.xml><?xml version="1.0" encoding="utf-8"?>
-<p:sldMaster xmlns:a="http://schemas.openxmlformats.org/drawingml/2006/main" xmlns:r="http://schemas.openxmlformats.org/officeDocument/2006/relationships" xmlns:p="http://schemas.openxmlformats.org/presentationml/2006/main" xmlns:m="http://schemas.openxmlformats.org/officeDocument/2006/math" xmlns:a14="http://schemas.microsoft.com/office/drawing/2010/main">
+<p:sldMaster xmlns:a="http://schemas.openxmlformats.org/drawingml/2006/main" xmlns:r="http://schemas.openxmlformats.org/officeDocument/2006/relationships" xmlns:p="http://schemas.openxmlformats.org/presentationml/2006/main">
   <p:cSld>
     <p:bg>
       <p:bgPr>
         <a:solidFill>
           <a:srgbClr val="FFFFFF"/>
         </a:solidFill>
+        <a:effectLst/>
       </p:bgPr>
     </p:bg>
     <p:spTree>
@@ -3658,13 +3928,16 @@
                 <a:sym typeface="Helvetica"/>
               </a:defRPr>
             </a:pPr>
+            <a:endParaRPr/>
           </a:p>
         </p:txBody>
       </p:sp>
       <p:sp>
         <p:nvSpPr>
           <p:cNvPr id="3" name="Title Text"/>
-          <p:cNvSpPr txBox="1"/>
+          <p:cNvSpPr txBox="1">
+            <a:spLocks noGrp="1"/>
+          </p:cNvSpPr>
           <p:nvPr>
             <p:ph type="title"/>
           </p:nvPr>
@@ -3682,17 +3955,16 @@
           </a:ln>
           <a:extLst>
             <a:ext uri="{C572A759-6A51-4108-AA02-DFA0A04FC94B}">
-              <ma14:wrappingTextBoxFlag xmlns:ma14="http://schemas.microsoft.com/office/mac/drawingml/2011/main" val="1"/>
+              <ma14:wrappingTextBoxFlag xmlns:ma14="http://schemas.microsoft.com/office/mac/drawingml/2011/main" xmlns:a14="http://schemas.microsoft.com/office/drawing/2010/main" xmlns:m="http://schemas.openxmlformats.org/officeDocument/2006/math" xmlns="" val="1"/>
             </a:ext>
           </a:extLst>
         </p:spPr>
         <p:txBody>
           <a:bodyPr lIns="50800" tIns="50800" rIns="50800" bIns="50800">
-            <a:normAutofit fontScale="100000" lnSpcReduction="0"/>
+            <a:normAutofit/>
           </a:bodyPr>
           <a:lstStyle/>
           <a:p>
-            <a:pPr/>
             <a:r>
               <a:t>Title Text</a:t>
             </a:r>
@@ -3702,7 +3974,9 @@
       <p:sp>
         <p:nvSpPr>
           <p:cNvPr id="4" name="Body Level One…"/>
-          <p:cNvSpPr txBox="1"/>
+          <p:cNvSpPr txBox="1">
+            <a:spLocks noGrp="1"/>
+          </p:cNvSpPr>
           <p:nvPr>
             <p:ph type="body" idx="1"/>
           </p:nvPr>
@@ -3720,17 +3994,16 @@
           </a:ln>
           <a:extLst>
             <a:ext uri="{C572A759-6A51-4108-AA02-DFA0A04FC94B}">
-              <ma14:wrappingTextBoxFlag xmlns:ma14="http://schemas.microsoft.com/office/mac/drawingml/2011/main" val="1"/>
+              <ma14:wrappingTextBoxFlag xmlns:ma14="http://schemas.microsoft.com/office/mac/drawingml/2011/main" xmlns:a14="http://schemas.microsoft.com/office/drawing/2010/main" xmlns:m="http://schemas.openxmlformats.org/officeDocument/2006/math" xmlns="" val="1"/>
             </a:ext>
           </a:extLst>
         </p:spPr>
         <p:txBody>
           <a:bodyPr lIns="50800" tIns="50800" rIns="50800" bIns="50800">
-            <a:normAutofit fontScale="100000" lnSpcReduction="0"/>
+            <a:normAutofit/>
           </a:bodyPr>
           <a:lstStyle/>
           <a:p>
-            <a:pPr/>
             <a:r>
               <a:t>Body Level One</a:t>
             </a:r>
@@ -3764,7 +4037,9 @@
       <p:sp>
         <p:nvSpPr>
           <p:cNvPr id="5" name="Slide Number"/>
-          <p:cNvSpPr txBox="1"/>
+          <p:cNvSpPr txBox="1">
+            <a:spLocks noGrp="1"/>
+          </p:cNvSpPr>
           <p:nvPr>
             <p:ph type="sldNum" sz="quarter" idx="2"/>
           </p:nvPr>
@@ -3802,8 +4077,10 @@
             </a:lvl1pPr>
           </a:lstStyle>
           <a:p>
-            <a:pPr/>
-            <a:fld id="{86CB4B4D-7CA3-9044-876B-883B54F8677D}" type="slidenum"/>
+            <a:fld id="{86CB4B4D-7CA3-9044-876B-883B54F8677D}" type="slidenum">
+              <a:t>‹#›</a:t>
+            </a:fld>
+            <a:endParaRPr/>
           </a:p>
         </p:txBody>
       </p:sp>
@@ -3811,24 +4088,24 @@
   </p:cSld>
   <p:clrMap bg1="dk1" tx1="lt1" bg2="dk2" tx2="lt2" accent1="accent1" accent2="accent2" accent3="accent3" accent4="accent4" accent5="accent5" accent6="accent6" hlink="hlink" folHlink="folHlink"/>
   <p:sldLayoutIdLst>
-    <p:sldLayoutId id="2147483649" r:id="rId2"/>
-    <p:sldLayoutId id="2147483650" r:id="rId3"/>
-    <p:sldLayoutId id="2147483651" r:id="rId4"/>
-    <p:sldLayoutId id="2147483652" r:id="rId5"/>
-    <p:sldLayoutId id="2147483653" r:id="rId6"/>
-    <p:sldLayoutId id="2147483654" r:id="rId7"/>
-    <p:sldLayoutId id="2147483655" r:id="rId8"/>
-    <p:sldLayoutId id="2147483656" r:id="rId9"/>
-    <p:sldLayoutId id="2147483657" r:id="rId10"/>
-    <p:sldLayoutId id="2147483658" r:id="rId11"/>
-    <p:sldLayoutId id="2147483659" r:id="rId12"/>
-    <p:sldLayoutId id="2147483660" r:id="rId13"/>
-    <p:sldLayoutId id="2147483661" r:id="rId14"/>
-    <p:sldLayoutId id="2147483662" r:id="rId15"/>
-    <p:sldLayoutId id="2147483663" r:id="rId16"/>
-    <p:sldLayoutId id="2147483664" r:id="rId17"/>
+    <p:sldLayoutId id="2147483649" r:id="rId1"/>
+    <p:sldLayoutId id="2147483650" r:id="rId2"/>
+    <p:sldLayoutId id="2147483651" r:id="rId3"/>
+    <p:sldLayoutId id="2147483652" r:id="rId4"/>
+    <p:sldLayoutId id="2147483653" r:id="rId5"/>
+    <p:sldLayoutId id="2147483654" r:id="rId6"/>
+    <p:sldLayoutId id="2147483655" r:id="rId7"/>
+    <p:sldLayoutId id="2147483656" r:id="rId8"/>
+    <p:sldLayoutId id="2147483657" r:id="rId9"/>
+    <p:sldLayoutId id="2147483658" r:id="rId10"/>
+    <p:sldLayoutId id="2147483659" r:id="rId11"/>
+    <p:sldLayoutId id="2147483660" r:id="rId12"/>
+    <p:sldLayoutId id="2147483661" r:id="rId13"/>
+    <p:sldLayoutId id="2147483662" r:id="rId14"/>
+    <p:sldLayoutId id="2147483663" r:id="rId15"/>
+    <p:sldLayoutId id="2147483664" r:id="rId16"/>
   </p:sldLayoutIdLst>
-  <p:transition xmlns:p14="http://schemas.microsoft.com/office/powerpoint/2010/main" spd="med" advClick="1"/>
+  <p:transition spd="med"/>
   <p:txStyles>
     <p:titleStyle>
       <a:lvl1pPr marL="0" marR="0" indent="0" algn="l" defTabSz="825500" rtl="0" latinLnBrk="0">
@@ -3846,7 +4123,7 @@
         <a:buFontTx/>
         <a:buNone/>
         <a:tabLst/>
-        <a:defRPr b="0" baseline="0" cap="all" i="0" spc="0" strike="noStrike" sz="8700" u="none">
+        <a:defRPr sz="8700" b="0" i="0" u="none" strike="noStrike" cap="all" spc="0" baseline="0">
           <a:solidFill>
             <a:schemeClr val="accent1"/>
           </a:solidFill>
@@ -3872,7 +4149,7 @@
         <a:buFontTx/>
         <a:buNone/>
         <a:tabLst/>
-        <a:defRPr b="0" baseline="0" cap="all" i="0" spc="0" strike="noStrike" sz="8700" u="none">
+        <a:defRPr sz="8700" b="0" i="0" u="none" strike="noStrike" cap="all" spc="0" baseline="0">
           <a:solidFill>
             <a:schemeClr val="accent1"/>
           </a:solidFill>
@@ -3898,7 +4175,7 @@
         <a:buFontTx/>
         <a:buNone/>
         <a:tabLst/>
-        <a:defRPr b="0" baseline="0" cap="all" i="0" spc="0" strike="noStrike" sz="8700" u="none">
+        <a:defRPr sz="8700" b="0" i="0" u="none" strike="noStrike" cap="all" spc="0" baseline="0">
           <a:solidFill>
             <a:schemeClr val="accent1"/>
           </a:solidFill>
@@ -3924,7 +4201,7 @@
         <a:buFontTx/>
         <a:buNone/>
         <a:tabLst/>
-        <a:defRPr b="0" baseline="0" cap="all" i="0" spc="0" strike="noStrike" sz="8700" u="none">
+        <a:defRPr sz="8700" b="0" i="0" u="none" strike="noStrike" cap="all" spc="0" baseline="0">
           <a:solidFill>
             <a:schemeClr val="accent1"/>
           </a:solidFill>
@@ -3950,7 +4227,7 @@
         <a:buFontTx/>
         <a:buNone/>
         <a:tabLst/>
-        <a:defRPr b="0" baseline="0" cap="all" i="0" spc="0" strike="noStrike" sz="8700" u="none">
+        <a:defRPr sz="8700" b="0" i="0" u="none" strike="noStrike" cap="all" spc="0" baseline="0">
           <a:solidFill>
             <a:schemeClr val="accent1"/>
           </a:solidFill>
@@ -3976,7 +4253,7 @@
         <a:buFontTx/>
         <a:buNone/>
         <a:tabLst/>
-        <a:defRPr b="0" baseline="0" cap="all" i="0" spc="0" strike="noStrike" sz="8700" u="none">
+        <a:defRPr sz="8700" b="0" i="0" u="none" strike="noStrike" cap="all" spc="0" baseline="0">
           <a:solidFill>
             <a:schemeClr val="accent1"/>
           </a:solidFill>
@@ -4002,7 +4279,7 @@
         <a:buFontTx/>
         <a:buNone/>
         <a:tabLst/>
-        <a:defRPr b="0" baseline="0" cap="all" i="0" spc="0" strike="noStrike" sz="8700" u="none">
+        <a:defRPr sz="8700" b="0" i="0" u="none" strike="noStrike" cap="all" spc="0" baseline="0">
           <a:solidFill>
             <a:schemeClr val="accent1"/>
           </a:solidFill>
@@ -4028,7 +4305,7 @@
         <a:buFontTx/>
         <a:buNone/>
         <a:tabLst/>
-        <a:defRPr b="0" baseline="0" cap="all" i="0" spc="0" strike="noStrike" sz="8700" u="none">
+        <a:defRPr sz="8700" b="0" i="0" u="none" strike="noStrike" cap="all" spc="0" baseline="0">
           <a:solidFill>
             <a:schemeClr val="accent1"/>
           </a:solidFill>
@@ -4054,7 +4331,7 @@
         <a:buFontTx/>
         <a:buNone/>
         <a:tabLst/>
-        <a:defRPr b="0" baseline="0" cap="all" i="0" spc="0" strike="noStrike" sz="8700" u="none">
+        <a:defRPr sz="8700" b="0" i="0" u="none" strike="noStrike" cap="all" spc="0" baseline="0">
           <a:solidFill>
             <a:schemeClr val="accent1"/>
           </a:solidFill>
@@ -4086,7 +4363,7 @@
         <a:buFont typeface="Avenir Next Regular"/>
         <a:buChar char="‣"/>
         <a:tabLst/>
-        <a:defRPr b="0" baseline="0" cap="none" i="0" spc="0" strike="noStrike" sz="4800" u="none">
+        <a:defRPr sz="4800" b="0" i="0" u="none" strike="noStrike" cap="none" spc="0" baseline="0">
           <a:solidFill>
             <a:srgbClr val="838787"/>
           </a:solidFill>
@@ -4116,7 +4393,7 @@
         <a:buFont typeface="Avenir Next Regular"/>
         <a:buChar char="‣"/>
         <a:tabLst/>
-        <a:defRPr b="0" baseline="0" cap="none" i="0" spc="0" strike="noStrike" sz="4800" u="none">
+        <a:defRPr sz="4800" b="0" i="0" u="none" strike="noStrike" cap="none" spc="0" baseline="0">
           <a:solidFill>
             <a:srgbClr val="838787"/>
           </a:solidFill>
@@ -4146,7 +4423,7 @@
         <a:buFont typeface="Avenir Next Regular"/>
         <a:buChar char="‣"/>
         <a:tabLst/>
-        <a:defRPr b="0" baseline="0" cap="none" i="0" spc="0" strike="noStrike" sz="4800" u="none">
+        <a:defRPr sz="4800" b="0" i="0" u="none" strike="noStrike" cap="none" spc="0" baseline="0">
           <a:solidFill>
             <a:srgbClr val="838787"/>
           </a:solidFill>
@@ -4176,7 +4453,7 @@
         <a:buFont typeface="Avenir Next Regular"/>
         <a:buChar char="‣"/>
         <a:tabLst/>
-        <a:defRPr b="0" baseline="0" cap="none" i="0" spc="0" strike="noStrike" sz="4800" u="none">
+        <a:defRPr sz="4800" b="0" i="0" u="none" strike="noStrike" cap="none" spc="0" baseline="0">
           <a:solidFill>
             <a:srgbClr val="838787"/>
           </a:solidFill>
@@ -4206,7 +4483,7 @@
         <a:buFont typeface="Avenir Next Regular"/>
         <a:buChar char="‣"/>
         <a:tabLst/>
-        <a:defRPr b="0" baseline="0" cap="none" i="0" spc="0" strike="noStrike" sz="4800" u="none">
+        <a:defRPr sz="4800" b="0" i="0" u="none" strike="noStrike" cap="none" spc="0" baseline="0">
           <a:solidFill>
             <a:srgbClr val="838787"/>
           </a:solidFill>
@@ -4236,7 +4513,7 @@
         <a:buFont typeface="Avenir Next Regular"/>
         <a:buChar char="‣"/>
         <a:tabLst/>
-        <a:defRPr b="0" baseline="0" cap="none" i="0" spc="0" strike="noStrike" sz="4800" u="none">
+        <a:defRPr sz="4800" b="0" i="0" u="none" strike="noStrike" cap="none" spc="0" baseline="0">
           <a:solidFill>
             <a:srgbClr val="838787"/>
           </a:solidFill>
@@ -4266,7 +4543,7 @@
         <a:buFont typeface="Avenir Next Regular"/>
         <a:buChar char="‣"/>
         <a:tabLst/>
-        <a:defRPr b="0" baseline="0" cap="none" i="0" spc="0" strike="noStrike" sz="4800" u="none">
+        <a:defRPr sz="4800" b="0" i="0" u="none" strike="noStrike" cap="none" spc="0" baseline="0">
           <a:solidFill>
             <a:srgbClr val="838787"/>
           </a:solidFill>
@@ -4296,7 +4573,7 @@
         <a:buFont typeface="Avenir Next Regular"/>
         <a:buChar char="‣"/>
         <a:tabLst/>
-        <a:defRPr b="0" baseline="0" cap="none" i="0" spc="0" strike="noStrike" sz="4800" u="none">
+        <a:defRPr sz="4800" b="0" i="0" u="none" strike="noStrike" cap="none" spc="0" baseline="0">
           <a:solidFill>
             <a:srgbClr val="838787"/>
           </a:solidFill>
@@ -4326,7 +4603,7 @@
         <a:buFont typeface="Avenir Next Regular"/>
         <a:buChar char="‣"/>
         <a:tabLst/>
-        <a:defRPr b="0" baseline="0" cap="none" i="0" spc="0" strike="noStrike" sz="4800" u="none">
+        <a:defRPr sz="4800" b="0" i="0" u="none" strike="noStrike" cap="none" spc="0" baseline="0">
           <a:solidFill>
             <a:srgbClr val="838787"/>
           </a:solidFill>
@@ -4354,7 +4631,7 @@
         <a:buFontTx/>
         <a:buNone/>
         <a:tabLst/>
-        <a:defRPr b="0" baseline="0" cap="none" i="0" spc="0" strike="noStrike" sz="3600" u="none">
+        <a:defRPr sz="3600" b="0" i="0" u="none" strike="noStrike" cap="none" spc="0" baseline="0">
           <a:solidFill>
             <a:schemeClr val="tx1"/>
           </a:solidFill>
@@ -4380,7 +4657,7 @@
         <a:buFontTx/>
         <a:buNone/>
         <a:tabLst/>
-        <a:defRPr b="0" baseline="0" cap="none" i="0" spc="0" strike="noStrike" sz="3600" u="none">
+        <a:defRPr sz="3600" b="0" i="0" u="none" strike="noStrike" cap="none" spc="0" baseline="0">
           <a:solidFill>
             <a:schemeClr val="tx1"/>
           </a:solidFill>
@@ -4406,7 +4683,7 @@
         <a:buFontTx/>
         <a:buNone/>
         <a:tabLst/>
-        <a:defRPr b="0" baseline="0" cap="none" i="0" spc="0" strike="noStrike" sz="3600" u="none">
+        <a:defRPr sz="3600" b="0" i="0" u="none" strike="noStrike" cap="none" spc="0" baseline="0">
           <a:solidFill>
             <a:schemeClr val="tx1"/>
           </a:solidFill>
@@ -4432,7 +4709,7 @@
         <a:buFontTx/>
         <a:buNone/>
         <a:tabLst/>
-        <a:defRPr b="0" baseline="0" cap="none" i="0" spc="0" strike="noStrike" sz="3600" u="none">
+        <a:defRPr sz="3600" b="0" i="0" u="none" strike="noStrike" cap="none" spc="0" baseline="0">
           <a:solidFill>
             <a:schemeClr val="tx1"/>
           </a:solidFill>
@@ -4458,7 +4735,7 @@
         <a:buFontTx/>
         <a:buNone/>
         <a:tabLst/>
-        <a:defRPr b="0" baseline="0" cap="none" i="0" spc="0" strike="noStrike" sz="3600" u="none">
+        <a:defRPr sz="3600" b="0" i="0" u="none" strike="noStrike" cap="none" spc="0" baseline="0">
           <a:solidFill>
             <a:schemeClr val="tx1"/>
           </a:solidFill>
@@ -4484,7 +4761,7 @@
         <a:buFontTx/>
         <a:buNone/>
         <a:tabLst/>
-        <a:defRPr b="0" baseline="0" cap="none" i="0" spc="0" strike="noStrike" sz="3600" u="none">
+        <a:defRPr sz="3600" b="0" i="0" u="none" strike="noStrike" cap="none" spc="0" baseline="0">
           <a:solidFill>
             <a:schemeClr val="tx1"/>
           </a:solidFill>
@@ -4510,7 +4787,7 @@
         <a:buFontTx/>
         <a:buNone/>
         <a:tabLst/>
-        <a:defRPr b="0" baseline="0" cap="none" i="0" spc="0" strike="noStrike" sz="3600" u="none">
+        <a:defRPr sz="3600" b="0" i="0" u="none" strike="noStrike" cap="none" spc="0" baseline="0">
           <a:solidFill>
             <a:schemeClr val="tx1"/>
           </a:solidFill>
@@ -4536,7 +4813,7 @@
         <a:buFontTx/>
         <a:buNone/>
         <a:tabLst/>
-        <a:defRPr b="0" baseline="0" cap="none" i="0" spc="0" strike="noStrike" sz="3600" u="none">
+        <a:defRPr sz="3600" b="0" i="0" u="none" strike="noStrike" cap="none" spc="0" baseline="0">
           <a:solidFill>
             <a:schemeClr val="tx1"/>
           </a:solidFill>
@@ -4562,7 +4839,7 @@
         <a:buFontTx/>
         <a:buNone/>
         <a:tabLst/>
-        <a:defRPr b="0" baseline="0" cap="none" i="0" spc="0" strike="noStrike" sz="3600" u="none">
+        <a:defRPr sz="3600" b="0" i="0" u="none" strike="noStrike" cap="none" spc="0" baseline="0">
           <a:solidFill>
             <a:schemeClr val="tx1"/>
           </a:solidFill>
@@ -4579,7 +4856,7 @@
 </file>
 
 <file path=ppt/slides/slide1.xml><?xml version="1.0" encoding="utf-8"?>
-<p:sld xmlns:a="http://schemas.openxmlformats.org/drawingml/2006/main" xmlns:r="http://schemas.openxmlformats.org/officeDocument/2006/relationships" xmlns:p="http://schemas.openxmlformats.org/presentationml/2006/main" xmlns:m="http://schemas.openxmlformats.org/officeDocument/2006/math" xmlns:a14="http://schemas.microsoft.com/office/drawing/2010/main" showMasterSp="1" showMasterPhAnim="1">
+<p:sld xmlns:a="http://schemas.openxmlformats.org/drawingml/2006/main" xmlns:r="http://schemas.openxmlformats.org/officeDocument/2006/relationships" xmlns:p="http://schemas.openxmlformats.org/presentationml/2006/main">
   <p:cSld>
     <p:spTree>
       <p:nvGrpSpPr>
@@ -4599,17 +4876,15 @@
         <p:nvPicPr>
           <p:cNvPr id="166" name="horse.jpeg" descr="horse.jpeg"/>
           <p:cNvPicPr>
-            <a:picLocks noChangeAspect="1"/>
+            <a:picLocks noGrp="1" noChangeAspect="1"/>
           </p:cNvPicPr>
           <p:nvPr>
             <p:ph type="pic" idx="21"/>
           </p:nvPr>
         </p:nvPicPr>
         <p:blipFill>
-          <a:blip r:embed="rId2">
-            <a:extLst/>
-          </a:blip>
-          <a:srcRect l="0" t="6786" r="0" b="6786"/>
+          <a:blip r:embed="rId2"/>
+          <a:srcRect t="6786" b="6786"/>
           <a:stretch>
             <a:fillRect/>
           </a:stretch>
@@ -4639,7 +4914,7 @@
             </a:cxnLst>
             <a:rect l="0" t="0" r="r" b="b"/>
             <a:pathLst>
-              <a:path w="21600" h="21600" fill="norm" stroke="1" extrusionOk="0">
+              <a:path w="21600" h="21600" extrusionOk="0">
                 <a:moveTo>
                   <a:pt x="0" y="0"/>
                 </a:moveTo>
@@ -4766,13 +5041,16 @@
                 <a:sym typeface="Helvetica"/>
               </a:defRPr>
             </a:pPr>
+            <a:endParaRPr/>
           </a:p>
         </p:txBody>
       </p:sp>
       <p:sp>
         <p:nvSpPr>
           <p:cNvPr id="168" name="Horse dataset"/>
-          <p:cNvSpPr txBox="1"/>
+          <p:cNvSpPr txBox="1">
+            <a:spLocks noGrp="1"/>
+          </p:cNvSpPr>
           <p:nvPr>
             <p:ph type="title"/>
           </p:nvPr>
@@ -4790,7 +5068,6 @@
             </a:lvl1pPr>
           </a:lstStyle>
           <a:p>
-            <a:pPr/>
             <a:r>
               <a:t>Horse dataset</a:t>
             </a:r>
@@ -4800,7 +5077,9 @@
       <p:sp>
         <p:nvSpPr>
           <p:cNvPr id="169" name="Prever se um cavalo vai sobreviver"/>
-          <p:cNvSpPr txBox="1"/>
+          <p:cNvSpPr txBox="1">
+            <a:spLocks noGrp="1"/>
+          </p:cNvSpPr>
           <p:nvPr>
             <p:ph type="body" sz="quarter" idx="1"/>
           </p:nvPr>
@@ -4822,7 +5101,6 @@
             </a:lvl1pPr>
           </a:lstStyle>
           <a:p>
-            <a:pPr/>
             <a:r>
               <a:t>Prever se um cavalo vai sobreviver</a:t>
             </a:r>
@@ -4834,12 +5112,12 @@
   <p:clrMapOvr>
     <a:masterClrMapping/>
   </p:clrMapOvr>
-  <p:transition xmlns:p14="http://schemas.microsoft.com/office/powerpoint/2010/main" spd="med" advClick="1"/>
+  <p:transition spd="med"/>
 </p:sld>
 </file>
 
 <file path=ppt/slides/slide2.xml><?xml version="1.0" encoding="utf-8"?>
-<p:sld xmlns:a="http://schemas.openxmlformats.org/drawingml/2006/main" xmlns:r="http://schemas.openxmlformats.org/officeDocument/2006/relationships" xmlns:p="http://schemas.openxmlformats.org/presentationml/2006/main" xmlns:m="http://schemas.openxmlformats.org/officeDocument/2006/math" xmlns:a14="http://schemas.microsoft.com/office/drawing/2010/main" showMasterSp="1" showMasterPhAnim="1">
+<p:sld xmlns:a="http://schemas.openxmlformats.org/drawingml/2006/main" xmlns:r="http://schemas.openxmlformats.org/officeDocument/2006/relationships" xmlns:p="http://schemas.openxmlformats.org/presentationml/2006/main">
   <p:cSld>
     <p:spTree>
       <p:nvGrpSpPr>
@@ -4858,7 +5136,9 @@
       <p:sp>
         <p:nvSpPr>
           <p:cNvPr id="171" name="Formato dos dados"/>
-          <p:cNvSpPr txBox="1"/>
+          <p:cNvSpPr txBox="1">
+            <a:spLocks noGrp="1"/>
+          </p:cNvSpPr>
           <p:nvPr>
             <p:ph type="body" idx="21"/>
           </p:nvPr>
@@ -4872,7 +5152,6 @@
           <a:bodyPr/>
           <a:lstStyle/>
           <a:p>
-            <a:pPr/>
             <a:r>
               <a:t>Formato dos dados</a:t>
             </a:r>
@@ -4882,7 +5161,9 @@
       <p:sp>
         <p:nvSpPr>
           <p:cNvPr id="172" name="299 linhas e 28 atributos"/>
-          <p:cNvSpPr txBox="1"/>
+          <p:cNvSpPr txBox="1">
+            <a:spLocks noGrp="1"/>
+          </p:cNvSpPr>
           <p:nvPr>
             <p:ph type="title"/>
           </p:nvPr>
@@ -4903,7 +5184,6 @@
             </a:lvl1pPr>
           </a:lstStyle>
           <a:p>
-            <a:pPr/>
             <a:r>
               <a:t>299 linhas e 28 atributos</a:t>
             </a:r>
@@ -4929,7 +5209,7 @@
           </a:ln>
           <a:extLst>
             <a:ext uri="{C572A759-6A51-4108-AA02-DFA0A04FC94B}">
-              <ma14:wrappingTextBoxFlag xmlns:ma14="http://schemas.microsoft.com/office/mac/drawingml/2011/main" val="1"/>
+              <ma14:wrappingTextBoxFlag xmlns:ma14="http://schemas.microsoft.com/office/mac/drawingml/2011/main" xmlns:a14="http://schemas.microsoft.com/office/drawing/2010/main" xmlns:m="http://schemas.openxmlformats.org/officeDocument/2006/math" xmlns="" val="1"/>
             </a:ext>
           </a:extLst>
         </p:spPr>
@@ -4947,7 +5227,6 @@
             </a:lvl1pPr>
           </a:lstStyle>
           <a:p>
-            <a:pPr/>
             <a:r>
               <a:t>Formato: 299 linhas e 28 atributos</a:t>
             </a:r>
@@ -4985,7 +5264,7 @@
             </a:cxnLst>
             <a:rect l="0" t="0" r="r" b="b"/>
             <a:pathLst>
-              <a:path w="21600" h="21600" fill="norm" stroke="1" extrusionOk="0">
+              <a:path w="21600" h="21600" extrusionOk="0">
                 <a:moveTo>
                   <a:pt x="4569" y="0"/>
                 </a:moveTo>
@@ -5042,7 +5321,7 @@
           </a:ln>
           <a:extLst>
             <a:ext uri="{C572A759-6A51-4108-AA02-DFA0A04FC94B}">
-              <ma14:wrappingTextBoxFlag xmlns:ma14="http://schemas.microsoft.com/office/mac/drawingml/2011/main" val="1"/>
+              <ma14:wrappingTextBoxFlag xmlns:ma14="http://schemas.microsoft.com/office/mac/drawingml/2011/main" xmlns:a14="http://schemas.microsoft.com/office/drawing/2010/main" xmlns:m="http://schemas.openxmlformats.org/officeDocument/2006/math" xmlns="" val="1"/>
             </a:ext>
           </a:extLst>
         </p:spPr>
@@ -5057,7 +5336,7 @@
               <a:spcBef>
                 <a:spcPts val="0"/>
               </a:spcBef>
-              <a:defRPr cap="all" sz="4000">
+              <a:defRPr sz="4000" cap="all">
                 <a:solidFill>
                   <a:srgbClr val="FFFFFF"/>
                 </a:solidFill>
@@ -5068,7 +5347,16 @@
               </a:defRPr>
             </a:pPr>
             <a:r>
-              <a:t>17 categóricos </a:t>
+              <a:rPr dirty="0"/>
+              <a:t>17 </a:t>
+            </a:r>
+            <a:r>
+              <a:rPr dirty="0" err="1"/>
+              <a:t>categóricos</a:t>
+            </a:r>
+            <a:r>
+              <a:rPr dirty="0"/>
+              <a:t> </a:t>
             </a:r>
           </a:p>
           <a:p>
@@ -5079,7 +5367,7 @@
               <a:spcBef>
                 <a:spcPts val="0"/>
               </a:spcBef>
-              <a:defRPr cap="all" sz="4000">
+              <a:defRPr sz="4000" cap="all">
                 <a:solidFill>
                   <a:srgbClr val="FFFFFF"/>
                 </a:solidFill>
@@ -5090,8 +5378,14 @@
               </a:defRPr>
             </a:pPr>
             <a:r>
-              <a:t>11 numéricos</a:t>
-            </a:r>
+              <a:rPr dirty="0"/>
+              <a:t>11 </a:t>
+            </a:r>
+            <a:r>
+              <a:rPr dirty="0" err="1"/>
+              <a:t>numéricos</a:t>
+            </a:r>
+            <a:endParaRPr dirty="0"/>
           </a:p>
         </p:txBody>
       </p:sp>
@@ -5104,9 +5398,7 @@
           <p:nvPr/>
         </p:nvPicPr>
         <p:blipFill>
-          <a:blip r:embed="rId2">
-            <a:extLst/>
-          </a:blip>
+          <a:blip r:embed="rId2"/>
           <a:stretch>
             <a:fillRect/>
           </a:stretch>
@@ -5129,12 +5421,90 @@
   <p:clrMapOvr>
     <a:masterClrMapping/>
   </p:clrMapOvr>
-  <p:transition xmlns:p14="http://schemas.microsoft.com/office/powerpoint/2010/main" spd="med" advClick="1"/>
+  <p:transition spd="med"/>
+  <p:timing>
+    <p:tnLst>
+      <p:par>
+        <p:cTn id="1" dur="indefinite" restart="never" nodeType="tmRoot">
+          <p:childTnLst>
+            <p:seq concurrent="1" nextAc="seek">
+              <p:cTn id="2" dur="indefinite" nodeType="mainSeq">
+                <p:childTnLst>
+                  <p:par>
+                    <p:cTn id="3" fill="hold">
+                      <p:stCondLst>
+                        <p:cond delay="indefinite"/>
+                      </p:stCondLst>
+                      <p:childTnLst>
+                        <p:par>
+                          <p:cTn id="4" fill="hold">
+                            <p:stCondLst>
+                              <p:cond delay="0"/>
+                            </p:stCondLst>
+                            <p:childTnLst>
+                              <p:par>
+                                <p:cTn id="5" presetID="1" presetClass="entr" presetSubtype="0" fill="hold" grpId="0" nodeType="clickEffect">
+                                  <p:stCondLst>
+                                    <p:cond delay="0"/>
+                                  </p:stCondLst>
+                                  <p:childTnLst>
+                                    <p:set>
+                                      <p:cBhvr>
+                                        <p:cTn id="6" dur="1" fill="hold">
+                                          <p:stCondLst>
+                                            <p:cond delay="0"/>
+                                          </p:stCondLst>
+                                        </p:cTn>
+                                        <p:tgtEl>
+                                          <p:spTgt spid="174"/>
+                                        </p:tgtEl>
+                                        <p:attrNameLst>
+                                          <p:attrName>style.visibility</p:attrName>
+                                        </p:attrNameLst>
+                                      </p:cBhvr>
+                                      <p:to>
+                                        <p:strVal val="visible"/>
+                                      </p:to>
+                                    </p:set>
+                                  </p:childTnLst>
+                                </p:cTn>
+                              </p:par>
+                            </p:childTnLst>
+                          </p:cTn>
+                        </p:par>
+                      </p:childTnLst>
+                    </p:cTn>
+                  </p:par>
+                </p:childTnLst>
+              </p:cTn>
+              <p:prevCondLst>
+                <p:cond evt="onPrev" delay="0">
+                  <p:tgtEl>
+                    <p:sldTgt/>
+                  </p:tgtEl>
+                </p:cond>
+              </p:prevCondLst>
+              <p:nextCondLst>
+                <p:cond evt="onNext" delay="0">
+                  <p:tgtEl>
+                    <p:sldTgt/>
+                  </p:tgtEl>
+                </p:cond>
+              </p:nextCondLst>
+            </p:seq>
+          </p:childTnLst>
+        </p:cTn>
+      </p:par>
+    </p:tnLst>
+    <p:bldLst>
+      <p:bldP spid="174" grpId="0" animBg="1"/>
+    </p:bldLst>
+  </p:timing>
 </p:sld>
 </file>
 
 <file path=ppt/slides/slide3.xml><?xml version="1.0" encoding="utf-8"?>
-<p:sld xmlns:a="http://schemas.openxmlformats.org/drawingml/2006/main" xmlns:r="http://schemas.openxmlformats.org/officeDocument/2006/relationships" xmlns:p="http://schemas.openxmlformats.org/presentationml/2006/main" xmlns:m="http://schemas.openxmlformats.org/officeDocument/2006/math" xmlns:a14="http://schemas.microsoft.com/office/drawing/2010/main" showMasterSp="1" showMasterPhAnim="1">
+<p:sld xmlns:a="http://schemas.openxmlformats.org/drawingml/2006/main" xmlns:r="http://schemas.openxmlformats.org/officeDocument/2006/relationships" xmlns:p="http://schemas.openxmlformats.org/presentationml/2006/main">
   <p:cSld>
     <p:spTree>
       <p:nvGrpSpPr>
@@ -5153,7 +5523,9 @@
       <p:sp>
         <p:nvSpPr>
           <p:cNvPr id="177" name="Valores nulos"/>
-          <p:cNvSpPr txBox="1"/>
+          <p:cNvSpPr txBox="1">
+            <a:spLocks noGrp="1"/>
+          </p:cNvSpPr>
           <p:nvPr>
             <p:ph type="body" idx="21"/>
           </p:nvPr>
@@ -5167,8 +5539,8 @@
           <a:bodyPr/>
           <a:lstStyle/>
           <a:p>
-            <a:pPr/>
-            <a:r>
+            <a:r>
+              <a:rPr dirty="0"/>
               <a:t>Valores nulos</a:t>
             </a:r>
           </a:p>
@@ -5177,7 +5549,9 @@
       <p:sp>
         <p:nvSpPr>
           <p:cNvPr id="178" name="A maioria dos atributos tem menos de 40% de valores faltantes"/>
-          <p:cNvSpPr txBox="1"/>
+          <p:cNvSpPr txBox="1">
+            <a:spLocks noGrp="1"/>
+          </p:cNvSpPr>
           <p:nvPr>
             <p:ph type="title"/>
           </p:nvPr>
@@ -5198,10 +5572,47 @@
             </a:lvl1pPr>
           </a:lstStyle>
           <a:p>
-            <a:pPr/>
-            <a:r>
-              <a:t>A maioria dos atributos tem menos de 40% de valores faltantes</a:t>
-            </a:r>
+            <a:r>
+              <a:rPr dirty="0"/>
+              <a:t>A </a:t>
+            </a:r>
+            <a:r>
+              <a:rPr dirty="0" err="1"/>
+              <a:t>maioria</a:t>
+            </a:r>
+            <a:r>
+              <a:rPr dirty="0"/>
+              <a:t> dos </a:t>
+            </a:r>
+            <a:r>
+              <a:rPr dirty="0" err="1"/>
+              <a:t>atributos</a:t>
+            </a:r>
+            <a:r>
+              <a:rPr dirty="0"/>
+              <a:t> </a:t>
+            </a:r>
+            <a:r>
+              <a:rPr dirty="0" err="1"/>
+              <a:t>tem</a:t>
+            </a:r>
+            <a:r>
+              <a:rPr dirty="0"/>
+              <a:t> </a:t>
+            </a:r>
+            <a:r>
+              <a:rPr dirty="0" err="1"/>
+              <a:t>menos</a:t>
+            </a:r>
+            <a:r>
+              <a:rPr dirty="0"/>
+              <a:t> de 40% de valores </a:t>
+            </a:r>
+            <a:r>
+              <a:rPr dirty="0" err="1"/>
+              <a:t>faltantes</a:t>
+            </a:r>
+            <a:endParaRPr dirty="0"/>
           </a:p>
         </p:txBody>
       </p:sp>
@@ -5214,9 +5625,7 @@
           <p:nvPr/>
         </p:nvPicPr>
         <p:blipFill>
-          <a:blip r:embed="rId2">
-            <a:extLst/>
-          </a:blip>
+          <a:blip r:embed="rId2"/>
           <a:stretch>
             <a:fillRect/>
           </a:stretch>
@@ -5239,12 +5648,634 @@
   <p:clrMapOvr>
     <a:masterClrMapping/>
   </p:clrMapOvr>
-  <p:transition xmlns:p14="http://schemas.microsoft.com/office/powerpoint/2010/main" spd="med" advClick="1"/>
+  <p:transition spd="med"/>
 </p:sld>
 </file>
 
 <file path=ppt/slides/slide4.xml><?xml version="1.0" encoding="utf-8"?>
-<p:sld xmlns:a="http://schemas.openxmlformats.org/drawingml/2006/main" xmlns:r="http://schemas.openxmlformats.org/officeDocument/2006/relationships" xmlns:p="http://schemas.openxmlformats.org/presentationml/2006/main" xmlns:m="http://schemas.openxmlformats.org/officeDocument/2006/math" xmlns:a14="http://schemas.microsoft.com/office/drawing/2010/main" showMasterSp="1" showMasterPhAnim="1">
+<p:sld xmlns:a="http://schemas.openxmlformats.org/drawingml/2006/main" xmlns:r="http://schemas.openxmlformats.org/officeDocument/2006/relationships" xmlns:p="http://schemas.openxmlformats.org/presentationml/2006/main">
+  <p:cSld>
+    <p:spTree>
+      <p:nvGrpSpPr>
+        <p:cNvPr id="1" name=""/>
+        <p:cNvGrpSpPr/>
+        <p:nvPr/>
+      </p:nvGrpSpPr>
+      <p:grpSpPr>
+        <a:xfrm>
+          <a:off x="0" y="0"/>
+          <a:ext cx="0" cy="0"/>
+          <a:chOff x="0" y="0"/>
+          <a:chExt cx="0" cy="0"/>
+        </a:xfrm>
+      </p:grpSpPr>
+      <p:sp>
+        <p:nvSpPr>
+          <p:cNvPr id="2" name="Text Placeholder 1">
+            <a:extLst>
+              <a:ext uri="{FF2B5EF4-FFF2-40B4-BE49-F238E27FC236}">
+                <a16:creationId xmlns:a16="http://schemas.microsoft.com/office/drawing/2014/main" id="{B52BB752-57F1-2F45-8499-72B5E22C6C87}"/>
+              </a:ext>
+            </a:extLst>
+          </p:cNvPr>
+          <p:cNvSpPr>
+            <a:spLocks noGrp="1"/>
+          </p:cNvSpPr>
+          <p:nvPr>
+            <p:ph type="body" sz="quarter" idx="21"/>
+          </p:nvPr>
+        </p:nvSpPr>
+        <p:spPr>
+          <a:xfrm>
+            <a:off x="762000" y="724210"/>
+            <a:ext cx="20955000" cy="545790"/>
+          </a:xfrm>
+        </p:spPr>
+        <p:txBody>
+          <a:bodyPr/>
+          <a:lstStyle/>
+          <a:p>
+            <a:r>
+              <a:rPr lang="en-US" dirty="0"/>
+              <a:t>Valores nulos</a:t>
+            </a:r>
+          </a:p>
+        </p:txBody>
+      </p:sp>
+      <p:sp>
+        <p:nvSpPr>
+          <p:cNvPr id="3" name="Title 2">
+            <a:extLst>
+              <a:ext uri="{FF2B5EF4-FFF2-40B4-BE49-F238E27FC236}">
+                <a16:creationId xmlns:a16="http://schemas.microsoft.com/office/drawing/2014/main" id="{3C301500-DB28-9B40-82A9-E57CE7C0B5F9}"/>
+              </a:ext>
+            </a:extLst>
+          </p:cNvPr>
+          <p:cNvSpPr>
+            <a:spLocks noGrp="1"/>
+          </p:cNvSpPr>
+          <p:nvPr>
+            <p:ph type="title"/>
+          </p:nvPr>
+        </p:nvSpPr>
+        <p:spPr/>
+        <p:txBody>
+          <a:bodyPr>
+            <a:normAutofit fontScale="90000"/>
+          </a:bodyPr>
+          <a:lstStyle/>
+          <a:p>
+            <a:r>
+              <a:rPr lang="en-US" dirty="0"/>
+              <a:t>Lidando com valores ausentes</a:t>
+            </a:r>
+            <a:endParaRPr lang="en-BR" dirty="0"/>
+          </a:p>
+        </p:txBody>
+      </p:sp>
+      <p:sp>
+        <p:nvSpPr>
+          <p:cNvPr id="7" name="Rectangle 6">
+            <a:extLst>
+              <a:ext uri="{FF2B5EF4-FFF2-40B4-BE49-F238E27FC236}">
+                <a16:creationId xmlns:a16="http://schemas.microsoft.com/office/drawing/2014/main" id="{74CFBAE7-98B0-5042-A6EB-356A4C7F0E31}"/>
+              </a:ext>
+            </a:extLst>
+          </p:cNvPr>
+          <p:cNvSpPr/>
+          <p:nvPr/>
+        </p:nvSpPr>
+        <p:spPr>
+          <a:xfrm>
+            <a:off x="9612286" y="6462243"/>
+            <a:ext cx="4147289" cy="2400657"/>
+          </a:xfrm>
+          <a:prstGeom prst="rect">
+            <a:avLst/>
+          </a:prstGeom>
+        </p:spPr>
+        <p:txBody>
+          <a:bodyPr wrap="none">
+            <a:spAutoFit/>
+          </a:bodyPr>
+          <a:lstStyle/>
+          <a:p>
+            <a:r>
+              <a:rPr lang="en-BR" sz="15000" dirty="0"/>
+              <a:t>40%</a:t>
+            </a:r>
+          </a:p>
+        </p:txBody>
+      </p:sp>
+      <p:sp>
+        <p:nvSpPr>
+          <p:cNvPr id="8" name="TextBox 7">
+            <a:extLst>
+              <a:ext uri="{FF2B5EF4-FFF2-40B4-BE49-F238E27FC236}">
+                <a16:creationId xmlns:a16="http://schemas.microsoft.com/office/drawing/2014/main" id="{B6A82923-4CAC-1F49-A1D8-F25CF8BDA175}"/>
+              </a:ext>
+            </a:extLst>
+          </p:cNvPr>
+          <p:cNvSpPr txBox="1"/>
+          <p:nvPr/>
+        </p:nvSpPr>
+        <p:spPr>
+          <a:xfrm>
+            <a:off x="3232418" y="4870571"/>
+            <a:ext cx="4685578" cy="1646605"/>
+          </a:xfrm>
+          <a:prstGeom prst="rect">
+            <a:avLst/>
+          </a:prstGeom>
+          <a:noFill/>
+          <a:ln w="12700" cap="flat">
+            <a:noFill/>
+            <a:miter lim="400000"/>
+          </a:ln>
+          <a:effectLst/>
+          <a:sp3d/>
+        </p:spPr>
+        <p:style>
+          <a:lnRef idx="0">
+            <a:scrgbClr r="0" g="0" b="0"/>
+          </a:lnRef>
+          <a:fillRef idx="0">
+            <a:scrgbClr r="0" g="0" b="0"/>
+          </a:fillRef>
+          <a:effectRef idx="0">
+            <a:scrgbClr r="0" g="0" b="0"/>
+          </a:effectRef>
+          <a:fontRef idx="none"/>
+        </p:style>
+        <p:txBody>
+          <a:bodyPr rot="0" spcFirstLastPara="1" vertOverflow="overflow" horzOverflow="overflow" vert="horz" wrap="none" lIns="50800" tIns="50800" rIns="50800" bIns="50800" numCol="1" spcCol="38100" rtlCol="0" anchor="ctr">
+            <a:spAutoFit/>
+          </a:bodyPr>
+          <a:lstStyle/>
+          <a:p>
+            <a:pPr marL="0" marR="0" indent="0" algn="l" defTabSz="825500" rtl="0" fontAlgn="auto" latinLnBrk="0" hangingPunct="0">
+              <a:lnSpc>
+                <a:spcPct val="100000"/>
+              </a:lnSpc>
+              <a:spcBef>
+                <a:spcPts val="3400"/>
+              </a:spcBef>
+              <a:spcAft>
+                <a:spcPts val="0"/>
+              </a:spcAft>
+              <a:buClrTx/>
+              <a:buSzTx/>
+              <a:buFontTx/>
+              <a:buNone/>
+              <a:tabLst/>
+            </a:pPr>
+            <a:r>
+              <a:rPr kumimoji="0" lang="en-BR" sz="7200" b="0" i="0" u="none" strike="noStrike" cap="none" spc="0" normalizeH="0" baseline="0" dirty="0">
+                <a:ln>
+                  <a:noFill/>
+                </a:ln>
+                <a:solidFill>
+                  <a:srgbClr val="838787"/>
+                </a:solidFill>
+                <a:effectLst/>
+                <a:uFillTx/>
+                <a:latin typeface="Avenir Next Medium"/>
+                <a:ea typeface="Avenir Next Medium"/>
+                <a:cs typeface="Avenir Next Medium"/>
+                <a:sym typeface="Avenir Next Medium"/>
+              </a:rPr>
+              <a:t>Maior que </a:t>
+            </a:r>
+          </a:p>
+        </p:txBody>
+      </p:sp>
+      <p:sp>
+        <p:nvSpPr>
+          <p:cNvPr id="10" name="TextBox 9">
+            <a:extLst>
+              <a:ext uri="{FF2B5EF4-FFF2-40B4-BE49-F238E27FC236}">
+                <a16:creationId xmlns:a16="http://schemas.microsoft.com/office/drawing/2014/main" id="{02E13CD2-A183-DA40-B829-BC5D0B475348}"/>
+              </a:ext>
+            </a:extLst>
+          </p:cNvPr>
+          <p:cNvSpPr txBox="1"/>
+          <p:nvPr/>
+        </p:nvSpPr>
+        <p:spPr>
+          <a:xfrm>
+            <a:off x="15453865" y="4887788"/>
+            <a:ext cx="4611840" cy="1646605"/>
+          </a:xfrm>
+          <a:prstGeom prst="rect">
+            <a:avLst/>
+          </a:prstGeom>
+          <a:noFill/>
+          <a:ln w="12700" cap="flat">
+            <a:noFill/>
+            <a:miter lim="400000"/>
+          </a:ln>
+          <a:effectLst/>
+          <a:sp3d/>
+        </p:spPr>
+        <p:style>
+          <a:lnRef idx="0">
+            <a:scrgbClr r="0" g="0" b="0"/>
+          </a:lnRef>
+          <a:fillRef idx="0">
+            <a:scrgbClr r="0" g="0" b="0"/>
+          </a:fillRef>
+          <a:effectRef idx="0">
+            <a:scrgbClr r="0" g="0" b="0"/>
+          </a:effectRef>
+          <a:fontRef idx="none"/>
+        </p:style>
+        <p:txBody>
+          <a:bodyPr rot="0" spcFirstLastPara="1" vertOverflow="overflow" horzOverflow="overflow" vert="horz" wrap="none" lIns="50800" tIns="50800" rIns="50800" bIns="50800" numCol="1" spcCol="38100" rtlCol="0" anchor="ctr">
+            <a:spAutoFit/>
+          </a:bodyPr>
+          <a:lstStyle/>
+          <a:p>
+            <a:pPr marL="0" marR="0" indent="0" algn="l" defTabSz="825500" rtl="0" fontAlgn="auto" latinLnBrk="0" hangingPunct="0">
+              <a:lnSpc>
+                <a:spcPct val="100000"/>
+              </a:lnSpc>
+              <a:spcBef>
+                <a:spcPts val="3400"/>
+              </a:spcBef>
+              <a:spcAft>
+                <a:spcPts val="0"/>
+              </a:spcAft>
+              <a:buClrTx/>
+              <a:buSzTx/>
+              <a:buFontTx/>
+              <a:buNone/>
+              <a:tabLst/>
+            </a:pPr>
+            <a:r>
+              <a:rPr lang="en-BR" sz="7200" dirty="0"/>
+              <a:t>removidos</a:t>
+            </a:r>
+            <a:endParaRPr kumimoji="0" lang="en-BR" sz="7200" b="0" i="0" u="none" strike="noStrike" cap="none" spc="0" normalizeH="0" baseline="0" dirty="0">
+              <a:ln>
+                <a:noFill/>
+              </a:ln>
+              <a:solidFill>
+                <a:srgbClr val="838787"/>
+              </a:solidFill>
+              <a:effectLst/>
+              <a:uFillTx/>
+              <a:latin typeface="Avenir Next Medium"/>
+              <a:ea typeface="Avenir Next Medium"/>
+              <a:cs typeface="Avenir Next Medium"/>
+              <a:sym typeface="Avenir Next Medium"/>
+            </a:endParaRPr>
+          </a:p>
+        </p:txBody>
+      </p:sp>
+      <p:sp>
+        <p:nvSpPr>
+          <p:cNvPr id="12" name="TextBox 11">
+            <a:extLst>
+              <a:ext uri="{FF2B5EF4-FFF2-40B4-BE49-F238E27FC236}">
+                <a16:creationId xmlns:a16="http://schemas.microsoft.com/office/drawing/2014/main" id="{6C1449B8-808C-1349-AC10-14BC9CDD11BB}"/>
+              </a:ext>
+            </a:extLst>
+          </p:cNvPr>
+          <p:cNvSpPr txBox="1"/>
+          <p:nvPr/>
+        </p:nvSpPr>
+        <p:spPr>
+          <a:xfrm>
+            <a:off x="3232418" y="7598874"/>
+            <a:ext cx="5012591" cy="1646605"/>
+          </a:xfrm>
+          <a:prstGeom prst="rect">
+            <a:avLst/>
+          </a:prstGeom>
+          <a:noFill/>
+          <a:ln w="12700" cap="flat">
+            <a:noFill/>
+            <a:miter lim="400000"/>
+          </a:ln>
+          <a:effectLst/>
+          <a:sp3d/>
+        </p:spPr>
+        <p:style>
+          <a:lnRef idx="0">
+            <a:scrgbClr r="0" g="0" b="0"/>
+          </a:lnRef>
+          <a:fillRef idx="0">
+            <a:scrgbClr r="0" g="0" b="0"/>
+          </a:fillRef>
+          <a:effectRef idx="0">
+            <a:scrgbClr r="0" g="0" b="0"/>
+          </a:effectRef>
+          <a:fontRef idx="none"/>
+        </p:style>
+        <p:txBody>
+          <a:bodyPr rot="0" spcFirstLastPara="1" vertOverflow="overflow" horzOverflow="overflow" vert="horz" wrap="none" lIns="50800" tIns="50800" rIns="50800" bIns="50800" numCol="1" spcCol="38100" rtlCol="0" anchor="ctr">
+            <a:spAutoFit/>
+          </a:bodyPr>
+          <a:lstStyle/>
+          <a:p>
+            <a:pPr marL="0" marR="0" indent="0" algn="l" defTabSz="825500" rtl="0" fontAlgn="auto" latinLnBrk="0" hangingPunct="0">
+              <a:lnSpc>
+                <a:spcPct val="100000"/>
+              </a:lnSpc>
+              <a:spcBef>
+                <a:spcPts val="3400"/>
+              </a:spcBef>
+              <a:spcAft>
+                <a:spcPts val="0"/>
+              </a:spcAft>
+              <a:buClrTx/>
+              <a:buSzTx/>
+              <a:buFontTx/>
+              <a:buNone/>
+              <a:tabLst/>
+            </a:pPr>
+            <a:r>
+              <a:rPr kumimoji="0" lang="en-BR" sz="7200" b="0" i="0" u="none" strike="noStrike" cap="none" spc="0" normalizeH="0" baseline="0" dirty="0">
+                <a:ln>
+                  <a:noFill/>
+                </a:ln>
+                <a:solidFill>
+                  <a:srgbClr val="838787"/>
+                </a:solidFill>
+                <a:effectLst/>
+                <a:uFillTx/>
+                <a:latin typeface="Avenir Next Medium"/>
+                <a:ea typeface="Avenir Next Medium"/>
+                <a:cs typeface="Avenir Next Medium"/>
+                <a:sym typeface="Avenir Next Medium"/>
+              </a:rPr>
+              <a:t>Menor que </a:t>
+            </a:r>
+          </a:p>
+        </p:txBody>
+      </p:sp>
+      <p:sp>
+        <p:nvSpPr>
+          <p:cNvPr id="13" name="TextBox 12">
+            <a:extLst>
+              <a:ext uri="{FF2B5EF4-FFF2-40B4-BE49-F238E27FC236}">
+                <a16:creationId xmlns:a16="http://schemas.microsoft.com/office/drawing/2014/main" id="{A0FB85B4-8AB1-8C45-A58F-3A3DD8574C03}"/>
+              </a:ext>
+            </a:extLst>
+          </p:cNvPr>
+          <p:cNvSpPr txBox="1"/>
+          <p:nvPr/>
+        </p:nvSpPr>
+        <p:spPr>
+          <a:xfrm>
+            <a:off x="15650308" y="7834971"/>
+            <a:ext cx="102657" cy="1000274"/>
+          </a:xfrm>
+          <a:prstGeom prst="rect">
+            <a:avLst/>
+          </a:prstGeom>
+          <a:noFill/>
+          <a:ln w="12700" cap="flat">
+            <a:noFill/>
+            <a:miter lim="400000"/>
+          </a:ln>
+          <a:effectLst/>
+          <a:sp3d/>
+        </p:spPr>
+        <p:style>
+          <a:lnRef idx="0">
+            <a:scrgbClr r="0" g="0" b="0"/>
+          </a:lnRef>
+          <a:fillRef idx="0">
+            <a:scrgbClr r="0" g="0" b="0"/>
+          </a:fillRef>
+          <a:effectRef idx="0">
+            <a:scrgbClr r="0" g="0" b="0"/>
+          </a:effectRef>
+          <a:fontRef idx="none"/>
+        </p:style>
+        <p:txBody>
+          <a:bodyPr rot="0" spcFirstLastPara="1" vertOverflow="overflow" horzOverflow="overflow" vert="horz" wrap="none" lIns="50800" tIns="50800" rIns="50800" bIns="50800" numCol="1" spcCol="38100" rtlCol="0" anchor="ctr">
+            <a:spAutoFit/>
+          </a:bodyPr>
+          <a:lstStyle/>
+          <a:p>
+            <a:pPr marL="0" marR="0" indent="0" algn="l" defTabSz="825500" rtl="0" fontAlgn="auto" latinLnBrk="0" hangingPunct="0">
+              <a:lnSpc>
+                <a:spcPct val="100000"/>
+              </a:lnSpc>
+              <a:spcBef>
+                <a:spcPts val="3400"/>
+              </a:spcBef>
+              <a:spcAft>
+                <a:spcPts val="0"/>
+              </a:spcAft>
+              <a:buClrTx/>
+              <a:buSzTx/>
+              <a:buFontTx/>
+              <a:buNone/>
+              <a:tabLst/>
+            </a:pPr>
+            <a:endParaRPr kumimoji="0" lang="en-BR" sz="3000" b="0" i="0" u="none" strike="noStrike" cap="none" spc="0" normalizeH="0" baseline="0" dirty="0">
+              <a:ln>
+                <a:noFill/>
+              </a:ln>
+              <a:solidFill>
+                <a:srgbClr val="838787"/>
+              </a:solidFill>
+              <a:effectLst/>
+              <a:uFillTx/>
+              <a:latin typeface="Avenir Next Medium"/>
+              <a:ea typeface="Avenir Next Medium"/>
+              <a:cs typeface="Avenir Next Medium"/>
+              <a:sym typeface="Avenir Next Medium"/>
+            </a:endParaRPr>
+          </a:p>
+        </p:txBody>
+      </p:sp>
+      <p:sp>
+        <p:nvSpPr>
+          <p:cNvPr id="14" name="TextBox 13">
+            <a:extLst>
+              <a:ext uri="{FF2B5EF4-FFF2-40B4-BE49-F238E27FC236}">
+                <a16:creationId xmlns:a16="http://schemas.microsoft.com/office/drawing/2014/main" id="{04298D9A-07F9-2443-8664-F3D2E8C3398F}"/>
+              </a:ext>
+            </a:extLst>
+          </p:cNvPr>
+          <p:cNvSpPr txBox="1"/>
+          <p:nvPr/>
+        </p:nvSpPr>
+        <p:spPr>
+          <a:xfrm>
+            <a:off x="15453865" y="7598874"/>
+            <a:ext cx="5230599" cy="1646605"/>
+          </a:xfrm>
+          <a:prstGeom prst="rect">
+            <a:avLst/>
+          </a:prstGeom>
+          <a:noFill/>
+          <a:ln w="12700" cap="flat">
+            <a:noFill/>
+            <a:miter lim="400000"/>
+          </a:ln>
+          <a:effectLst/>
+          <a:sp3d/>
+        </p:spPr>
+        <p:style>
+          <a:lnRef idx="0">
+            <a:scrgbClr r="0" g="0" b="0"/>
+          </a:lnRef>
+          <a:fillRef idx="0">
+            <a:scrgbClr r="0" g="0" b="0"/>
+          </a:fillRef>
+          <a:effectRef idx="0">
+            <a:scrgbClr r="0" g="0" b="0"/>
+          </a:effectRef>
+          <a:fontRef idx="none"/>
+        </p:style>
+        <p:txBody>
+          <a:bodyPr rot="0" spcFirstLastPara="1" vertOverflow="overflow" horzOverflow="overflow" vert="horz" wrap="none" lIns="50800" tIns="50800" rIns="50800" bIns="50800" numCol="1" spcCol="38100" rtlCol="0" anchor="ctr">
+            <a:spAutoFit/>
+          </a:bodyPr>
+          <a:lstStyle/>
+          <a:p>
+            <a:pPr marL="0" marR="0" indent="0" algn="l" defTabSz="825500" rtl="0" fontAlgn="auto" latinLnBrk="0" hangingPunct="0">
+              <a:lnSpc>
+                <a:spcPct val="100000"/>
+              </a:lnSpc>
+              <a:spcBef>
+                <a:spcPts val="3400"/>
+              </a:spcBef>
+              <a:spcAft>
+                <a:spcPts val="0"/>
+              </a:spcAft>
+              <a:buClrTx/>
+              <a:buSzTx/>
+              <a:buFontTx/>
+              <a:buNone/>
+              <a:tabLst/>
+            </a:pPr>
+            <a:r>
+              <a:rPr lang="en-BR" sz="7200" dirty="0"/>
+              <a:t>substituídos</a:t>
+            </a:r>
+            <a:endParaRPr kumimoji="0" lang="en-BR" sz="7200" b="0" i="0" u="none" strike="noStrike" cap="none" spc="0" normalizeH="0" baseline="0" dirty="0">
+              <a:ln>
+                <a:noFill/>
+              </a:ln>
+              <a:solidFill>
+                <a:srgbClr val="838787"/>
+              </a:solidFill>
+              <a:effectLst/>
+              <a:uFillTx/>
+              <a:latin typeface="Avenir Next Medium"/>
+              <a:ea typeface="Avenir Next Medium"/>
+              <a:cs typeface="Avenir Next Medium"/>
+              <a:sym typeface="Avenir Next Medium"/>
+            </a:endParaRPr>
+          </a:p>
+        </p:txBody>
+      </p:sp>
+      <p:sp>
+        <p:nvSpPr>
+          <p:cNvPr id="16" name="TextBox 15">
+            <a:extLst>
+              <a:ext uri="{FF2B5EF4-FFF2-40B4-BE49-F238E27FC236}">
+                <a16:creationId xmlns:a16="http://schemas.microsoft.com/office/drawing/2014/main" id="{B33FB740-FA60-9F4B-81F2-5ED3CDBA0281}"/>
+              </a:ext>
+            </a:extLst>
+          </p:cNvPr>
+          <p:cNvSpPr txBox="1"/>
+          <p:nvPr/>
+        </p:nvSpPr>
+        <p:spPr>
+          <a:xfrm>
+            <a:off x="762000" y="11085267"/>
+            <a:ext cx="22603945" cy="1215717"/>
+          </a:xfrm>
+          <a:prstGeom prst="rect">
+            <a:avLst/>
+          </a:prstGeom>
+          <a:noFill/>
+          <a:ln w="12700" cap="flat">
+            <a:noFill/>
+            <a:miter lim="400000"/>
+          </a:ln>
+          <a:effectLst/>
+          <a:sp3d/>
+        </p:spPr>
+        <p:style>
+          <a:lnRef idx="0">
+            <a:scrgbClr r="0" g="0" b="0"/>
+          </a:lnRef>
+          <a:fillRef idx="0">
+            <a:scrgbClr r="0" g="0" b="0"/>
+          </a:fillRef>
+          <a:effectRef idx="0">
+            <a:scrgbClr r="0" g="0" b="0"/>
+          </a:effectRef>
+          <a:fontRef idx="none"/>
+        </p:style>
+        <p:txBody>
+          <a:bodyPr rot="0" spcFirstLastPara="1" vertOverflow="overflow" horzOverflow="overflow" vert="horz" wrap="none" lIns="50800" tIns="50800" rIns="50800" bIns="50800" numCol="1" spcCol="38100" rtlCol="0" anchor="ctr">
+            <a:spAutoFit/>
+          </a:bodyPr>
+          <a:lstStyle/>
+          <a:p>
+            <a:r>
+              <a:rPr kumimoji="0" lang="en-BR" sz="4400" b="0" i="0" u="none" strike="noStrike" cap="none" spc="0" normalizeH="0" baseline="0" dirty="0">
+                <a:ln>
+                  <a:noFill/>
+                </a:ln>
+                <a:solidFill>
+                  <a:srgbClr val="838787"/>
+                </a:solidFill>
+                <a:effectLst/>
+                <a:uFillTx/>
+                <a:latin typeface="Avenir Next Medium"/>
+                <a:ea typeface="Avenir Next Medium"/>
+                <a:cs typeface="Avenir Next Medium"/>
+                <a:sym typeface="Avenir Next Medium"/>
+              </a:rPr>
+              <a:t>3 atributos removidos: </a:t>
+            </a:r>
+            <a:r>
+              <a:rPr lang="en-US" sz="4400" dirty="0"/>
+              <a:t>nasogastric_reflux_ph, abdomo_protein, abdomo_appearance  </a:t>
+            </a:r>
+            <a:endParaRPr kumimoji="0" lang="en-BR" sz="4400" b="0" i="0" u="none" strike="noStrike" cap="none" spc="0" normalizeH="0" baseline="0" dirty="0">
+              <a:ln>
+                <a:noFill/>
+              </a:ln>
+              <a:solidFill>
+                <a:srgbClr val="838787"/>
+              </a:solidFill>
+              <a:effectLst/>
+              <a:uFillTx/>
+              <a:latin typeface="Avenir Next Medium"/>
+              <a:ea typeface="Avenir Next Medium"/>
+              <a:cs typeface="Avenir Next Medium"/>
+              <a:sym typeface="Avenir Next Medium"/>
+            </a:endParaRPr>
+          </a:p>
+        </p:txBody>
+      </p:sp>
+    </p:spTree>
+    <p:extLst>
+      <p:ext uri="{BB962C8B-B14F-4D97-AF65-F5344CB8AC3E}">
+        <p14:creationId xmlns:p14="http://schemas.microsoft.com/office/powerpoint/2010/main" val="1689334981"/>
+      </p:ext>
+    </p:extLst>
+  </p:cSld>
+  <p:clrMapOvr>
+    <a:masterClrMapping/>
+  </p:clrMapOvr>
+  <p:transition spd="med"/>
+</p:sld>
+</file>
+
+<file path=ppt/slides/slide5.xml><?xml version="1.0" encoding="utf-8"?>
+<p:sld xmlns:a="http://schemas.openxmlformats.org/drawingml/2006/main" xmlns:r="http://schemas.openxmlformats.org/officeDocument/2006/relationships" xmlns:p="http://schemas.openxmlformats.org/presentationml/2006/main">
   <p:cSld>
     <p:spTree>
       <p:nvGrpSpPr>
@@ -5263,7 +6294,9 @@
       <p:sp>
         <p:nvSpPr>
           <p:cNvPr id="181" name="Correlação entre atributos e target"/>
-          <p:cNvSpPr txBox="1"/>
+          <p:cNvSpPr txBox="1">
+            <a:spLocks noGrp="1"/>
+          </p:cNvSpPr>
           <p:nvPr>
             <p:ph type="body" idx="21"/>
           </p:nvPr>
@@ -5277,7 +6310,6 @@
           <a:bodyPr/>
           <a:lstStyle/>
           <a:p>
-            <a:pPr/>
             <a:r>
               <a:t>Correlação entre atributos e target</a:t>
             </a:r>
@@ -5287,7 +6319,9 @@
       <p:sp>
         <p:nvSpPr>
           <p:cNvPr id="182" name="|valor| &gt; 0.7 : Muito…"/>
-          <p:cNvSpPr txBox="1"/>
+          <p:cNvSpPr txBox="1">
+            <a:spLocks noGrp="1"/>
+          </p:cNvSpPr>
           <p:nvPr>
             <p:ph type="title"/>
           </p:nvPr>
@@ -5312,7 +6346,7 @@
               <a:spcBef>
                 <a:spcPts val="100"/>
               </a:spcBef>
-              <a:defRPr cap="none" sz="3400">
+              <a:defRPr sz="3400" cap="none">
                 <a:solidFill>
                   <a:srgbClr val="000000">
                     <a:alpha val="70196"/>
@@ -5336,7 +6370,7 @@
               <a:spcBef>
                 <a:spcPts val="100"/>
               </a:spcBef>
-              <a:defRPr cap="none" sz="3400">
+              <a:defRPr sz="3400" cap="none">
                 <a:solidFill>
                   <a:srgbClr val="000000">
                     <a:alpha val="70196"/>
@@ -5348,6 +6382,7 @@
                 <a:sym typeface="Helvetica"/>
               </a:defRPr>
             </a:pPr>
+            <a:endParaRPr/>
           </a:p>
           <a:p>
             <a:pPr defTabSz="182880">
@@ -5357,7 +6392,7 @@
               <a:spcBef>
                 <a:spcPts val="100"/>
               </a:spcBef>
-              <a:defRPr cap="none" sz="3400">
+              <a:defRPr sz="3400" cap="none">
                 <a:solidFill>
                   <a:srgbClr val="000000">
                     <a:alpha val="70196"/>
@@ -5381,7 +6416,7 @@
               <a:spcBef>
                 <a:spcPts val="100"/>
               </a:spcBef>
-              <a:defRPr cap="none" sz="3400">
+              <a:defRPr sz="3400" cap="none">
                 <a:solidFill>
                   <a:srgbClr val="000000">
                     <a:alpha val="70196"/>
@@ -5393,6 +6428,7 @@
                 <a:sym typeface="Helvetica"/>
               </a:defRPr>
             </a:pPr>
+            <a:endParaRPr/>
           </a:p>
           <a:p>
             <a:pPr defTabSz="182880">
@@ -5402,7 +6438,7 @@
               <a:spcBef>
                 <a:spcPts val="100"/>
               </a:spcBef>
-              <a:defRPr cap="none" sz="3400">
+              <a:defRPr sz="3400" cap="none">
                 <a:solidFill>
                   <a:srgbClr val="000000">
                     <a:alpha val="70196"/>
@@ -5430,7 +6466,7 @@
                 <a:tab pos="50800" algn="l"/>
                 <a:tab pos="177800" algn="l"/>
               </a:tabLst>
-              <a:defRPr cap="none" sz="3400">
+              <a:defRPr sz="3400" cap="none">
                 <a:solidFill>
                   <a:srgbClr val="000000">
                     <a:alpha val="70196"/>
@@ -5442,6 +6478,7 @@
                 <a:sym typeface="Helvetica"/>
               </a:defRPr>
             </a:pPr>
+            <a:endParaRPr/>
           </a:p>
         </p:txBody>
       </p:sp>
@@ -5454,9 +6491,7 @@
           <p:nvPr/>
         </p:nvPicPr>
         <p:blipFill>
-          <a:blip r:embed="rId2">
-            <a:extLst/>
-          </a:blip>
+          <a:blip r:embed="rId2"/>
           <a:stretch>
             <a:fillRect/>
           </a:stretch>
@@ -5479,12 +6514,628 @@
   <p:clrMapOvr>
     <a:masterClrMapping/>
   </p:clrMapOvr>
-  <p:transition xmlns:p14="http://schemas.microsoft.com/office/powerpoint/2010/main" spd="med" advClick="1"/>
+  <p:transition spd="med"/>
 </p:sld>
 </file>
 
-<file path=ppt/slides/slide5.xml><?xml version="1.0" encoding="utf-8"?>
-<p:sld xmlns:a="http://schemas.openxmlformats.org/drawingml/2006/main" xmlns:r="http://schemas.openxmlformats.org/officeDocument/2006/relationships" xmlns:p="http://schemas.openxmlformats.org/presentationml/2006/main" xmlns:m="http://schemas.openxmlformats.org/officeDocument/2006/math" xmlns:a14="http://schemas.microsoft.com/office/drawing/2010/main" showMasterSp="1" showMasterPhAnim="1">
+<file path=ppt/slides/slide6.xml><?xml version="1.0" encoding="utf-8"?>
+<p:sld xmlns:a="http://schemas.openxmlformats.org/drawingml/2006/main" xmlns:r="http://schemas.openxmlformats.org/officeDocument/2006/relationships" xmlns:p="http://schemas.openxmlformats.org/presentationml/2006/main">
+  <p:cSld>
+    <p:spTree>
+      <p:nvGrpSpPr>
+        <p:cNvPr id="1" name=""/>
+        <p:cNvGrpSpPr/>
+        <p:nvPr/>
+      </p:nvGrpSpPr>
+      <p:grpSpPr>
+        <a:xfrm>
+          <a:off x="0" y="0"/>
+          <a:ext cx="0" cy="0"/>
+          <a:chOff x="0" y="0"/>
+          <a:chExt cx="0" cy="0"/>
+        </a:xfrm>
+      </p:grpSpPr>
+      <p:sp>
+        <p:nvSpPr>
+          <p:cNvPr id="181" name="Correlação entre atributos e target"/>
+          <p:cNvSpPr txBox="1">
+            <a:spLocks noGrp="1"/>
+          </p:cNvSpPr>
+          <p:nvPr>
+            <p:ph type="body" idx="21"/>
+          </p:nvPr>
+        </p:nvSpPr>
+        <p:spPr>
+          <a:prstGeom prst="rect">
+            <a:avLst/>
+          </a:prstGeom>
+        </p:spPr>
+        <p:txBody>
+          <a:bodyPr/>
+          <a:lstStyle/>
+          <a:p>
+            <a:r>
+              <a:t>Correlação entre atributos e target</a:t>
+            </a:r>
+          </a:p>
+        </p:txBody>
+      </p:sp>
+      <p:sp>
+        <p:nvSpPr>
+          <p:cNvPr id="4" name="TextBox 3">
+            <a:extLst>
+              <a:ext uri="{FF2B5EF4-FFF2-40B4-BE49-F238E27FC236}">
+                <a16:creationId xmlns:a16="http://schemas.microsoft.com/office/drawing/2014/main" id="{60AF7036-C756-6F4C-8B5C-B303F71E2D6C}"/>
+              </a:ext>
+            </a:extLst>
+          </p:cNvPr>
+          <p:cNvSpPr txBox="1"/>
+          <p:nvPr/>
+        </p:nvSpPr>
+        <p:spPr>
+          <a:xfrm>
+            <a:off x="9575222" y="6197189"/>
+            <a:ext cx="4172617" cy="2846933"/>
+          </a:xfrm>
+          <a:prstGeom prst="rect">
+            <a:avLst/>
+          </a:prstGeom>
+          <a:noFill/>
+          <a:ln w="12700" cap="flat">
+            <a:noFill/>
+            <a:miter lim="400000"/>
+          </a:ln>
+          <a:effectLst/>
+          <a:sp3d/>
+        </p:spPr>
+        <p:style>
+          <a:lnRef idx="0">
+            <a:scrgbClr r="0" g="0" b="0"/>
+          </a:lnRef>
+          <a:fillRef idx="0">
+            <a:scrgbClr r="0" g="0" b="0"/>
+          </a:fillRef>
+          <a:effectRef idx="0">
+            <a:scrgbClr r="0" g="0" b="0"/>
+          </a:effectRef>
+          <a:fontRef idx="none"/>
+        </p:style>
+        <p:txBody>
+          <a:bodyPr rot="0" spcFirstLastPara="1" vertOverflow="overflow" horzOverflow="overflow" vert="horz" wrap="none" lIns="50800" tIns="50800" rIns="50800" bIns="50800" numCol="1" spcCol="38100" rtlCol="0" anchor="ctr">
+            <a:spAutoFit/>
+          </a:bodyPr>
+          <a:lstStyle/>
+          <a:p>
+            <a:r>
+              <a:rPr lang="en-BR" sz="15000" dirty="0"/>
+              <a:t>&gt;0.1</a:t>
+            </a:r>
+          </a:p>
+        </p:txBody>
+      </p:sp>
+      <p:sp>
+        <p:nvSpPr>
+          <p:cNvPr id="6" name="TextBox 5">
+            <a:extLst>
+              <a:ext uri="{FF2B5EF4-FFF2-40B4-BE49-F238E27FC236}">
+                <a16:creationId xmlns:a16="http://schemas.microsoft.com/office/drawing/2014/main" id="{7D122D16-FD06-8A40-86EA-20C19F2EF29A}"/>
+              </a:ext>
+            </a:extLst>
+          </p:cNvPr>
+          <p:cNvSpPr txBox="1"/>
+          <p:nvPr/>
+        </p:nvSpPr>
+        <p:spPr>
+          <a:xfrm>
+            <a:off x="3263666" y="6889685"/>
+            <a:ext cx="4127733" cy="1461939"/>
+          </a:xfrm>
+          <a:prstGeom prst="rect">
+            <a:avLst/>
+          </a:prstGeom>
+          <a:noFill/>
+          <a:ln w="12700" cap="flat">
+            <a:noFill/>
+            <a:miter lim="400000"/>
+          </a:ln>
+          <a:effectLst/>
+          <a:sp3d/>
+        </p:spPr>
+        <p:style>
+          <a:lnRef idx="0">
+            <a:scrgbClr r="0" g="0" b="0"/>
+          </a:lnRef>
+          <a:fillRef idx="0">
+            <a:scrgbClr r="0" g="0" b="0"/>
+          </a:fillRef>
+          <a:effectRef idx="0">
+            <a:scrgbClr r="0" g="0" b="0"/>
+          </a:effectRef>
+          <a:fontRef idx="none"/>
+        </p:style>
+        <p:txBody>
+          <a:bodyPr rot="0" spcFirstLastPara="1" vertOverflow="overflow" horzOverflow="overflow" vert="horz" wrap="none" lIns="50800" tIns="50800" rIns="50800" bIns="50800" numCol="1" spcCol="38100" rtlCol="0" anchor="ctr">
+            <a:spAutoFit/>
+          </a:bodyPr>
+          <a:lstStyle/>
+          <a:p>
+            <a:pPr marL="0" marR="0" indent="0" algn="l" defTabSz="825500" rtl="0" fontAlgn="auto" latinLnBrk="0" hangingPunct="0">
+              <a:lnSpc>
+                <a:spcPct val="100000"/>
+              </a:lnSpc>
+              <a:spcBef>
+                <a:spcPts val="3400"/>
+              </a:spcBef>
+              <a:spcAft>
+                <a:spcPts val="0"/>
+              </a:spcAft>
+              <a:buClrTx/>
+              <a:buSzTx/>
+              <a:buFontTx/>
+              <a:buNone/>
+              <a:tabLst/>
+            </a:pPr>
+            <a:r>
+              <a:rPr lang="en-US" sz="6000" dirty="0"/>
+              <a:t>C</a:t>
+            </a:r>
+            <a:r>
+              <a:rPr lang="en-BR" sz="6000" dirty="0"/>
+              <a:t>orrelação</a:t>
+            </a:r>
+            <a:r>
+              <a:rPr lang="en-BR" sz="4000" dirty="0"/>
+              <a:t> </a:t>
+            </a:r>
+            <a:endParaRPr kumimoji="0" lang="en-BR" sz="4000" b="0" i="0" u="none" strike="noStrike" cap="none" spc="0" normalizeH="0" baseline="0" dirty="0">
+              <a:ln>
+                <a:noFill/>
+              </a:ln>
+              <a:solidFill>
+                <a:srgbClr val="838787"/>
+              </a:solidFill>
+              <a:effectLst/>
+              <a:uFillTx/>
+              <a:latin typeface="Avenir Next Medium"/>
+              <a:ea typeface="Avenir Next Medium"/>
+              <a:cs typeface="Avenir Next Medium"/>
+              <a:sym typeface="Avenir Next Medium"/>
+            </a:endParaRPr>
+          </a:p>
+        </p:txBody>
+      </p:sp>
+      <p:sp>
+        <p:nvSpPr>
+          <p:cNvPr id="7" name="TextBox 6">
+            <a:extLst>
+              <a:ext uri="{FF2B5EF4-FFF2-40B4-BE49-F238E27FC236}">
+                <a16:creationId xmlns:a16="http://schemas.microsoft.com/office/drawing/2014/main" id="{BE9485DF-498D-8049-8A2A-EF0A0F8A6E41}"/>
+              </a:ext>
+            </a:extLst>
+          </p:cNvPr>
+          <p:cNvSpPr txBox="1"/>
+          <p:nvPr/>
+        </p:nvSpPr>
+        <p:spPr>
+          <a:xfrm>
+            <a:off x="15931662" y="6858000"/>
+            <a:ext cx="3861635" cy="1461939"/>
+          </a:xfrm>
+          <a:prstGeom prst="rect">
+            <a:avLst/>
+          </a:prstGeom>
+          <a:noFill/>
+          <a:ln w="12700" cap="flat">
+            <a:noFill/>
+            <a:miter lim="400000"/>
+          </a:ln>
+          <a:effectLst/>
+          <a:sp3d/>
+        </p:spPr>
+        <p:style>
+          <a:lnRef idx="0">
+            <a:scrgbClr r="0" g="0" b="0"/>
+          </a:lnRef>
+          <a:fillRef idx="0">
+            <a:scrgbClr r="0" g="0" b="0"/>
+          </a:fillRef>
+          <a:effectRef idx="0">
+            <a:scrgbClr r="0" g="0" b="0"/>
+          </a:effectRef>
+          <a:fontRef idx="none"/>
+        </p:style>
+        <p:txBody>
+          <a:bodyPr rot="0" spcFirstLastPara="1" vertOverflow="overflow" horzOverflow="overflow" vert="horz" wrap="none" lIns="50800" tIns="50800" rIns="50800" bIns="50800" numCol="1" spcCol="38100" rtlCol="0" anchor="ctr">
+            <a:spAutoFit/>
+          </a:bodyPr>
+          <a:lstStyle/>
+          <a:p>
+            <a:pPr marL="0" marR="0" indent="0" algn="l" defTabSz="825500" rtl="0" fontAlgn="auto" latinLnBrk="0" hangingPunct="0">
+              <a:lnSpc>
+                <a:spcPct val="100000"/>
+              </a:lnSpc>
+              <a:spcBef>
+                <a:spcPts val="3400"/>
+              </a:spcBef>
+              <a:spcAft>
+                <a:spcPts val="0"/>
+              </a:spcAft>
+              <a:buClrTx/>
+              <a:buSzTx/>
+              <a:buFontTx/>
+              <a:buNone/>
+              <a:tabLst/>
+            </a:pPr>
+            <a:r>
+              <a:rPr lang="en-BR" sz="6000" dirty="0"/>
+              <a:t>r</a:t>
+            </a:r>
+            <a:r>
+              <a:rPr kumimoji="0" lang="en-BR" sz="6000" b="0" i="0" u="none" strike="noStrike" cap="none" spc="0" normalizeH="0" baseline="0" dirty="0">
+                <a:ln>
+                  <a:noFill/>
+                </a:ln>
+                <a:solidFill>
+                  <a:srgbClr val="838787"/>
+                </a:solidFill>
+                <a:effectLst/>
+                <a:uFillTx/>
+                <a:latin typeface="Avenir Next Medium"/>
+                <a:ea typeface="Avenir Next Medium"/>
+                <a:cs typeface="Avenir Next Medium"/>
+                <a:sym typeface="Avenir Next Medium"/>
+              </a:rPr>
+              <a:t>emovidos</a:t>
+            </a:r>
+          </a:p>
+        </p:txBody>
+      </p:sp>
+      <p:sp>
+        <p:nvSpPr>
+          <p:cNvPr id="8" name="Rectangle 7">
+            <a:extLst>
+              <a:ext uri="{FF2B5EF4-FFF2-40B4-BE49-F238E27FC236}">
+                <a16:creationId xmlns:a16="http://schemas.microsoft.com/office/drawing/2014/main" id="{55439E46-EC62-4B4E-B54D-61A5408844E7}"/>
+              </a:ext>
+            </a:extLst>
+          </p:cNvPr>
+          <p:cNvSpPr/>
+          <p:nvPr/>
+        </p:nvSpPr>
+        <p:spPr>
+          <a:xfrm>
+            <a:off x="0" y="2637692"/>
+            <a:ext cx="24384000" cy="316523"/>
+          </a:xfrm>
+          <a:prstGeom prst="rect">
+            <a:avLst/>
+          </a:prstGeom>
+          <a:solidFill>
+            <a:schemeClr val="accent1"/>
+          </a:solidFill>
+          <a:ln w="12700" cap="flat">
+            <a:noFill/>
+            <a:miter lim="400000"/>
+          </a:ln>
+          <a:effectLst/>
+          <a:sp3d/>
+        </p:spPr>
+        <p:style>
+          <a:lnRef idx="0">
+            <a:scrgbClr r="0" g="0" b="0"/>
+          </a:lnRef>
+          <a:fillRef idx="0">
+            <a:scrgbClr r="0" g="0" b="0"/>
+          </a:fillRef>
+          <a:effectRef idx="0">
+            <a:scrgbClr r="0" g="0" b="0"/>
+          </a:effectRef>
+          <a:fontRef idx="none"/>
+        </p:style>
+        <p:txBody>
+          <a:bodyPr rot="0" spcFirstLastPara="1" vertOverflow="overflow" horzOverflow="overflow" vert="horz" wrap="square" lIns="50800" tIns="50800" rIns="50800" bIns="50800" numCol="1" spcCol="38100" rtlCol="0" anchor="ctr">
+            <a:spAutoFit/>
+          </a:bodyPr>
+          <a:lstStyle/>
+          <a:p>
+            <a:pPr marL="0" marR="0" indent="0" algn="ctr" defTabSz="825500" rtl="0" fontAlgn="auto" latinLnBrk="0" hangingPunct="0">
+              <a:lnSpc>
+                <a:spcPct val="80000"/>
+              </a:lnSpc>
+              <a:spcBef>
+                <a:spcPts val="0"/>
+              </a:spcBef>
+              <a:spcAft>
+                <a:spcPts val="0"/>
+              </a:spcAft>
+              <a:buClrTx/>
+              <a:buSzTx/>
+              <a:buFontTx/>
+              <a:buNone/>
+              <a:tabLst/>
+            </a:pPr>
+            <a:endParaRPr kumimoji="0" lang="en-BR" sz="4000" b="0" i="0" u="none" strike="noStrike" cap="all" spc="0" normalizeH="0" baseline="0">
+              <a:ln>
+                <a:noFill/>
+              </a:ln>
+              <a:solidFill>
+                <a:srgbClr val="FFFFFF"/>
+              </a:solidFill>
+              <a:effectLst/>
+              <a:uFillTx/>
+              <a:latin typeface="+mn-lt"/>
+              <a:ea typeface="+mn-ea"/>
+              <a:cs typeface="+mn-cs"/>
+              <a:sym typeface="DIN Condensed Bold"/>
+            </a:endParaRPr>
+          </a:p>
+        </p:txBody>
+      </p:sp>
+      <p:sp>
+        <p:nvSpPr>
+          <p:cNvPr id="12" name="Rectangle 11">
+            <a:extLst>
+              <a:ext uri="{FF2B5EF4-FFF2-40B4-BE49-F238E27FC236}">
+                <a16:creationId xmlns:a16="http://schemas.microsoft.com/office/drawing/2014/main" id="{9C76E8E8-25B4-544E-AD21-80FEABB3080F}"/>
+              </a:ext>
+            </a:extLst>
+          </p:cNvPr>
+          <p:cNvSpPr/>
+          <p:nvPr/>
+        </p:nvSpPr>
+        <p:spPr>
+          <a:xfrm>
+            <a:off x="0" y="3024553"/>
+            <a:ext cx="24384000" cy="316523"/>
+          </a:xfrm>
+          <a:prstGeom prst="rect">
+            <a:avLst/>
+          </a:prstGeom>
+          <a:solidFill>
+            <a:schemeClr val="accent1">
+              <a:lumMod val="60000"/>
+              <a:lumOff val="40000"/>
+            </a:schemeClr>
+          </a:solidFill>
+          <a:ln w="12700" cap="flat">
+            <a:noFill/>
+            <a:miter lim="400000"/>
+          </a:ln>
+          <a:effectLst/>
+          <a:sp3d/>
+        </p:spPr>
+        <p:style>
+          <a:lnRef idx="0">
+            <a:scrgbClr r="0" g="0" b="0"/>
+          </a:lnRef>
+          <a:fillRef idx="0">
+            <a:scrgbClr r="0" g="0" b="0"/>
+          </a:fillRef>
+          <a:effectRef idx="0">
+            <a:scrgbClr r="0" g="0" b="0"/>
+          </a:effectRef>
+          <a:fontRef idx="none"/>
+        </p:style>
+        <p:txBody>
+          <a:bodyPr rot="0" spcFirstLastPara="1" vertOverflow="overflow" horzOverflow="overflow" vert="horz" wrap="square" lIns="50800" tIns="50800" rIns="50800" bIns="50800" numCol="1" spcCol="38100" rtlCol="0" anchor="ctr">
+            <a:spAutoFit/>
+          </a:bodyPr>
+          <a:lstStyle/>
+          <a:p>
+            <a:pPr marL="0" marR="0" indent="0" algn="ctr" defTabSz="825500" rtl="0" fontAlgn="auto" latinLnBrk="0" hangingPunct="0">
+              <a:lnSpc>
+                <a:spcPct val="80000"/>
+              </a:lnSpc>
+              <a:spcBef>
+                <a:spcPts val="0"/>
+              </a:spcBef>
+              <a:spcAft>
+                <a:spcPts val="0"/>
+              </a:spcAft>
+              <a:buClrTx/>
+              <a:buSzTx/>
+              <a:buFontTx/>
+              <a:buNone/>
+              <a:tabLst/>
+            </a:pPr>
+            <a:endParaRPr kumimoji="0" lang="en-BR" sz="4000" b="0" i="0" u="none" strike="noStrike" cap="all" spc="0" normalizeH="0" baseline="0">
+              <a:ln>
+                <a:noFill/>
+              </a:ln>
+              <a:solidFill>
+                <a:srgbClr val="FFFFFF"/>
+              </a:solidFill>
+              <a:effectLst/>
+              <a:uFillTx/>
+              <a:latin typeface="+mn-lt"/>
+              <a:ea typeface="+mn-ea"/>
+              <a:cs typeface="+mn-cs"/>
+              <a:sym typeface="DIN Condensed Bold"/>
+            </a:endParaRPr>
+          </a:p>
+        </p:txBody>
+      </p:sp>
+      <p:sp>
+        <p:nvSpPr>
+          <p:cNvPr id="13" name="Rectangle 12">
+            <a:extLst>
+              <a:ext uri="{FF2B5EF4-FFF2-40B4-BE49-F238E27FC236}">
+                <a16:creationId xmlns:a16="http://schemas.microsoft.com/office/drawing/2014/main" id="{ECD2E81E-E879-B048-8014-A58E9BDDD86F}"/>
+              </a:ext>
+            </a:extLst>
+          </p:cNvPr>
+          <p:cNvSpPr/>
+          <p:nvPr/>
+        </p:nvSpPr>
+        <p:spPr>
+          <a:xfrm>
+            <a:off x="0" y="2221311"/>
+            <a:ext cx="24384000" cy="316523"/>
+          </a:xfrm>
+          <a:prstGeom prst="rect">
+            <a:avLst/>
+          </a:prstGeom>
+          <a:solidFill>
+            <a:schemeClr val="accent1">
+              <a:lumMod val="50000"/>
+            </a:schemeClr>
+          </a:solidFill>
+          <a:ln w="12700" cap="flat">
+            <a:noFill/>
+            <a:miter lim="400000"/>
+          </a:ln>
+          <a:effectLst/>
+          <a:sp3d/>
+        </p:spPr>
+        <p:style>
+          <a:lnRef idx="0">
+            <a:scrgbClr r="0" g="0" b="0"/>
+          </a:lnRef>
+          <a:fillRef idx="0">
+            <a:scrgbClr r="0" g="0" b="0"/>
+          </a:fillRef>
+          <a:effectRef idx="0">
+            <a:scrgbClr r="0" g="0" b="0"/>
+          </a:effectRef>
+          <a:fontRef idx="none"/>
+        </p:style>
+        <p:txBody>
+          <a:bodyPr rot="0" spcFirstLastPara="1" vertOverflow="overflow" horzOverflow="overflow" vert="horz" wrap="square" lIns="50800" tIns="50800" rIns="50800" bIns="50800" numCol="1" spcCol="38100" rtlCol="0" anchor="ctr">
+            <a:spAutoFit/>
+          </a:bodyPr>
+          <a:lstStyle/>
+          <a:p>
+            <a:pPr marL="0" marR="0" indent="0" algn="ctr" defTabSz="825500" rtl="0" fontAlgn="auto" latinLnBrk="0" hangingPunct="0">
+              <a:lnSpc>
+                <a:spcPct val="80000"/>
+              </a:lnSpc>
+              <a:spcBef>
+                <a:spcPts val="0"/>
+              </a:spcBef>
+              <a:spcAft>
+                <a:spcPts val="0"/>
+              </a:spcAft>
+              <a:buClrTx/>
+              <a:buSzTx/>
+              <a:buFontTx/>
+              <a:buNone/>
+              <a:tabLst/>
+            </a:pPr>
+            <a:endParaRPr kumimoji="0" lang="en-BR" sz="4000" b="0" i="0" u="none" strike="noStrike" cap="all" spc="0" normalizeH="0" baseline="0">
+              <a:ln>
+                <a:noFill/>
+              </a:ln>
+              <a:solidFill>
+                <a:srgbClr val="FFFFFF"/>
+              </a:solidFill>
+              <a:effectLst/>
+              <a:uFillTx/>
+              <a:latin typeface="+mn-lt"/>
+              <a:ea typeface="+mn-ea"/>
+              <a:cs typeface="+mn-cs"/>
+              <a:sym typeface="DIN Condensed Bold"/>
+            </a:endParaRPr>
+          </a:p>
+        </p:txBody>
+      </p:sp>
+      <p:sp>
+        <p:nvSpPr>
+          <p:cNvPr id="11" name="TextBox 10">
+            <a:extLst>
+              <a:ext uri="{FF2B5EF4-FFF2-40B4-BE49-F238E27FC236}">
+                <a16:creationId xmlns:a16="http://schemas.microsoft.com/office/drawing/2014/main" id="{A75AABA7-74EB-0841-8DA0-0074B6380680}"/>
+              </a:ext>
+            </a:extLst>
+          </p:cNvPr>
+          <p:cNvSpPr txBox="1"/>
+          <p:nvPr/>
+        </p:nvSpPr>
+        <p:spPr>
+          <a:xfrm>
+            <a:off x="3263666" y="10494415"/>
+            <a:ext cx="12479378" cy="1000274"/>
+          </a:xfrm>
+          <a:prstGeom prst="rect">
+            <a:avLst/>
+          </a:prstGeom>
+          <a:noFill/>
+          <a:ln w="12700" cap="flat">
+            <a:noFill/>
+            <a:miter lim="400000"/>
+          </a:ln>
+          <a:effectLst/>
+          <a:sp3d/>
+        </p:spPr>
+        <p:style>
+          <a:lnRef idx="0">
+            <a:scrgbClr r="0" g="0" b="0"/>
+          </a:lnRef>
+          <a:fillRef idx="0">
+            <a:scrgbClr r="0" g="0" b="0"/>
+          </a:fillRef>
+          <a:effectRef idx="0">
+            <a:scrgbClr r="0" g="0" b="0"/>
+          </a:effectRef>
+          <a:fontRef idx="none"/>
+        </p:style>
+        <p:txBody>
+          <a:bodyPr rot="0" spcFirstLastPara="1" vertOverflow="overflow" horzOverflow="overflow" vert="horz" wrap="none" lIns="50800" tIns="50800" rIns="50800" bIns="50800" numCol="1" spcCol="38100" rtlCol="0" anchor="ctr">
+            <a:spAutoFit/>
+          </a:bodyPr>
+          <a:lstStyle/>
+          <a:p>
+            <a:pPr marL="0" marR="0" indent="0" algn="l" defTabSz="825500" rtl="0" fontAlgn="auto" latinLnBrk="0" hangingPunct="0">
+              <a:lnSpc>
+                <a:spcPct val="100000"/>
+              </a:lnSpc>
+              <a:spcBef>
+                <a:spcPts val="3400"/>
+              </a:spcBef>
+              <a:spcAft>
+                <a:spcPts val="0"/>
+              </a:spcAft>
+              <a:buClrTx/>
+              <a:buSzTx/>
+              <a:buFontTx/>
+              <a:buNone/>
+              <a:tabLst/>
+            </a:pPr>
+            <a:r>
+              <a:rPr kumimoji="0" lang="en-BR" sz="3000" b="0" i="0" u="none" strike="noStrike" cap="none" spc="0" normalizeH="0" baseline="0" dirty="0">
+                <a:ln>
+                  <a:noFill/>
+                </a:ln>
+                <a:solidFill>
+                  <a:srgbClr val="838787"/>
+                </a:solidFill>
+                <a:effectLst/>
+                <a:uFillTx/>
+                <a:latin typeface="Avenir Next Medium"/>
+                <a:ea typeface="Avenir Next Medium"/>
+                <a:cs typeface="Avenir Next Medium"/>
+                <a:sym typeface="Avenir Next Medium"/>
+              </a:rPr>
+              <a:t>- Removido também Hospital_Number do grupo de dados numéricos </a:t>
+            </a:r>
+          </a:p>
+        </p:txBody>
+      </p:sp>
+    </p:spTree>
+    <p:extLst>
+      <p:ext uri="{BB962C8B-B14F-4D97-AF65-F5344CB8AC3E}">
+        <p14:creationId xmlns:p14="http://schemas.microsoft.com/office/powerpoint/2010/main" val="1094225736"/>
+      </p:ext>
+    </p:extLst>
+  </p:cSld>
+  <p:clrMapOvr>
+    <a:masterClrMapping/>
+  </p:clrMapOvr>
+  <p:transition spd="med"/>
+</p:sld>
+</file>
+
+<file path=ppt/slides/slide7.xml><?xml version="1.0" encoding="utf-8"?>
+<p:sld xmlns:a="http://schemas.openxmlformats.org/drawingml/2006/main" xmlns:r="http://schemas.openxmlformats.org/officeDocument/2006/relationships" xmlns:p="http://schemas.openxmlformats.org/presentationml/2006/main">
   <p:cSld>
     <p:spTree>
       <p:nvGrpSpPr>
@@ -5503,7 +7154,9 @@
       <p:sp>
         <p:nvSpPr>
           <p:cNvPr id="185" name="Mais correlacionados com target"/>
-          <p:cNvSpPr txBox="1"/>
+          <p:cNvSpPr txBox="1">
+            <a:spLocks noGrp="1"/>
+          </p:cNvSpPr>
           <p:nvPr>
             <p:ph type="body" idx="21"/>
           </p:nvPr>
@@ -5517,7 +7170,6 @@
           <a:bodyPr/>
           <a:lstStyle/>
           <a:p>
-            <a:pPr/>
             <a:r>
               <a:t>Mais correlacionados com target</a:t>
             </a:r>
@@ -5533,9 +7185,7 @@
           <p:nvPr/>
         </p:nvPicPr>
         <p:blipFill>
-          <a:blip r:embed="rId2">
-            <a:extLst/>
-          </a:blip>
+          <a:blip r:embed="rId2"/>
           <a:stretch>
             <a:fillRect/>
           </a:stretch>
@@ -5572,7 +7222,7 @@
           </a:ln>
           <a:extLst>
             <a:ext uri="{C572A759-6A51-4108-AA02-DFA0A04FC94B}">
-              <ma14:wrappingTextBoxFlag xmlns:ma14="http://schemas.microsoft.com/office/mac/drawingml/2011/main" val="1"/>
+              <ma14:wrappingTextBoxFlag xmlns:ma14="http://schemas.microsoft.com/office/mac/drawingml/2011/main" xmlns:a14="http://schemas.microsoft.com/office/drawing/2010/main" xmlns:m="http://schemas.openxmlformats.org/officeDocument/2006/math" xmlns="" val="1"/>
             </a:ext>
           </a:extLst>
         </p:spPr>
@@ -5582,7 +7232,6 @@
           </a:bodyPr>
           <a:lstStyle/>
           <a:p>
-            <a:pPr/>
             <a:r>
               <a:t>Packed Cell Volume &amp; Outcome</a:t>
             </a:r>
@@ -5598,9 +7247,7 @@
           <p:nvPr/>
         </p:nvPicPr>
         <p:blipFill>
-          <a:blip r:embed="rId3">
-            <a:extLst/>
-          </a:blip>
+          <a:blip r:embed="rId3"/>
           <a:stretch>
             <a:fillRect/>
           </a:stretch>
@@ -5637,7 +7284,7 @@
           </a:ln>
           <a:extLst>
             <a:ext uri="{C572A759-6A51-4108-AA02-DFA0A04FC94B}">
-              <ma14:wrappingTextBoxFlag xmlns:ma14="http://schemas.microsoft.com/office/mac/drawingml/2011/main" val="1"/>
+              <ma14:wrappingTextBoxFlag xmlns:ma14="http://schemas.microsoft.com/office/mac/drawingml/2011/main" xmlns:a14="http://schemas.microsoft.com/office/drawing/2010/main" xmlns:m="http://schemas.openxmlformats.org/officeDocument/2006/math" xmlns="" val="1"/>
             </a:ext>
           </a:extLst>
         </p:spPr>
@@ -5647,7 +7294,6 @@
           </a:bodyPr>
           <a:lstStyle/>
           <a:p>
-            <a:pPr/>
             <a:r>
               <a:t>Pulse &amp; Outcome</a:t>
             </a:r>
@@ -5659,12 +7305,410 @@
   <p:clrMapOvr>
     <a:masterClrMapping/>
   </p:clrMapOvr>
-  <p:transition xmlns:p14="http://schemas.microsoft.com/office/powerpoint/2010/main" spd="med" advClick="1"/>
+  <p:transition spd="med"/>
+</p:sld>
+</file>
+
+<file path=ppt/slides/slide8.xml><?xml version="1.0" encoding="utf-8"?>
+<p:sld xmlns:a="http://schemas.openxmlformats.org/drawingml/2006/main" xmlns:r="http://schemas.openxmlformats.org/officeDocument/2006/relationships" xmlns:p="http://schemas.openxmlformats.org/presentationml/2006/main">
+  <p:cSld>
+    <p:spTree>
+      <p:nvGrpSpPr>
+        <p:cNvPr id="1" name=""/>
+        <p:cNvGrpSpPr/>
+        <p:nvPr/>
+      </p:nvGrpSpPr>
+      <p:grpSpPr>
+        <a:xfrm>
+          <a:off x="0" y="0"/>
+          <a:ext cx="0" cy="0"/>
+          <a:chOff x="0" y="0"/>
+          <a:chExt cx="0" cy="0"/>
+        </a:xfrm>
+      </p:grpSpPr>
+      <p:pic>
+        <p:nvPicPr>
+          <p:cNvPr id="4" name="Picture 3">
+            <a:extLst>
+              <a:ext uri="{FF2B5EF4-FFF2-40B4-BE49-F238E27FC236}">
+                <a16:creationId xmlns:a16="http://schemas.microsoft.com/office/drawing/2014/main" id="{05733F3C-6D52-5445-B1D6-0721EAF48B27}"/>
+              </a:ext>
+            </a:extLst>
+          </p:cNvPr>
+          <p:cNvPicPr>
+            <a:picLocks noChangeAspect="1"/>
+          </p:cNvPicPr>
+          <p:nvPr/>
+        </p:nvPicPr>
+        <p:blipFill>
+          <a:blip r:embed="rId2"/>
+          <a:stretch>
+            <a:fillRect/>
+          </a:stretch>
+        </p:blipFill>
+        <p:spPr>
+          <a:xfrm>
+            <a:off x="3001107" y="1731108"/>
+            <a:ext cx="18381785" cy="11598031"/>
+          </a:xfrm>
+          <a:prstGeom prst="rect">
+            <a:avLst/>
+          </a:prstGeom>
+        </p:spPr>
+      </p:pic>
+      <p:sp>
+        <p:nvSpPr>
+          <p:cNvPr id="5" name="TextBox 4">
+            <a:extLst>
+              <a:ext uri="{FF2B5EF4-FFF2-40B4-BE49-F238E27FC236}">
+                <a16:creationId xmlns:a16="http://schemas.microsoft.com/office/drawing/2014/main" id="{27C2620B-272A-7141-A216-95D43F334438}"/>
+              </a:ext>
+            </a:extLst>
+          </p:cNvPr>
+          <p:cNvSpPr txBox="1"/>
+          <p:nvPr/>
+        </p:nvSpPr>
+        <p:spPr>
+          <a:xfrm>
+            <a:off x="738553" y="309917"/>
+            <a:ext cx="8802090" cy="1154162"/>
+          </a:xfrm>
+          <a:prstGeom prst="rect">
+            <a:avLst/>
+          </a:prstGeom>
+          <a:noFill/>
+          <a:ln w="12700" cap="flat">
+            <a:noFill/>
+            <a:miter lim="400000"/>
+          </a:ln>
+          <a:effectLst/>
+          <a:sp3d/>
+        </p:spPr>
+        <p:style>
+          <a:lnRef idx="0">
+            <a:scrgbClr r="0" g="0" b="0"/>
+          </a:lnRef>
+          <a:fillRef idx="0">
+            <a:scrgbClr r="0" g="0" b="0"/>
+          </a:fillRef>
+          <a:effectRef idx="0">
+            <a:scrgbClr r="0" g="0" b="0"/>
+          </a:effectRef>
+          <a:fontRef idx="none"/>
+        </p:style>
+        <p:txBody>
+          <a:bodyPr rot="0" spcFirstLastPara="1" vertOverflow="overflow" horzOverflow="overflow" vert="horz" wrap="none" lIns="50800" tIns="50800" rIns="50800" bIns="50800" numCol="1" spcCol="38100" rtlCol="0" anchor="ctr">
+            <a:spAutoFit/>
+          </a:bodyPr>
+          <a:lstStyle/>
+          <a:p>
+            <a:pPr marL="0" marR="0" indent="0" algn="l" defTabSz="825500" rtl="0" fontAlgn="auto" latinLnBrk="0" hangingPunct="0">
+              <a:lnSpc>
+                <a:spcPct val="100000"/>
+              </a:lnSpc>
+              <a:spcBef>
+                <a:spcPts val="3400"/>
+              </a:spcBef>
+              <a:spcAft>
+                <a:spcPts val="0"/>
+              </a:spcAft>
+              <a:buClrTx/>
+              <a:buSzTx/>
+              <a:buFontTx/>
+              <a:buNone/>
+              <a:tabLst/>
+            </a:pPr>
+            <a:r>
+              <a:rPr kumimoji="0" lang="en-BR" sz="4000" b="0" i="0" u="none" strike="noStrike" cap="none" spc="0" normalizeH="0" baseline="0" dirty="0">
+                <a:ln>
+                  <a:noFill/>
+                </a:ln>
+                <a:solidFill>
+                  <a:srgbClr val="838787"/>
+                </a:solidFill>
+                <a:effectLst/>
+                <a:uFillTx/>
+                <a:latin typeface="Avenir Next Medium"/>
+                <a:ea typeface="Avenir Next Medium"/>
+                <a:cs typeface="Avenir Next Medium"/>
+                <a:sym typeface="Avenir Next Medium"/>
+              </a:rPr>
+              <a:t>Histograma das variáveis categóricas</a:t>
+            </a:r>
+          </a:p>
+        </p:txBody>
+      </p:sp>
+    </p:spTree>
+    <p:extLst>
+      <p:ext uri="{BB962C8B-B14F-4D97-AF65-F5344CB8AC3E}">
+        <p14:creationId xmlns:p14="http://schemas.microsoft.com/office/powerpoint/2010/main" val="2309996313"/>
+      </p:ext>
+    </p:extLst>
+  </p:cSld>
+  <p:clrMapOvr>
+    <a:masterClrMapping/>
+  </p:clrMapOvr>
+  <p:transition spd="med"/>
+</p:sld>
+</file>
+
+<file path=ppt/slides/slide9.xml><?xml version="1.0" encoding="utf-8"?>
+<p:sld xmlns:a="http://schemas.openxmlformats.org/drawingml/2006/main" xmlns:r="http://schemas.openxmlformats.org/officeDocument/2006/relationships" xmlns:p="http://schemas.openxmlformats.org/presentationml/2006/main">
+  <p:cSld>
+    <p:spTree>
+      <p:nvGrpSpPr>
+        <p:cNvPr id="1" name=""/>
+        <p:cNvGrpSpPr/>
+        <p:nvPr/>
+      </p:nvGrpSpPr>
+      <p:grpSpPr>
+        <a:xfrm>
+          <a:off x="0" y="0"/>
+          <a:ext cx="0" cy="0"/>
+          <a:chOff x="0" y="0"/>
+          <a:chExt cx="0" cy="0"/>
+        </a:xfrm>
+      </p:grpSpPr>
+      <p:sp>
+        <p:nvSpPr>
+          <p:cNvPr id="3" name="Title 2">
+            <a:extLst>
+              <a:ext uri="{FF2B5EF4-FFF2-40B4-BE49-F238E27FC236}">
+                <a16:creationId xmlns:a16="http://schemas.microsoft.com/office/drawing/2014/main" id="{DA10EEBD-C737-1343-ACE7-801A09118D58}"/>
+              </a:ext>
+            </a:extLst>
+          </p:cNvPr>
+          <p:cNvSpPr>
+            <a:spLocks noGrp="1"/>
+          </p:cNvSpPr>
+          <p:nvPr>
+            <p:ph type="title"/>
+          </p:nvPr>
+        </p:nvSpPr>
+        <p:spPr/>
+        <p:txBody>
+          <a:bodyPr>
+            <a:normAutofit fontScale="90000"/>
+          </a:bodyPr>
+          <a:lstStyle/>
+          <a:p>
+            <a:r>
+              <a:rPr lang="pt-PT" dirty="0"/>
+              <a:t>codificação de valores categóricos</a:t>
+            </a:r>
+            <a:endParaRPr lang="en-BR" dirty="0"/>
+          </a:p>
+        </p:txBody>
+      </p:sp>
+      <p:sp>
+        <p:nvSpPr>
+          <p:cNvPr id="4" name="TextBox 3">
+            <a:extLst>
+              <a:ext uri="{FF2B5EF4-FFF2-40B4-BE49-F238E27FC236}">
+                <a16:creationId xmlns:a16="http://schemas.microsoft.com/office/drawing/2014/main" id="{F5264629-0C91-384F-8E77-DD5AFFB25236}"/>
+              </a:ext>
+            </a:extLst>
+          </p:cNvPr>
+          <p:cNvSpPr txBox="1"/>
+          <p:nvPr/>
+        </p:nvSpPr>
+        <p:spPr>
+          <a:xfrm>
+            <a:off x="762000" y="5370413"/>
+            <a:ext cx="21382892" cy="2975173"/>
+          </a:xfrm>
+          <a:prstGeom prst="rect">
+            <a:avLst/>
+          </a:prstGeom>
+          <a:noFill/>
+          <a:ln w="12700" cap="flat">
+            <a:noFill/>
+            <a:miter lim="400000"/>
+          </a:ln>
+          <a:effectLst/>
+          <a:sp3d/>
+        </p:spPr>
+        <p:style>
+          <a:lnRef idx="0">
+            <a:scrgbClr r="0" g="0" b="0"/>
+          </a:lnRef>
+          <a:fillRef idx="0">
+            <a:scrgbClr r="0" g="0" b="0"/>
+          </a:fillRef>
+          <a:effectRef idx="0">
+            <a:scrgbClr r="0" g="0" b="0"/>
+          </a:effectRef>
+          <a:fontRef idx="none"/>
+        </p:style>
+        <p:txBody>
+          <a:bodyPr rot="0" spcFirstLastPara="1" vertOverflow="overflow" horzOverflow="overflow" vert="horz" wrap="square" lIns="50800" tIns="50800" rIns="50800" bIns="50800" numCol="1" spcCol="38100" rtlCol="0" anchor="ctr">
+            <a:spAutoFit/>
+          </a:bodyPr>
+          <a:lstStyle/>
+          <a:p>
+            <a:r>
+              <a:rPr lang="en-US" sz="6000" b="1" dirty="0"/>
+              <a:t>One Hot Encoding: </a:t>
+            </a:r>
+            <a:r>
+              <a:rPr lang="en-US" sz="4000" dirty="0"/>
+              <a:t>a </a:t>
+            </a:r>
+            <a:r>
+              <a:rPr lang="en-US" sz="4000" dirty="0" err="1"/>
+              <a:t>variavél</a:t>
+            </a:r>
+            <a:r>
+              <a:rPr lang="en-US" sz="4000" dirty="0"/>
+              <a:t> </a:t>
+            </a:r>
+            <a:r>
+              <a:rPr lang="en-US" sz="4000" dirty="0" err="1"/>
+              <a:t>categórica</a:t>
+            </a:r>
+            <a:r>
+              <a:rPr lang="en-US" sz="4000" dirty="0"/>
+              <a:t> com </a:t>
+            </a:r>
+            <a:r>
+              <a:rPr lang="en-US" sz="4000" dirty="0" err="1"/>
+              <a:t>maior</a:t>
+            </a:r>
+            <a:r>
+              <a:rPr lang="en-US" sz="4000" dirty="0"/>
+              <a:t> </a:t>
+            </a:r>
+            <a:r>
+              <a:rPr lang="en-US" sz="4000" dirty="0" err="1"/>
+              <a:t>número</a:t>
+            </a:r>
+            <a:r>
+              <a:rPr lang="en-US" sz="4000" dirty="0"/>
+              <a:t> de valores </a:t>
+            </a:r>
+            <a:r>
+              <a:rPr lang="en-US" sz="4000" dirty="0" err="1"/>
+              <a:t>únicos</a:t>
+            </a:r>
+            <a:r>
+              <a:rPr lang="en-US" sz="4000" dirty="0"/>
+              <a:t> </a:t>
+            </a:r>
+            <a:r>
+              <a:rPr lang="en-US" sz="4000" dirty="0" err="1"/>
+              <a:t>tinha</a:t>
+            </a:r>
+            <a:r>
+              <a:rPr lang="en-US" sz="4000" dirty="0"/>
+              <a:t> 5 </a:t>
+            </a:r>
+            <a:r>
+              <a:rPr lang="en-US" sz="4000" dirty="0" err="1"/>
+              <a:t>registros</a:t>
+            </a:r>
+            <a:r>
+              <a:rPr lang="en-US" sz="4000" dirty="0"/>
+              <a:t> </a:t>
+            </a:r>
+            <a:r>
+              <a:rPr lang="en-US" sz="4000" dirty="0" err="1"/>
+              <a:t>diferentes</a:t>
+            </a:r>
+            <a:r>
+              <a:rPr lang="en-US" sz="4000" dirty="0"/>
+              <a:t>. A </a:t>
+            </a:r>
+            <a:r>
+              <a:rPr lang="en-US" sz="4000" dirty="0" err="1"/>
+              <a:t>maioria</a:t>
+            </a:r>
+            <a:r>
+              <a:rPr lang="en-US" sz="4000" dirty="0"/>
+              <a:t> segue um </a:t>
+            </a:r>
+            <a:r>
+              <a:rPr lang="en-US" sz="4000" dirty="0" err="1"/>
+              <a:t>padrão</a:t>
+            </a:r>
+            <a:r>
+              <a:rPr lang="en-US" sz="4000" dirty="0"/>
+              <a:t> </a:t>
+            </a:r>
+            <a:r>
+              <a:rPr lang="en-US" sz="4000" dirty="0" err="1"/>
+              <a:t>binário</a:t>
+            </a:r>
+            <a:r>
+              <a:rPr lang="en-US" sz="4000" dirty="0"/>
+              <a:t> </a:t>
+            </a:r>
+            <a:r>
+              <a:rPr lang="en-US" sz="4000" dirty="0" err="1"/>
+              <a:t>ou</a:t>
+            </a:r>
+            <a:r>
+              <a:rPr lang="en-US" sz="4000" dirty="0"/>
+              <a:t> </a:t>
+            </a:r>
+            <a:r>
+              <a:rPr lang="en-US" sz="4000" dirty="0" err="1"/>
+              <a:t>ternário</a:t>
+            </a:r>
+            <a:r>
+              <a:rPr lang="en-US" sz="4000" dirty="0"/>
+              <a:t>. </a:t>
+            </a:r>
+          </a:p>
+          <a:p>
+            <a:pPr marL="0" marR="0" indent="0" algn="l" defTabSz="825500" rtl="0" fontAlgn="auto" latinLnBrk="0" hangingPunct="0">
+              <a:lnSpc>
+                <a:spcPct val="100000"/>
+              </a:lnSpc>
+              <a:spcBef>
+                <a:spcPts val="3400"/>
+              </a:spcBef>
+              <a:spcAft>
+                <a:spcPts val="0"/>
+              </a:spcAft>
+              <a:buClrTx/>
+              <a:buSzTx/>
+              <a:buFontTx/>
+              <a:buNone/>
+              <a:tabLst/>
+            </a:pPr>
+            <a:endParaRPr kumimoji="0" lang="en-BR" sz="3000" b="0" i="0" u="none" strike="noStrike" cap="none" spc="0" normalizeH="0" baseline="0" dirty="0">
+              <a:ln>
+                <a:noFill/>
+              </a:ln>
+              <a:solidFill>
+                <a:srgbClr val="838787"/>
+              </a:solidFill>
+              <a:effectLst/>
+              <a:uFillTx/>
+              <a:latin typeface="Avenir Next Medium"/>
+              <a:ea typeface="Avenir Next Medium"/>
+              <a:cs typeface="Avenir Next Medium"/>
+              <a:sym typeface="Avenir Next Medium"/>
+            </a:endParaRPr>
+          </a:p>
+        </p:txBody>
+      </p:sp>
+    </p:spTree>
+    <p:extLst>
+      <p:ext uri="{BB962C8B-B14F-4D97-AF65-F5344CB8AC3E}">
+        <p14:creationId xmlns:p14="http://schemas.microsoft.com/office/powerpoint/2010/main" val="1263052179"/>
+      </p:ext>
+    </p:extLst>
+  </p:cSld>
+  <p:clrMapOvr>
+    <a:masterClrMapping/>
+  </p:clrMapOvr>
+  <p:transition spd="med"/>
 </p:sld>
 </file>
 
 <file path=ppt/theme/theme1.xml><?xml version="1.0" encoding="utf-8"?>
-<a:theme xmlns:a="http://schemas.openxmlformats.org/drawingml/2006/main" xmlns:r="http://schemas.openxmlformats.org/officeDocument/2006/relationships" name="New_Template7">
+<a:theme xmlns:a="http://schemas.openxmlformats.org/drawingml/2006/main" name="New_Template7">
   <a:themeElements>
     <a:clrScheme name="New_Template7">
       <a:dk1>
@@ -5863,7 +7907,7 @@
         <a:effectLst/>
         <a:sp3d/>
       </a:spPr>
-      <a:bodyPr rot="0" spcFirstLastPara="1" vertOverflow="overflow" horzOverflow="overflow" vert="horz" wrap="square" lIns="50800" tIns="50800" rIns="50800" bIns="50800" numCol="1" spcCol="38100" rtlCol="0" anchor="ctr" upright="0">
+      <a:bodyPr rot="0" spcFirstLastPara="1" vertOverflow="overflow" horzOverflow="overflow" vert="horz" wrap="square" lIns="50800" tIns="50800" rIns="50800" bIns="50800" numCol="1" spcCol="38100" rtlCol="0" anchor="ctr">
         <a:spAutoFit/>
       </a:bodyPr>
       <a:lstStyle>
@@ -5882,7 +7926,7 @@
           <a:buFontTx/>
           <a:buNone/>
           <a:tabLst/>
-          <a:defRPr b="0" baseline="0" cap="all" i="0" spc="0" strike="noStrike" sz="4000" u="none" kumimoji="0" normalizeH="0">
+          <a:defRPr kumimoji="0" sz="4000" b="0" i="0" u="none" strike="noStrike" cap="all" spc="0" normalizeH="0" baseline="0">
             <a:ln>
               <a:noFill/>
             </a:ln>
@@ -5912,7 +7956,7 @@
           <a:buFontTx/>
           <a:buNone/>
           <a:tabLst/>
-          <a:defRPr b="0" baseline="0" cap="none" i="0" spc="0" strike="noStrike" sz="1800" u="none" kumimoji="0" normalizeH="0">
+          <a:defRPr kumimoji="0" sz="1800" b="0" i="0" u="none" strike="noStrike" cap="none" spc="0" normalizeH="0" baseline="0">
             <a:ln>
               <a:noFill/>
             </a:ln>
@@ -5938,7 +7982,7 @@
           <a:buFontTx/>
           <a:buNone/>
           <a:tabLst/>
-          <a:defRPr b="0" baseline="0" cap="none" i="0" spc="0" strike="noStrike" sz="1800" u="none" kumimoji="0" normalizeH="0">
+          <a:defRPr kumimoji="0" sz="1800" b="0" i="0" u="none" strike="noStrike" cap="none" spc="0" normalizeH="0" baseline="0">
             <a:ln>
               <a:noFill/>
             </a:ln>
@@ -5964,7 +8008,7 @@
           <a:buFontTx/>
           <a:buNone/>
           <a:tabLst/>
-          <a:defRPr b="0" baseline="0" cap="none" i="0" spc="0" strike="noStrike" sz="1800" u="none" kumimoji="0" normalizeH="0">
+          <a:defRPr kumimoji="0" sz="1800" b="0" i="0" u="none" strike="noStrike" cap="none" spc="0" normalizeH="0" baseline="0">
             <a:ln>
               <a:noFill/>
             </a:ln>
@@ -5990,7 +8034,7 @@
           <a:buFontTx/>
           <a:buNone/>
           <a:tabLst/>
-          <a:defRPr b="0" baseline="0" cap="none" i="0" spc="0" strike="noStrike" sz="1800" u="none" kumimoji="0" normalizeH="0">
+          <a:defRPr kumimoji="0" sz="1800" b="0" i="0" u="none" strike="noStrike" cap="none" spc="0" normalizeH="0" baseline="0">
             <a:ln>
               <a:noFill/>
             </a:ln>
@@ -6016,7 +8060,7 @@
           <a:buFontTx/>
           <a:buNone/>
           <a:tabLst/>
-          <a:defRPr b="0" baseline="0" cap="none" i="0" spc="0" strike="noStrike" sz="1800" u="none" kumimoji="0" normalizeH="0">
+          <a:defRPr kumimoji="0" sz="1800" b="0" i="0" u="none" strike="noStrike" cap="none" spc="0" normalizeH="0" baseline="0">
             <a:ln>
               <a:noFill/>
             </a:ln>
@@ -6042,7 +8086,7 @@
           <a:buFontTx/>
           <a:buNone/>
           <a:tabLst/>
-          <a:defRPr b="0" baseline="0" cap="none" i="0" spc="0" strike="noStrike" sz="1800" u="none" kumimoji="0" normalizeH="0">
+          <a:defRPr kumimoji="0" sz="1800" b="0" i="0" u="none" strike="noStrike" cap="none" spc="0" normalizeH="0" baseline="0">
             <a:ln>
               <a:noFill/>
             </a:ln>
@@ -6068,7 +8112,7 @@
           <a:buFontTx/>
           <a:buNone/>
           <a:tabLst/>
-          <a:defRPr b="0" baseline="0" cap="none" i="0" spc="0" strike="noStrike" sz="1800" u="none" kumimoji="0" normalizeH="0">
+          <a:defRPr kumimoji="0" sz="1800" b="0" i="0" u="none" strike="noStrike" cap="none" spc="0" normalizeH="0" baseline="0">
             <a:ln>
               <a:noFill/>
             </a:ln>
@@ -6094,7 +8138,7 @@
           <a:buFontTx/>
           <a:buNone/>
           <a:tabLst/>
-          <a:defRPr b="0" baseline="0" cap="none" i="0" spc="0" strike="noStrike" sz="1800" u="none" kumimoji="0" normalizeH="0">
+          <a:defRPr kumimoji="0" sz="1800" b="0" i="0" u="none" strike="noStrike" cap="none" spc="0" normalizeH="0" baseline="0">
             <a:ln>
               <a:noFill/>
             </a:ln>
@@ -6120,7 +8164,7 @@
           <a:buFontTx/>
           <a:buNone/>
           <a:tabLst/>
-          <a:defRPr b="0" baseline="0" cap="none" i="0" spc="0" strike="noStrike" sz="1800" u="none" kumimoji="0" normalizeH="0">
+          <a:defRPr kumimoji="0" sz="1800" b="0" i="0" u="none" strike="noStrike" cap="none" spc="0" normalizeH="0" baseline="0">
             <a:ln>
               <a:noFill/>
             </a:ln>
@@ -6133,9 +8177,15 @@
         </a:lvl9pPr>
       </a:lstStyle>
       <a:style>
-        <a:lnRef idx="0"/>
-        <a:fillRef idx="0"/>
-        <a:effectRef idx="0"/>
+        <a:lnRef idx="0">
+          <a:scrgbClr r="0" g="0" b="0"/>
+        </a:lnRef>
+        <a:fillRef idx="0">
+          <a:scrgbClr r="0" g="0" b="0"/>
+        </a:fillRef>
+        <a:effectRef idx="0">
+          <a:scrgbClr r="0" g="0" b="0"/>
+        </a:effectRef>
         <a:fontRef idx="none"/>
       </a:style>
     </a:spDef>
@@ -6152,7 +8202,7 @@
         <a:effectLst/>
         <a:sp3d/>
       </a:spPr>
-      <a:bodyPr rot="0" spcFirstLastPara="1" vertOverflow="overflow" horzOverflow="overflow" vert="horz" wrap="square" lIns="91439" tIns="45719" rIns="91439" bIns="45719" numCol="1" spcCol="38100" rtlCol="0" anchor="t" upright="0">
+      <a:bodyPr rot="0" spcFirstLastPara="1" vertOverflow="overflow" horzOverflow="overflow" vert="horz" wrap="square" lIns="91439" tIns="45719" rIns="91439" bIns="45719" numCol="1" spcCol="38100" rtlCol="0" anchor="t">
         <a:noAutofit/>
       </a:bodyPr>
       <a:lstStyle>
@@ -6171,7 +8221,7 @@
           <a:buFontTx/>
           <a:buNone/>
           <a:tabLst/>
-          <a:defRPr b="0" baseline="0" cap="none" i="0" spc="0" strike="noStrike" sz="1800" u="none" kumimoji="0" normalizeH="0">
+          <a:defRPr kumimoji="0" sz="1800" b="0" i="0" u="none" strike="noStrike" cap="none" spc="0" normalizeH="0" baseline="0">
             <a:ln>
               <a:noFill/>
             </a:ln>
@@ -6197,7 +8247,7 @@
           <a:buFontTx/>
           <a:buNone/>
           <a:tabLst/>
-          <a:defRPr b="0" baseline="0" cap="none" i="0" spc="0" strike="noStrike" sz="1800" u="none" kumimoji="0" normalizeH="0">
+          <a:defRPr kumimoji="0" sz="1800" b="0" i="0" u="none" strike="noStrike" cap="none" spc="0" normalizeH="0" baseline="0">
             <a:ln>
               <a:noFill/>
             </a:ln>
@@ -6223,7 +8273,7 @@
           <a:buFontTx/>
           <a:buNone/>
           <a:tabLst/>
-          <a:defRPr b="0" baseline="0" cap="none" i="0" spc="0" strike="noStrike" sz="1800" u="none" kumimoji="0" normalizeH="0">
+          <a:defRPr kumimoji="0" sz="1800" b="0" i="0" u="none" strike="noStrike" cap="none" spc="0" normalizeH="0" baseline="0">
             <a:ln>
               <a:noFill/>
             </a:ln>
@@ -6249,7 +8299,7 @@
           <a:buFontTx/>
           <a:buNone/>
           <a:tabLst/>
-          <a:defRPr b="0" baseline="0" cap="none" i="0" spc="0" strike="noStrike" sz="1800" u="none" kumimoji="0" normalizeH="0">
+          <a:defRPr kumimoji="0" sz="1800" b="0" i="0" u="none" strike="noStrike" cap="none" spc="0" normalizeH="0" baseline="0">
             <a:ln>
               <a:noFill/>
             </a:ln>
@@ -6275,7 +8325,7 @@
           <a:buFontTx/>
           <a:buNone/>
           <a:tabLst/>
-          <a:defRPr b="0" baseline="0" cap="none" i="0" spc="0" strike="noStrike" sz="1800" u="none" kumimoji="0" normalizeH="0">
+          <a:defRPr kumimoji="0" sz="1800" b="0" i="0" u="none" strike="noStrike" cap="none" spc="0" normalizeH="0" baseline="0">
             <a:ln>
               <a:noFill/>
             </a:ln>
@@ -6301,7 +8351,7 @@
           <a:buFontTx/>
           <a:buNone/>
           <a:tabLst/>
-          <a:defRPr b="0" baseline="0" cap="none" i="0" spc="0" strike="noStrike" sz="1800" u="none" kumimoji="0" normalizeH="0">
+          <a:defRPr kumimoji="0" sz="1800" b="0" i="0" u="none" strike="noStrike" cap="none" spc="0" normalizeH="0" baseline="0">
             <a:ln>
               <a:noFill/>
             </a:ln>
@@ -6327,7 +8377,7 @@
           <a:buFontTx/>
           <a:buNone/>
           <a:tabLst/>
-          <a:defRPr b="0" baseline="0" cap="none" i="0" spc="0" strike="noStrike" sz="1800" u="none" kumimoji="0" normalizeH="0">
+          <a:defRPr kumimoji="0" sz="1800" b="0" i="0" u="none" strike="noStrike" cap="none" spc="0" normalizeH="0" baseline="0">
             <a:ln>
               <a:noFill/>
             </a:ln>
@@ -6353,7 +8403,7 @@
           <a:buFontTx/>
           <a:buNone/>
           <a:tabLst/>
-          <a:defRPr b="0" baseline="0" cap="none" i="0" spc="0" strike="noStrike" sz="1800" u="none" kumimoji="0" normalizeH="0">
+          <a:defRPr kumimoji="0" sz="1800" b="0" i="0" u="none" strike="noStrike" cap="none" spc="0" normalizeH="0" baseline="0">
             <a:ln>
               <a:noFill/>
             </a:ln>
@@ -6379,7 +8429,7 @@
           <a:buFontTx/>
           <a:buNone/>
           <a:tabLst/>
-          <a:defRPr b="0" baseline="0" cap="none" i="0" spc="0" strike="noStrike" sz="1800" u="none" kumimoji="0" normalizeH="0">
+          <a:defRPr kumimoji="0" sz="1800" b="0" i="0" u="none" strike="noStrike" cap="none" spc="0" normalizeH="0" baseline="0">
             <a:ln>
               <a:noFill/>
             </a:ln>
@@ -6405,7 +8455,7 @@
           <a:buFontTx/>
           <a:buNone/>
           <a:tabLst/>
-          <a:defRPr b="0" baseline="0" cap="none" i="0" spc="0" strike="noStrike" sz="1800" u="none" kumimoji="0" normalizeH="0">
+          <a:defRPr kumimoji="0" sz="1800" b="0" i="0" u="none" strike="noStrike" cap="none" spc="0" normalizeH="0" baseline="0">
             <a:ln>
               <a:noFill/>
             </a:ln>
@@ -6418,9 +8468,15 @@
         </a:lvl9pPr>
       </a:lstStyle>
       <a:style>
-        <a:lnRef idx="0"/>
-        <a:fillRef idx="0"/>
-        <a:effectRef idx="0"/>
+        <a:lnRef idx="0">
+          <a:scrgbClr r="0" g="0" b="0"/>
+        </a:lnRef>
+        <a:fillRef idx="0">
+          <a:scrgbClr r="0" g="0" b="0"/>
+        </a:fillRef>
+        <a:effectRef idx="0">
+          <a:scrgbClr r="0" g="0" b="0"/>
+        </a:effectRef>
         <a:fontRef idx="none"/>
       </a:style>
     </a:lnDef>
@@ -6434,7 +8490,7 @@
         <a:effectLst/>
         <a:sp3d/>
       </a:spPr>
-      <a:bodyPr rot="0" spcFirstLastPara="1" vertOverflow="overflow" horzOverflow="overflow" vert="horz" wrap="square" lIns="50800" tIns="50800" rIns="50800" bIns="50800" numCol="1" spcCol="38100" rtlCol="0" anchor="ctr" upright="0">
+      <a:bodyPr rot="0" spcFirstLastPara="1" vertOverflow="overflow" horzOverflow="overflow" vert="horz" wrap="square" lIns="50800" tIns="50800" rIns="50800" bIns="50800" numCol="1" spcCol="38100" rtlCol="0" anchor="ctr">
         <a:spAutoFit/>
       </a:bodyPr>
       <a:lstStyle>
@@ -6453,7 +8509,7 @@
           <a:buFontTx/>
           <a:buNone/>
           <a:tabLst/>
-          <a:defRPr b="0" baseline="0" cap="none" i="0" spc="0" strike="noStrike" sz="3000" u="none" kumimoji="0" normalizeH="0">
+          <a:defRPr kumimoji="0" sz="3000" b="0" i="0" u="none" strike="noStrike" cap="none" spc="0" normalizeH="0" baseline="0">
             <a:ln>
               <a:noFill/>
             </a:ln>
@@ -6483,7 +8539,7 @@
           <a:buFontTx/>
           <a:buNone/>
           <a:tabLst/>
-          <a:defRPr b="0" baseline="0" cap="none" i="0" spc="0" strike="noStrike" sz="1800" u="none" kumimoji="0" normalizeH="0">
+          <a:defRPr kumimoji="0" sz="1800" b="0" i="0" u="none" strike="noStrike" cap="none" spc="0" normalizeH="0" baseline="0">
             <a:ln>
               <a:noFill/>
             </a:ln>
@@ -6509,7 +8565,7 @@
           <a:buFontTx/>
           <a:buNone/>
           <a:tabLst/>
-          <a:defRPr b="0" baseline="0" cap="none" i="0" spc="0" strike="noStrike" sz="1800" u="none" kumimoji="0" normalizeH="0">
+          <a:defRPr kumimoji="0" sz="1800" b="0" i="0" u="none" strike="noStrike" cap="none" spc="0" normalizeH="0" baseline="0">
             <a:ln>
               <a:noFill/>
             </a:ln>
@@ -6535,7 +8591,7 @@
           <a:buFontTx/>
           <a:buNone/>
           <a:tabLst/>
-          <a:defRPr b="0" baseline="0" cap="none" i="0" spc="0" strike="noStrike" sz="1800" u="none" kumimoji="0" normalizeH="0">
+          <a:defRPr kumimoji="0" sz="1800" b="0" i="0" u="none" strike="noStrike" cap="none" spc="0" normalizeH="0" baseline="0">
             <a:ln>
               <a:noFill/>
             </a:ln>
@@ -6561,7 +8617,7 @@
           <a:buFontTx/>
           <a:buNone/>
           <a:tabLst/>
-          <a:defRPr b="0" baseline="0" cap="none" i="0" spc="0" strike="noStrike" sz="1800" u="none" kumimoji="0" normalizeH="0">
+          <a:defRPr kumimoji="0" sz="1800" b="0" i="0" u="none" strike="noStrike" cap="none" spc="0" normalizeH="0" baseline="0">
             <a:ln>
               <a:noFill/>
             </a:ln>
@@ -6587,7 +8643,7 @@
           <a:buFontTx/>
           <a:buNone/>
           <a:tabLst/>
-          <a:defRPr b="0" baseline="0" cap="none" i="0" spc="0" strike="noStrike" sz="1800" u="none" kumimoji="0" normalizeH="0">
+          <a:defRPr kumimoji="0" sz="1800" b="0" i="0" u="none" strike="noStrike" cap="none" spc="0" normalizeH="0" baseline="0">
             <a:ln>
               <a:noFill/>
             </a:ln>
@@ -6613,7 +8669,7 @@
           <a:buFontTx/>
           <a:buNone/>
           <a:tabLst/>
-          <a:defRPr b="0" baseline="0" cap="none" i="0" spc="0" strike="noStrike" sz="1800" u="none" kumimoji="0" normalizeH="0">
+          <a:defRPr kumimoji="0" sz="1800" b="0" i="0" u="none" strike="noStrike" cap="none" spc="0" normalizeH="0" baseline="0">
             <a:ln>
               <a:noFill/>
             </a:ln>
@@ -6639,7 +8695,7 @@
           <a:buFontTx/>
           <a:buNone/>
           <a:tabLst/>
-          <a:defRPr b="0" baseline="0" cap="none" i="0" spc="0" strike="noStrike" sz="1800" u="none" kumimoji="0" normalizeH="0">
+          <a:defRPr kumimoji="0" sz="1800" b="0" i="0" u="none" strike="noStrike" cap="none" spc="0" normalizeH="0" baseline="0">
             <a:ln>
               <a:noFill/>
             </a:ln>
@@ -6665,7 +8721,7 @@
           <a:buFontTx/>
           <a:buNone/>
           <a:tabLst/>
-          <a:defRPr b="0" baseline="0" cap="none" i="0" spc="0" strike="noStrike" sz="1800" u="none" kumimoji="0" normalizeH="0">
+          <a:defRPr kumimoji="0" sz="1800" b="0" i="0" u="none" strike="noStrike" cap="none" spc="0" normalizeH="0" baseline="0">
             <a:ln>
               <a:noFill/>
             </a:ln>
@@ -6691,7 +8747,7 @@
           <a:buFontTx/>
           <a:buNone/>
           <a:tabLst/>
-          <a:defRPr b="0" baseline="0" cap="none" i="0" spc="0" strike="noStrike" sz="1800" u="none" kumimoji="0" normalizeH="0">
+          <a:defRPr kumimoji="0" sz="1800" b="0" i="0" u="none" strike="noStrike" cap="none" spc="0" normalizeH="0" baseline="0">
             <a:ln>
               <a:noFill/>
             </a:ln>
@@ -6704,18 +8760,25 @@
         </a:lvl9pPr>
       </a:lstStyle>
       <a:style>
-        <a:lnRef idx="0"/>
-        <a:fillRef idx="0"/>
-        <a:effectRef idx="0"/>
+        <a:lnRef idx="0">
+          <a:scrgbClr r="0" g="0" b="0"/>
+        </a:lnRef>
+        <a:fillRef idx="0">
+          <a:scrgbClr r="0" g="0" b="0"/>
+        </a:fillRef>
+        <a:effectRef idx="0">
+          <a:scrgbClr r="0" g="0" b="0"/>
+        </a:effectRef>
         <a:fontRef idx="none"/>
       </a:style>
     </a:txDef>
   </a:objectDefaults>
+  <a:extraClrSchemeLst/>
 </a:theme>
 </file>
 
 <file path=ppt/theme/theme2.xml><?xml version="1.0" encoding="utf-8"?>
-<a:theme xmlns:a="http://schemas.openxmlformats.org/drawingml/2006/main" xmlns:r="http://schemas.openxmlformats.org/officeDocument/2006/relationships" name="New_Template7">
+<a:theme xmlns:a="http://schemas.openxmlformats.org/drawingml/2006/main" name="New_Template7">
   <a:themeElements>
     <a:clrScheme name="New_Template7">
       <a:dk1>
@@ -6914,7 +8977,7 @@
         <a:effectLst/>
         <a:sp3d/>
       </a:spPr>
-      <a:bodyPr rot="0" spcFirstLastPara="1" vertOverflow="overflow" horzOverflow="overflow" vert="horz" wrap="square" lIns="50800" tIns="50800" rIns="50800" bIns="50800" numCol="1" spcCol="38100" rtlCol="0" anchor="ctr" upright="0">
+      <a:bodyPr rot="0" spcFirstLastPara="1" vertOverflow="overflow" horzOverflow="overflow" vert="horz" wrap="square" lIns="50800" tIns="50800" rIns="50800" bIns="50800" numCol="1" spcCol="38100" rtlCol="0" anchor="ctr">
         <a:spAutoFit/>
       </a:bodyPr>
       <a:lstStyle>
@@ -6933,7 +8996,7 @@
           <a:buFontTx/>
           <a:buNone/>
           <a:tabLst/>
-          <a:defRPr b="0" baseline="0" cap="all" i="0" spc="0" strike="noStrike" sz="4000" u="none" kumimoji="0" normalizeH="0">
+          <a:defRPr kumimoji="0" sz="4000" b="0" i="0" u="none" strike="noStrike" cap="all" spc="0" normalizeH="0" baseline="0">
             <a:ln>
               <a:noFill/>
             </a:ln>
@@ -6963,7 +9026,7 @@
           <a:buFontTx/>
           <a:buNone/>
           <a:tabLst/>
-          <a:defRPr b="0" baseline="0" cap="none" i="0" spc="0" strike="noStrike" sz="1800" u="none" kumimoji="0" normalizeH="0">
+          <a:defRPr kumimoji="0" sz="1800" b="0" i="0" u="none" strike="noStrike" cap="none" spc="0" normalizeH="0" baseline="0">
             <a:ln>
               <a:noFill/>
             </a:ln>
@@ -6989,7 +9052,7 @@
           <a:buFontTx/>
           <a:buNone/>
           <a:tabLst/>
-          <a:defRPr b="0" baseline="0" cap="none" i="0" spc="0" strike="noStrike" sz="1800" u="none" kumimoji="0" normalizeH="0">
+          <a:defRPr kumimoji="0" sz="1800" b="0" i="0" u="none" strike="noStrike" cap="none" spc="0" normalizeH="0" baseline="0">
             <a:ln>
               <a:noFill/>
             </a:ln>
@@ -7015,7 +9078,7 @@
           <a:buFontTx/>
           <a:buNone/>
           <a:tabLst/>
-          <a:defRPr b="0" baseline="0" cap="none" i="0" spc="0" strike="noStrike" sz="1800" u="none" kumimoji="0" normalizeH="0">
+          <a:defRPr kumimoji="0" sz="1800" b="0" i="0" u="none" strike="noStrike" cap="none" spc="0" normalizeH="0" baseline="0">
             <a:ln>
               <a:noFill/>
             </a:ln>
@@ -7041,7 +9104,7 @@
           <a:buFontTx/>
           <a:buNone/>
           <a:tabLst/>
-          <a:defRPr b="0" baseline="0" cap="none" i="0" spc="0" strike="noStrike" sz="1800" u="none" kumimoji="0" normalizeH="0">
+          <a:defRPr kumimoji="0" sz="1800" b="0" i="0" u="none" strike="noStrike" cap="none" spc="0" normalizeH="0" baseline="0">
             <a:ln>
               <a:noFill/>
             </a:ln>
@@ -7067,7 +9130,7 @@
           <a:buFontTx/>
           <a:buNone/>
           <a:tabLst/>
-          <a:defRPr b="0" baseline="0" cap="none" i="0" spc="0" strike="noStrike" sz="1800" u="none" kumimoji="0" normalizeH="0">
+          <a:defRPr kumimoji="0" sz="1800" b="0" i="0" u="none" strike="noStrike" cap="none" spc="0" normalizeH="0" baseline="0">
             <a:ln>
               <a:noFill/>
             </a:ln>
@@ -7093,7 +9156,7 @@
           <a:buFontTx/>
           <a:buNone/>
           <a:tabLst/>
-          <a:defRPr b="0" baseline="0" cap="none" i="0" spc="0" strike="noStrike" sz="1800" u="none" kumimoji="0" normalizeH="0">
+          <a:defRPr kumimoji="0" sz="1800" b="0" i="0" u="none" strike="noStrike" cap="none" spc="0" normalizeH="0" baseline="0">
             <a:ln>
               <a:noFill/>
             </a:ln>
@@ -7119,7 +9182,7 @@
           <a:buFontTx/>
           <a:buNone/>
           <a:tabLst/>
-          <a:defRPr b="0" baseline="0" cap="none" i="0" spc="0" strike="noStrike" sz="1800" u="none" kumimoji="0" normalizeH="0">
+          <a:defRPr kumimoji="0" sz="1800" b="0" i="0" u="none" strike="noStrike" cap="none" spc="0" normalizeH="0" baseline="0">
             <a:ln>
               <a:noFill/>
             </a:ln>
@@ -7145,7 +9208,7 @@
           <a:buFontTx/>
           <a:buNone/>
           <a:tabLst/>
-          <a:defRPr b="0" baseline="0" cap="none" i="0" spc="0" strike="noStrike" sz="1800" u="none" kumimoji="0" normalizeH="0">
+          <a:defRPr kumimoji="0" sz="1800" b="0" i="0" u="none" strike="noStrike" cap="none" spc="0" normalizeH="0" baseline="0">
             <a:ln>
               <a:noFill/>
             </a:ln>
@@ -7171,7 +9234,7 @@
           <a:buFontTx/>
           <a:buNone/>
           <a:tabLst/>
-          <a:defRPr b="0" baseline="0" cap="none" i="0" spc="0" strike="noStrike" sz="1800" u="none" kumimoji="0" normalizeH="0">
+          <a:defRPr kumimoji="0" sz="1800" b="0" i="0" u="none" strike="noStrike" cap="none" spc="0" normalizeH="0" baseline="0">
             <a:ln>
               <a:noFill/>
             </a:ln>
@@ -7184,9 +9247,15 @@
         </a:lvl9pPr>
       </a:lstStyle>
       <a:style>
-        <a:lnRef idx="0"/>
-        <a:fillRef idx="0"/>
-        <a:effectRef idx="0"/>
+        <a:lnRef idx="0">
+          <a:scrgbClr r="0" g="0" b="0"/>
+        </a:lnRef>
+        <a:fillRef idx="0">
+          <a:scrgbClr r="0" g="0" b="0"/>
+        </a:fillRef>
+        <a:effectRef idx="0">
+          <a:scrgbClr r="0" g="0" b="0"/>
+        </a:effectRef>
         <a:fontRef idx="none"/>
       </a:style>
     </a:spDef>
@@ -7203,7 +9272,7 @@
         <a:effectLst/>
         <a:sp3d/>
       </a:spPr>
-      <a:bodyPr rot="0" spcFirstLastPara="1" vertOverflow="overflow" horzOverflow="overflow" vert="horz" wrap="square" lIns="91439" tIns="45719" rIns="91439" bIns="45719" numCol="1" spcCol="38100" rtlCol="0" anchor="t" upright="0">
+      <a:bodyPr rot="0" spcFirstLastPara="1" vertOverflow="overflow" horzOverflow="overflow" vert="horz" wrap="square" lIns="91439" tIns="45719" rIns="91439" bIns="45719" numCol="1" spcCol="38100" rtlCol="0" anchor="t">
         <a:noAutofit/>
       </a:bodyPr>
       <a:lstStyle>
@@ -7222,7 +9291,7 @@
           <a:buFontTx/>
           <a:buNone/>
           <a:tabLst/>
-          <a:defRPr b="0" baseline="0" cap="none" i="0" spc="0" strike="noStrike" sz="1800" u="none" kumimoji="0" normalizeH="0">
+          <a:defRPr kumimoji="0" sz="1800" b="0" i="0" u="none" strike="noStrike" cap="none" spc="0" normalizeH="0" baseline="0">
             <a:ln>
               <a:noFill/>
             </a:ln>
@@ -7248,7 +9317,7 @@
           <a:buFontTx/>
           <a:buNone/>
           <a:tabLst/>
-          <a:defRPr b="0" baseline="0" cap="none" i="0" spc="0" strike="noStrike" sz="1800" u="none" kumimoji="0" normalizeH="0">
+          <a:defRPr kumimoji="0" sz="1800" b="0" i="0" u="none" strike="noStrike" cap="none" spc="0" normalizeH="0" baseline="0">
             <a:ln>
               <a:noFill/>
             </a:ln>
@@ -7274,7 +9343,7 @@
           <a:buFontTx/>
           <a:buNone/>
           <a:tabLst/>
-          <a:defRPr b="0" baseline="0" cap="none" i="0" spc="0" strike="noStrike" sz="1800" u="none" kumimoji="0" normalizeH="0">
+          <a:defRPr kumimoji="0" sz="1800" b="0" i="0" u="none" strike="noStrike" cap="none" spc="0" normalizeH="0" baseline="0">
             <a:ln>
               <a:noFill/>
             </a:ln>
@@ -7300,7 +9369,7 @@
           <a:buFontTx/>
           <a:buNone/>
           <a:tabLst/>
-          <a:defRPr b="0" baseline="0" cap="none" i="0" spc="0" strike="noStrike" sz="1800" u="none" kumimoji="0" normalizeH="0">
+          <a:defRPr kumimoji="0" sz="1800" b="0" i="0" u="none" strike="noStrike" cap="none" spc="0" normalizeH="0" baseline="0">
             <a:ln>
               <a:noFill/>
             </a:ln>
@@ -7326,7 +9395,7 @@
           <a:buFontTx/>
           <a:buNone/>
           <a:tabLst/>
-          <a:defRPr b="0" baseline="0" cap="none" i="0" spc="0" strike="noStrike" sz="1800" u="none" kumimoji="0" normalizeH="0">
+          <a:defRPr kumimoji="0" sz="1800" b="0" i="0" u="none" strike="noStrike" cap="none" spc="0" normalizeH="0" baseline="0">
             <a:ln>
               <a:noFill/>
             </a:ln>
@@ -7352,7 +9421,7 @@
           <a:buFontTx/>
           <a:buNone/>
           <a:tabLst/>
-          <a:defRPr b="0" baseline="0" cap="none" i="0" spc="0" strike="noStrike" sz="1800" u="none" kumimoji="0" normalizeH="0">
+          <a:defRPr kumimoji="0" sz="1800" b="0" i="0" u="none" strike="noStrike" cap="none" spc="0" normalizeH="0" baseline="0">
             <a:ln>
               <a:noFill/>
             </a:ln>
@@ -7378,7 +9447,7 @@
           <a:buFontTx/>
           <a:buNone/>
           <a:tabLst/>
-          <a:defRPr b="0" baseline="0" cap="none" i="0" spc="0" strike="noStrike" sz="1800" u="none" kumimoji="0" normalizeH="0">
+          <a:defRPr kumimoji="0" sz="1800" b="0" i="0" u="none" strike="noStrike" cap="none" spc="0" normalizeH="0" baseline="0">
             <a:ln>
               <a:noFill/>
             </a:ln>
@@ -7404,7 +9473,7 @@
           <a:buFontTx/>
           <a:buNone/>
           <a:tabLst/>
-          <a:defRPr b="0" baseline="0" cap="none" i="0" spc="0" strike="noStrike" sz="1800" u="none" kumimoji="0" normalizeH="0">
+          <a:defRPr kumimoji="0" sz="1800" b="0" i="0" u="none" strike="noStrike" cap="none" spc="0" normalizeH="0" baseline="0">
             <a:ln>
               <a:noFill/>
             </a:ln>
@@ -7430,7 +9499,7 @@
           <a:buFontTx/>
           <a:buNone/>
           <a:tabLst/>
-          <a:defRPr b="0" baseline="0" cap="none" i="0" spc="0" strike="noStrike" sz="1800" u="none" kumimoji="0" normalizeH="0">
+          <a:defRPr kumimoji="0" sz="1800" b="0" i="0" u="none" strike="noStrike" cap="none" spc="0" normalizeH="0" baseline="0">
             <a:ln>
               <a:noFill/>
             </a:ln>
@@ -7456,7 +9525,7 @@
           <a:buFontTx/>
           <a:buNone/>
           <a:tabLst/>
-          <a:defRPr b="0" baseline="0" cap="none" i="0" spc="0" strike="noStrike" sz="1800" u="none" kumimoji="0" normalizeH="0">
+          <a:defRPr kumimoji="0" sz="1800" b="0" i="0" u="none" strike="noStrike" cap="none" spc="0" normalizeH="0" baseline="0">
             <a:ln>
               <a:noFill/>
             </a:ln>
@@ -7469,9 +9538,15 @@
         </a:lvl9pPr>
       </a:lstStyle>
       <a:style>
-        <a:lnRef idx="0"/>
-        <a:fillRef idx="0"/>
-        <a:effectRef idx="0"/>
+        <a:lnRef idx="0">
+          <a:scrgbClr r="0" g="0" b="0"/>
+        </a:lnRef>
+        <a:fillRef idx="0">
+          <a:scrgbClr r="0" g="0" b="0"/>
+        </a:fillRef>
+        <a:effectRef idx="0">
+          <a:scrgbClr r="0" g="0" b="0"/>
+        </a:effectRef>
         <a:fontRef idx="none"/>
       </a:style>
     </a:lnDef>
@@ -7485,7 +9560,7 @@
         <a:effectLst/>
         <a:sp3d/>
       </a:spPr>
-      <a:bodyPr rot="0" spcFirstLastPara="1" vertOverflow="overflow" horzOverflow="overflow" vert="horz" wrap="square" lIns="50800" tIns="50800" rIns="50800" bIns="50800" numCol="1" spcCol="38100" rtlCol="0" anchor="ctr" upright="0">
+      <a:bodyPr rot="0" spcFirstLastPara="1" vertOverflow="overflow" horzOverflow="overflow" vert="horz" wrap="square" lIns="50800" tIns="50800" rIns="50800" bIns="50800" numCol="1" spcCol="38100" rtlCol="0" anchor="ctr">
         <a:spAutoFit/>
       </a:bodyPr>
       <a:lstStyle>
@@ -7504,7 +9579,7 @@
           <a:buFontTx/>
           <a:buNone/>
           <a:tabLst/>
-          <a:defRPr b="0" baseline="0" cap="none" i="0" spc="0" strike="noStrike" sz="3000" u="none" kumimoji="0" normalizeH="0">
+          <a:defRPr kumimoji="0" sz="3000" b="0" i="0" u="none" strike="noStrike" cap="none" spc="0" normalizeH="0" baseline="0">
             <a:ln>
               <a:noFill/>
             </a:ln>
@@ -7534,7 +9609,7 @@
           <a:buFontTx/>
           <a:buNone/>
           <a:tabLst/>
-          <a:defRPr b="0" baseline="0" cap="none" i="0" spc="0" strike="noStrike" sz="1800" u="none" kumimoji="0" normalizeH="0">
+          <a:defRPr kumimoji="0" sz="1800" b="0" i="0" u="none" strike="noStrike" cap="none" spc="0" normalizeH="0" baseline="0">
             <a:ln>
               <a:noFill/>
             </a:ln>
@@ -7560,7 +9635,7 @@
           <a:buFontTx/>
           <a:buNone/>
           <a:tabLst/>
-          <a:defRPr b="0" baseline="0" cap="none" i="0" spc="0" strike="noStrike" sz="1800" u="none" kumimoji="0" normalizeH="0">
+          <a:defRPr kumimoji="0" sz="1800" b="0" i="0" u="none" strike="noStrike" cap="none" spc="0" normalizeH="0" baseline="0">
             <a:ln>
               <a:noFill/>
             </a:ln>
@@ -7586,7 +9661,7 @@
           <a:buFontTx/>
           <a:buNone/>
           <a:tabLst/>
-          <a:defRPr b="0" baseline="0" cap="none" i="0" spc="0" strike="noStrike" sz="1800" u="none" kumimoji="0" normalizeH="0">
+          <a:defRPr kumimoji="0" sz="1800" b="0" i="0" u="none" strike="noStrike" cap="none" spc="0" normalizeH="0" baseline="0">
             <a:ln>
               <a:noFill/>
             </a:ln>
@@ -7612,7 +9687,7 @@
           <a:buFontTx/>
           <a:buNone/>
           <a:tabLst/>
-          <a:defRPr b="0" baseline="0" cap="none" i="0" spc="0" strike="noStrike" sz="1800" u="none" kumimoji="0" normalizeH="0">
+          <a:defRPr kumimoji="0" sz="1800" b="0" i="0" u="none" strike="noStrike" cap="none" spc="0" normalizeH="0" baseline="0">
             <a:ln>
               <a:noFill/>
             </a:ln>
@@ -7638,7 +9713,7 @@
           <a:buFontTx/>
           <a:buNone/>
           <a:tabLst/>
-          <a:defRPr b="0" baseline="0" cap="none" i="0" spc="0" strike="noStrike" sz="1800" u="none" kumimoji="0" normalizeH="0">
+          <a:defRPr kumimoji="0" sz="1800" b="0" i="0" u="none" strike="noStrike" cap="none" spc="0" normalizeH="0" baseline="0">
             <a:ln>
               <a:noFill/>
             </a:ln>
@@ -7664,7 +9739,7 @@
           <a:buFontTx/>
           <a:buNone/>
           <a:tabLst/>
-          <a:defRPr b="0" baseline="0" cap="none" i="0" spc="0" strike="noStrike" sz="1800" u="none" kumimoji="0" normalizeH="0">
+          <a:defRPr kumimoji="0" sz="1800" b="0" i="0" u="none" strike="noStrike" cap="none" spc="0" normalizeH="0" baseline="0">
             <a:ln>
               <a:noFill/>
             </a:ln>
@@ -7690,7 +9765,7 @@
           <a:buFontTx/>
           <a:buNone/>
           <a:tabLst/>
-          <a:defRPr b="0" baseline="0" cap="none" i="0" spc="0" strike="noStrike" sz="1800" u="none" kumimoji="0" normalizeH="0">
+          <a:defRPr kumimoji="0" sz="1800" b="0" i="0" u="none" strike="noStrike" cap="none" spc="0" normalizeH="0" baseline="0">
             <a:ln>
               <a:noFill/>
             </a:ln>
@@ -7716,7 +9791,7 @@
           <a:buFontTx/>
           <a:buNone/>
           <a:tabLst/>
-          <a:defRPr b="0" baseline="0" cap="none" i="0" spc="0" strike="noStrike" sz="1800" u="none" kumimoji="0" normalizeH="0">
+          <a:defRPr kumimoji="0" sz="1800" b="0" i="0" u="none" strike="noStrike" cap="none" spc="0" normalizeH="0" baseline="0">
             <a:ln>
               <a:noFill/>
             </a:ln>
@@ -7742,7 +9817,7 @@
           <a:buFontTx/>
           <a:buNone/>
           <a:tabLst/>
-          <a:defRPr b="0" baseline="0" cap="none" i="0" spc="0" strike="noStrike" sz="1800" u="none" kumimoji="0" normalizeH="0">
+          <a:defRPr kumimoji="0" sz="1800" b="0" i="0" u="none" strike="noStrike" cap="none" spc="0" normalizeH="0" baseline="0">
             <a:ln>
               <a:noFill/>
             </a:ln>
@@ -7755,12 +9830,19 @@
         </a:lvl9pPr>
       </a:lstStyle>
       <a:style>
-        <a:lnRef idx="0"/>
-        <a:fillRef idx="0"/>
-        <a:effectRef idx="0"/>
+        <a:lnRef idx="0">
+          <a:scrgbClr r="0" g="0" b="0"/>
+        </a:lnRef>
+        <a:fillRef idx="0">
+          <a:scrgbClr r="0" g="0" b="0"/>
+        </a:fillRef>
+        <a:effectRef idx="0">
+          <a:scrgbClr r="0" g="0" b="0"/>
+        </a:effectRef>
         <a:fontRef idx="none"/>
       </a:style>
     </a:txDef>
   </a:objectDefaults>
+  <a:extraClrSchemeLst/>
 </a:theme>
 </file>